--- a/Presentation/Abstract_Factory.pptx
+++ b/Presentation/Abstract_Factory.pptx
@@ -5,33 +5,34 @@
     <p:sldMasterId id="2147483657" r:id="rId1"/>
   </p:sldMasterIdLst>
   <p:notesMasterIdLst>
-    <p:notesMasterId r:id="rId16"/>
+    <p:notesMasterId r:id="rId17"/>
   </p:notesMasterIdLst>
   <p:sldIdLst>
     <p:sldId id="256" r:id="rId2"/>
-    <p:sldId id="284" r:id="rId3"/>
-    <p:sldId id="294" r:id="rId4"/>
-    <p:sldId id="297" r:id="rId5"/>
-    <p:sldId id="295" r:id="rId6"/>
-    <p:sldId id="293" r:id="rId7"/>
-    <p:sldId id="288" r:id="rId8"/>
-    <p:sldId id="289" r:id="rId9"/>
-    <p:sldId id="286" r:id="rId10"/>
-    <p:sldId id="291" r:id="rId11"/>
-    <p:sldId id="296" r:id="rId12"/>
-    <p:sldId id="287" r:id="rId13"/>
-    <p:sldId id="292" r:id="rId14"/>
-    <p:sldId id="290" r:id="rId15"/>
+    <p:sldId id="295" r:id="rId3"/>
+    <p:sldId id="298" r:id="rId4"/>
+    <p:sldId id="299" r:id="rId5"/>
+    <p:sldId id="294" r:id="rId6"/>
+    <p:sldId id="284" r:id="rId7"/>
+    <p:sldId id="297" r:id="rId8"/>
+    <p:sldId id="293" r:id="rId9"/>
+    <p:sldId id="291" r:id="rId10"/>
+    <p:sldId id="288" r:id="rId11"/>
+    <p:sldId id="289" r:id="rId12"/>
+    <p:sldId id="296" r:id="rId13"/>
+    <p:sldId id="287" r:id="rId14"/>
+    <p:sldId id="292" r:id="rId15"/>
+    <p:sldId id="290" r:id="rId16"/>
   </p:sldIdLst>
   <p:sldSz cx="9144000" cy="6858000" type="screen4x3"/>
   <p:notesSz cx="6858000" cy="9144000"/>
   <p:embeddedFontLst>
     <p:embeddedFont>
       <p:font typeface="Cousine" panose="020B0604020202020204" charset="0"/>
-      <p:regular r:id="rId17"/>
-      <p:bold r:id="rId18"/>
-      <p:italic r:id="rId19"/>
-      <p:boldItalic r:id="rId20"/>
+      <p:regular r:id="rId18"/>
+      <p:bold r:id="rId19"/>
+      <p:italic r:id="rId20"/>
+      <p:boldItalic r:id="rId21"/>
     </p:embeddedFont>
   </p:embeddedFontLst>
   <p:defaultTextStyle>
@@ -807,6 +808,138 @@
         </p:txBody>
       </p:sp>
     </p:spTree>
+  </p:cSld>
+  <p:clrMapOvr>
+    <a:masterClrMapping/>
+  </p:clrMapOvr>
+</p:notes>
+</file>
+
+<file path=ppt/notesSlides/notesSlide2.xml><?xml version="1.0" encoding="utf-8"?>
+<p:notes xmlns:a="http://schemas.openxmlformats.org/drawingml/2006/main" xmlns:r="http://schemas.openxmlformats.org/officeDocument/2006/relationships" xmlns:p="http://schemas.openxmlformats.org/presentationml/2006/main">
+  <p:cSld>
+    <p:spTree>
+      <p:nvGrpSpPr>
+        <p:cNvPr id="1" name=""/>
+        <p:cNvGrpSpPr/>
+        <p:nvPr/>
+      </p:nvGrpSpPr>
+      <p:grpSpPr>
+        <a:xfrm>
+          <a:off x="0" y="0"/>
+          <a:ext cx="0" cy="0"/>
+          <a:chOff x="0" y="0"/>
+          <a:chExt cx="0" cy="0"/>
+        </a:xfrm>
+      </p:grpSpPr>
+      <p:sp>
+        <p:nvSpPr>
+          <p:cNvPr id="2" name="Folienbildplatzhalter 1"/>
+          <p:cNvSpPr>
+            <a:spLocks noGrp="1" noRot="1" noChangeAspect="1"/>
+          </p:cNvSpPr>
+          <p:nvPr>
+            <p:ph type="sldImg"/>
+          </p:nvPr>
+        </p:nvSpPr>
+        <p:spPr>
+          <a:xfrm>
+            <a:off x="1143000" y="685800"/>
+            <a:ext cx="4572000" cy="3429000"/>
+          </a:xfrm>
+        </p:spPr>
+      </p:sp>
+      <p:sp>
+        <p:nvSpPr>
+          <p:cNvPr id="3" name="Notizenplatzhalter 2"/>
+          <p:cNvSpPr>
+            <a:spLocks noGrp="1"/>
+          </p:cNvSpPr>
+          <p:nvPr>
+            <p:ph type="body" idx="1"/>
+          </p:nvPr>
+        </p:nvSpPr>
+        <p:spPr/>
+        <p:txBody>
+          <a:bodyPr/>
+          <a:lstStyle/>
+          <a:p>
+            <a:endParaRPr lang="de-AT" dirty="0"/>
+          </a:p>
+        </p:txBody>
+      </p:sp>
+    </p:spTree>
+    <p:extLst>
+      <p:ext uri="{BB962C8B-B14F-4D97-AF65-F5344CB8AC3E}">
+        <p14:creationId xmlns:p14="http://schemas.microsoft.com/office/powerpoint/2010/main" val="284255135"/>
+      </p:ext>
+    </p:extLst>
+  </p:cSld>
+  <p:clrMapOvr>
+    <a:masterClrMapping/>
+  </p:clrMapOvr>
+</p:notes>
+</file>
+
+<file path=ppt/notesSlides/notesSlide3.xml><?xml version="1.0" encoding="utf-8"?>
+<p:notes xmlns:a="http://schemas.openxmlformats.org/drawingml/2006/main" xmlns:r="http://schemas.openxmlformats.org/officeDocument/2006/relationships" xmlns:p="http://schemas.openxmlformats.org/presentationml/2006/main">
+  <p:cSld>
+    <p:spTree>
+      <p:nvGrpSpPr>
+        <p:cNvPr id="1" name=""/>
+        <p:cNvGrpSpPr/>
+        <p:nvPr/>
+      </p:nvGrpSpPr>
+      <p:grpSpPr>
+        <a:xfrm>
+          <a:off x="0" y="0"/>
+          <a:ext cx="0" cy="0"/>
+          <a:chOff x="0" y="0"/>
+          <a:chExt cx="0" cy="0"/>
+        </a:xfrm>
+      </p:grpSpPr>
+      <p:sp>
+        <p:nvSpPr>
+          <p:cNvPr id="2" name="Folienbildplatzhalter 1"/>
+          <p:cNvSpPr>
+            <a:spLocks noGrp="1" noRot="1" noChangeAspect="1"/>
+          </p:cNvSpPr>
+          <p:nvPr>
+            <p:ph type="sldImg"/>
+          </p:nvPr>
+        </p:nvSpPr>
+        <p:spPr>
+          <a:xfrm>
+            <a:off x="1143000" y="685800"/>
+            <a:ext cx="4572000" cy="3429000"/>
+          </a:xfrm>
+        </p:spPr>
+      </p:sp>
+      <p:sp>
+        <p:nvSpPr>
+          <p:cNvPr id="3" name="Notizenplatzhalter 2"/>
+          <p:cNvSpPr>
+            <a:spLocks noGrp="1"/>
+          </p:cNvSpPr>
+          <p:nvPr>
+            <p:ph type="body" idx="1"/>
+          </p:nvPr>
+        </p:nvSpPr>
+        <p:spPr/>
+        <p:txBody>
+          <a:bodyPr/>
+          <a:lstStyle/>
+          <a:p>
+            <a:endParaRPr lang="de-AT" dirty="0"/>
+          </a:p>
+        </p:txBody>
+      </p:sp>
+    </p:spTree>
+    <p:extLst>
+      <p:ext uri="{BB962C8B-B14F-4D97-AF65-F5344CB8AC3E}">
+        <p14:creationId xmlns:p14="http://schemas.microsoft.com/office/powerpoint/2010/main" val="255339701"/>
+      </p:ext>
+    </p:extLst>
   </p:cSld>
   <p:clrMapOvr>
     <a:masterClrMapping/>
@@ -3064,7 +3197,7 @@
           <p:cNvPr id="2" name="Titel 1">
             <a:extLst>
               <a:ext uri="{FF2B5EF4-FFF2-40B4-BE49-F238E27FC236}">
-                <a16:creationId xmlns:a16="http://schemas.microsoft.com/office/drawing/2014/main" id="{8C6E7EAF-8474-45CF-A3A9-244067D765FF}"/>
+                <a16:creationId xmlns:a16="http://schemas.microsoft.com/office/drawing/2014/main" id="{7B49886A-DBF8-4690-989A-AC6DC97DB377}"/>
               </a:ext>
             </a:extLst>
           </p:cNvPr>
@@ -3082,7 +3215,7 @@
           <a:p>
             <a:r>
               <a:rPr lang="de-AT" dirty="0"/>
-              <a:t>Komponenten der Abstract Factory</a:t>
+              <a:t>Vorteile</a:t>
             </a:r>
           </a:p>
         </p:txBody>
@@ -3092,7 +3225,7 @@
           <p:cNvPr id="3" name="Textplatzhalter 2">
             <a:extLst>
               <a:ext uri="{FF2B5EF4-FFF2-40B4-BE49-F238E27FC236}">
-                <a16:creationId xmlns:a16="http://schemas.microsoft.com/office/drawing/2014/main" id="{2F5A5B35-6995-43DE-A433-ECE2936F9401}"/>
+                <a16:creationId xmlns:a16="http://schemas.microsoft.com/office/drawing/2014/main" id="{D8D7EF8A-8ECD-4E2A-970B-5A44EF7B8AD4}"/>
               </a:ext>
             </a:extLst>
           </p:cNvPr>
@@ -3110,67 +3243,49 @@
           <a:p>
             <a:r>
               <a:rPr lang="de-AT" dirty="0"/>
-              <a:t>Interface</a:t>
-            </a:r>
-          </a:p>
-          <a:p>
-            <a:r>
-              <a:rPr lang="de-AT" dirty="0"/>
-              <a:t>Konkrete Klassen, die das Interface implementieren</a:t>
-            </a:r>
-          </a:p>
-          <a:p>
-            <a:r>
-              <a:rPr lang="de-AT" dirty="0"/>
-              <a:t>Abstrakte Klasse </a:t>
-            </a:r>
-            <a:r>
-              <a:rPr lang="de-AT" dirty="0">
-                <a:sym typeface="Wingdings" panose="05000000000000000000" pitchFamily="2" charset="2"/>
-              </a:rPr>
-              <a:t> Abstract Factory</a:t>
-            </a:r>
-          </a:p>
-          <a:p>
-            <a:r>
-              <a:rPr lang="de-AT" dirty="0">
-                <a:sym typeface="Wingdings" panose="05000000000000000000" pitchFamily="2" charset="2"/>
-              </a:rPr>
-              <a:t>Konkrete </a:t>
-            </a:r>
-            <a:r>
-              <a:rPr lang="de-AT" dirty="0" err="1">
-                <a:sym typeface="Wingdings" panose="05000000000000000000" pitchFamily="2" charset="2"/>
-              </a:rPr>
-              <a:t>Factories</a:t>
-            </a:r>
-            <a:r>
-              <a:rPr lang="de-AT" dirty="0">
-                <a:sym typeface="Wingdings" panose="05000000000000000000" pitchFamily="2" charset="2"/>
-              </a:rPr>
-              <a:t>, die von abstrakter Factory abgeleitet sind</a:t>
-            </a:r>
-          </a:p>
-          <a:p>
-            <a:r>
-              <a:rPr lang="de-AT" dirty="0">
-                <a:sym typeface="Wingdings" panose="05000000000000000000" pitchFamily="2" charset="2"/>
-              </a:rPr>
-              <a:t>Factory Producer, der einem die konkreten </a:t>
-            </a:r>
-            <a:r>
-              <a:rPr lang="de-AT" dirty="0" err="1">
-                <a:sym typeface="Wingdings" panose="05000000000000000000" pitchFamily="2" charset="2"/>
-              </a:rPr>
-              <a:t>Factories</a:t>
-            </a:r>
-            <a:r>
-              <a:rPr lang="de-AT" dirty="0">
-                <a:sym typeface="Wingdings" panose="05000000000000000000" pitchFamily="2" charset="2"/>
-              </a:rPr>
-              <a:t> erzeugt</a:t>
-            </a:r>
-            <a:endParaRPr lang="de-AT" dirty="0"/>
+              <a:t>Isolation der konkreten Klassen</a:t>
+            </a:r>
+          </a:p>
+          <a:p>
+            <a:pPr lvl="1"/>
+            <a:r>
+              <a:rPr lang="de-AT" dirty="0"/>
+              <a:t>Client überlässt Erstellung der Objekte der Factory</a:t>
+            </a:r>
+          </a:p>
+          <a:p>
+            <a:r>
+              <a:rPr lang="de-AT" dirty="0"/>
+              <a:t>Objekte können einfach ausgetauscht werden</a:t>
+            </a:r>
+          </a:p>
+          <a:p>
+            <a:pPr lvl="1"/>
+            <a:r>
+              <a:rPr lang="de-AT" dirty="0"/>
+              <a:t>Einfaches Tauschen der konkreten Factory</a:t>
+            </a:r>
+          </a:p>
+          <a:p>
+            <a:r>
+              <a:rPr lang="de-AT" dirty="0"/>
+              <a:t>Konsistenz der Objekte</a:t>
+            </a:r>
+          </a:p>
+          <a:p>
+            <a:pPr lvl="1"/>
+            <a:r>
+              <a:rPr lang="de-AT" dirty="0"/>
+              <a:t>Objekte der Factory sind so </a:t>
+            </a:r>
+            <a:r>
+              <a:rPr lang="de-AT" dirty="0" err="1"/>
+              <a:t>designed</a:t>
+            </a:r>
+            <a:r>
+              <a:rPr lang="de-AT" dirty="0"/>
+              <a:t>, um zusammenarbeiten zu können</a:t>
+            </a:r>
           </a:p>
         </p:txBody>
       </p:sp>
@@ -3179,7 +3294,7 @@
           <p:cNvPr id="4" name="Foliennummernplatzhalter 3">
             <a:extLst>
               <a:ext uri="{FF2B5EF4-FFF2-40B4-BE49-F238E27FC236}">
-                <a16:creationId xmlns:a16="http://schemas.microsoft.com/office/drawing/2014/main" id="{D9C43702-1516-46DE-AA64-363E8CE4C2C1}"/>
+                <a16:creationId xmlns:a16="http://schemas.microsoft.com/office/drawing/2014/main" id="{D8C10F95-DA02-4C33-AF21-D762AFC5142E}"/>
               </a:ext>
             </a:extLst>
           </p:cNvPr>
@@ -3215,7 +3330,7 @@
     </p:spTree>
     <p:extLst>
       <p:ext uri="{BB962C8B-B14F-4D97-AF65-F5344CB8AC3E}">
-        <p14:creationId xmlns:p14="http://schemas.microsoft.com/office/powerpoint/2010/main" val="3158974749"/>
+        <p14:creationId xmlns:p14="http://schemas.microsoft.com/office/powerpoint/2010/main" val="1415051504"/>
       </p:ext>
     </p:extLst>
   </p:cSld>
@@ -3247,7 +3362,7 @@
           <p:cNvPr id="2" name="Titel 1">
             <a:extLst>
               <a:ext uri="{FF2B5EF4-FFF2-40B4-BE49-F238E27FC236}">
-                <a16:creationId xmlns:a16="http://schemas.microsoft.com/office/drawing/2014/main" id="{5492FEB5-0DC3-49BB-954A-E313EBD9FBC6}"/>
+                <a16:creationId xmlns:a16="http://schemas.microsoft.com/office/drawing/2014/main" id="{1266ED8F-9FD1-4B15-A50E-C6F18D83F3DC}"/>
               </a:ext>
             </a:extLst>
           </p:cNvPr>
@@ -3265,7 +3380,7 @@
           <a:p>
             <a:r>
               <a:rPr lang="de-AT" dirty="0"/>
-              <a:t>Realisierung</a:t>
+              <a:t>Nachteile</a:t>
             </a:r>
           </a:p>
         </p:txBody>
@@ -3275,7 +3390,7 @@
           <p:cNvPr id="3" name="Textplatzhalter 2">
             <a:extLst>
               <a:ext uri="{FF2B5EF4-FFF2-40B4-BE49-F238E27FC236}">
-                <a16:creationId xmlns:a16="http://schemas.microsoft.com/office/drawing/2014/main" id="{62991C8E-85AC-4229-9793-03F5E9A35834}"/>
+                <a16:creationId xmlns:a16="http://schemas.microsoft.com/office/drawing/2014/main" id="{DFA52D6C-B921-4B1B-9E4C-1FE88A947AF5}"/>
               </a:ext>
             </a:extLst>
           </p:cNvPr>
@@ -3291,6 +3406,85 @@
           <a:bodyPr/>
           <a:lstStyle/>
           <a:p>
+            <a:r>
+              <a:rPr lang="de-AT" dirty="0"/>
+              <a:t>Erweiterbarkeit aufwändig</a:t>
+            </a:r>
+          </a:p>
+          <a:p>
+            <a:pPr lvl="1"/>
+            <a:r>
+              <a:rPr lang="de-AT" dirty="0"/>
+              <a:t>Anpassung von</a:t>
+            </a:r>
+          </a:p>
+          <a:p>
+            <a:pPr lvl="2"/>
+            <a:r>
+              <a:rPr lang="de-AT" dirty="0"/>
+              <a:t>Abstract Factory</a:t>
+            </a:r>
+          </a:p>
+          <a:p>
+            <a:pPr lvl="2"/>
+            <a:r>
+              <a:rPr lang="de-AT" dirty="0"/>
+              <a:t>Interface</a:t>
+            </a:r>
+          </a:p>
+          <a:p>
+            <a:pPr lvl="2"/>
+            <a:r>
+              <a:rPr lang="de-AT" dirty="0"/>
+              <a:t>Subklassen</a:t>
+            </a:r>
+          </a:p>
+          <a:p>
+            <a:r>
+              <a:rPr lang="de-AT" dirty="0"/>
+              <a:t>Lesbarkeit erschwert</a:t>
+            </a:r>
+          </a:p>
+          <a:p>
+            <a:pPr lvl="1"/>
+            <a:r>
+              <a:rPr lang="de-AT" dirty="0"/>
+              <a:t>Code hinter Abstraktion</a:t>
+            </a:r>
+          </a:p>
+          <a:p>
+            <a:r>
+              <a:rPr lang="de-AT" dirty="0"/>
+              <a:t>„Anti-pattern“ bei falscher Nutzung</a:t>
+            </a:r>
+          </a:p>
+          <a:p>
+            <a:pPr lvl="1"/>
+            <a:r>
+              <a:rPr lang="de-AT" dirty="0"/>
+              <a:t>Sogenanntes Bad-</a:t>
+            </a:r>
+            <a:r>
+              <a:rPr lang="de-AT" dirty="0" err="1"/>
+              <a:t>Programming</a:t>
+            </a:r>
+            <a:r>
+              <a:rPr lang="de-AT" dirty="0"/>
+              <a:t>-Practice</a:t>
+            </a:r>
+          </a:p>
+          <a:p>
+            <a:pPr lvl="1"/>
+            <a:r>
+              <a:rPr lang="de-AT" dirty="0"/>
+              <a:t>OOP </a:t>
+            </a:r>
+            <a:r>
+              <a:rPr lang="de-AT" dirty="0">
+                <a:sym typeface="Wingdings" panose="05000000000000000000" pitchFamily="2" charset="2"/>
+              </a:rPr>
+              <a:t> Aufteilung | Anti-pattern  Ein Objekt, das alle Aufgaben übernimmt</a:t>
+            </a:r>
             <a:endParaRPr lang="de-AT" dirty="0"/>
           </a:p>
         </p:txBody>
@@ -3300,7 +3494,7 @@
           <p:cNvPr id="4" name="Foliennummernplatzhalter 3">
             <a:extLst>
               <a:ext uri="{FF2B5EF4-FFF2-40B4-BE49-F238E27FC236}">
-                <a16:creationId xmlns:a16="http://schemas.microsoft.com/office/drawing/2014/main" id="{BAD268F6-6E4E-4C5A-A446-A2F182CCCE1B}"/>
+                <a16:creationId xmlns:a16="http://schemas.microsoft.com/office/drawing/2014/main" id="{F77D36DB-8BF3-4723-816E-08B35346E047}"/>
               </a:ext>
             </a:extLst>
           </p:cNvPr>
@@ -3336,7 +3530,7 @@
     </p:spTree>
     <p:extLst>
       <p:ext uri="{BB962C8B-B14F-4D97-AF65-F5344CB8AC3E}">
-        <p14:creationId xmlns:p14="http://schemas.microsoft.com/office/powerpoint/2010/main" val="1337730883"/>
+        <p14:creationId xmlns:p14="http://schemas.microsoft.com/office/powerpoint/2010/main" val="471742731"/>
       </p:ext>
     </p:extLst>
   </p:cSld>
@@ -3368,6 +3562,127 @@
           <p:cNvPr id="2" name="Titel 1">
             <a:extLst>
               <a:ext uri="{FF2B5EF4-FFF2-40B4-BE49-F238E27FC236}">
+                <a16:creationId xmlns:a16="http://schemas.microsoft.com/office/drawing/2014/main" id="{5492FEB5-0DC3-49BB-954A-E313EBD9FBC6}"/>
+              </a:ext>
+            </a:extLst>
+          </p:cNvPr>
+          <p:cNvSpPr>
+            <a:spLocks noGrp="1"/>
+          </p:cNvSpPr>
+          <p:nvPr>
+            <p:ph type="title"/>
+          </p:nvPr>
+        </p:nvSpPr>
+        <p:spPr/>
+        <p:txBody>
+          <a:bodyPr/>
+          <a:lstStyle/>
+          <a:p>
+            <a:r>
+              <a:rPr lang="de-AT" dirty="0"/>
+              <a:t>Realisierung</a:t>
+            </a:r>
+          </a:p>
+        </p:txBody>
+      </p:sp>
+      <p:sp>
+        <p:nvSpPr>
+          <p:cNvPr id="3" name="Textplatzhalter 2">
+            <a:extLst>
+              <a:ext uri="{FF2B5EF4-FFF2-40B4-BE49-F238E27FC236}">
+                <a16:creationId xmlns:a16="http://schemas.microsoft.com/office/drawing/2014/main" id="{62991C8E-85AC-4229-9793-03F5E9A35834}"/>
+              </a:ext>
+            </a:extLst>
+          </p:cNvPr>
+          <p:cNvSpPr>
+            <a:spLocks noGrp="1"/>
+          </p:cNvSpPr>
+          <p:nvPr>
+            <p:ph type="body" idx="1"/>
+          </p:nvPr>
+        </p:nvSpPr>
+        <p:spPr/>
+        <p:txBody>
+          <a:bodyPr/>
+          <a:lstStyle/>
+          <a:p>
+            <a:endParaRPr lang="de-AT" dirty="0"/>
+          </a:p>
+        </p:txBody>
+      </p:sp>
+      <p:sp>
+        <p:nvSpPr>
+          <p:cNvPr id="4" name="Foliennummernplatzhalter 3">
+            <a:extLst>
+              <a:ext uri="{FF2B5EF4-FFF2-40B4-BE49-F238E27FC236}">
+                <a16:creationId xmlns:a16="http://schemas.microsoft.com/office/drawing/2014/main" id="{BAD268F6-6E4E-4C5A-A446-A2F182CCCE1B}"/>
+              </a:ext>
+            </a:extLst>
+          </p:cNvPr>
+          <p:cNvSpPr>
+            <a:spLocks noGrp="1"/>
+          </p:cNvSpPr>
+          <p:nvPr>
+            <p:ph type="sldNum" idx="12"/>
+          </p:nvPr>
+        </p:nvSpPr>
+        <p:spPr/>
+        <p:txBody>
+          <a:bodyPr/>
+          <a:lstStyle/>
+          <a:p>
+            <a:pPr marL="0" lvl="0" indent="0" algn="r" rtl="0">
+              <a:spcBef>
+                <a:spcPts val="0"/>
+              </a:spcBef>
+              <a:spcAft>
+                <a:spcPts val="0"/>
+              </a:spcAft>
+              <a:buNone/>
+            </a:pPr>
+            <a:fld id="{00000000-1234-1234-1234-123412341234}" type="slidenum">
+              <a:rPr lang="de-AT" smtClean="0"/>
+              <a:t>12</a:t>
+            </a:fld>
+            <a:endParaRPr lang="de-AT"/>
+          </a:p>
+        </p:txBody>
+      </p:sp>
+    </p:spTree>
+    <p:extLst>
+      <p:ext uri="{BB962C8B-B14F-4D97-AF65-F5344CB8AC3E}">
+        <p14:creationId xmlns:p14="http://schemas.microsoft.com/office/powerpoint/2010/main" val="1337730883"/>
+      </p:ext>
+    </p:extLst>
+  </p:cSld>
+  <p:clrMapOvr>
+    <a:masterClrMapping/>
+  </p:clrMapOvr>
+</p:sld>
+</file>
+
+<file path=ppt/slides/slide13.xml><?xml version="1.0" encoding="utf-8"?>
+<p:sld xmlns:a="http://schemas.openxmlformats.org/drawingml/2006/main" xmlns:r="http://schemas.openxmlformats.org/officeDocument/2006/relationships" xmlns:p="http://schemas.openxmlformats.org/presentationml/2006/main">
+  <p:cSld>
+    <p:spTree>
+      <p:nvGrpSpPr>
+        <p:cNvPr id="1" name=""/>
+        <p:cNvGrpSpPr/>
+        <p:nvPr/>
+      </p:nvGrpSpPr>
+      <p:grpSpPr>
+        <a:xfrm>
+          <a:off x="0" y="0"/>
+          <a:ext cx="0" cy="0"/>
+          <a:chOff x="0" y="0"/>
+          <a:chExt cx="0" cy="0"/>
+        </a:xfrm>
+      </p:grpSpPr>
+      <p:sp>
+        <p:nvSpPr>
+          <p:cNvPr id="2" name="Titel 1">
+            <a:extLst>
+              <a:ext uri="{FF2B5EF4-FFF2-40B4-BE49-F238E27FC236}">
                 <a16:creationId xmlns:a16="http://schemas.microsoft.com/office/drawing/2014/main" id="{EF049C18-9C64-45C1-9C46-7D0769198BFA}"/>
               </a:ext>
             </a:extLst>
@@ -3448,7 +3763,7 @@
             </a:pPr>
             <a:fld id="{00000000-1234-1234-1234-123412341234}" type="slidenum">
               <a:rPr lang="de-AT" smtClean="0"/>
-              <a:t>12</a:t>
+              <a:t>13</a:t>
             </a:fld>
             <a:endParaRPr lang="de-AT"/>
           </a:p>
@@ -3514,193 +3829,6 @@
 </p:sld>
 </file>
 
-<file path=ppt/slides/slide13.xml><?xml version="1.0" encoding="utf-8"?>
-<p:sld xmlns:a="http://schemas.openxmlformats.org/drawingml/2006/main" xmlns:r="http://schemas.openxmlformats.org/officeDocument/2006/relationships" xmlns:p="http://schemas.openxmlformats.org/presentationml/2006/main">
-  <p:cSld>
-    <p:spTree>
-      <p:nvGrpSpPr>
-        <p:cNvPr id="1" name=""/>
-        <p:cNvGrpSpPr/>
-        <p:nvPr/>
-      </p:nvGrpSpPr>
-      <p:grpSpPr>
-        <a:xfrm>
-          <a:off x="0" y="0"/>
-          <a:ext cx="0" cy="0"/>
-          <a:chOff x="0" y="0"/>
-          <a:chExt cx="0" cy="0"/>
-        </a:xfrm>
-      </p:grpSpPr>
-      <p:sp>
-        <p:nvSpPr>
-          <p:cNvPr id="2" name="Titel 1">
-            <a:extLst>
-              <a:ext uri="{FF2B5EF4-FFF2-40B4-BE49-F238E27FC236}">
-                <a16:creationId xmlns:a16="http://schemas.microsoft.com/office/drawing/2014/main" id="{9C8F4B40-B8F3-4F24-A957-540764DFFE87}"/>
-              </a:ext>
-            </a:extLst>
-          </p:cNvPr>
-          <p:cNvSpPr>
-            <a:spLocks noGrp="1"/>
-          </p:cNvSpPr>
-          <p:nvPr>
-            <p:ph type="title"/>
-          </p:nvPr>
-        </p:nvSpPr>
-        <p:spPr/>
-        <p:txBody>
-          <a:bodyPr/>
-          <a:lstStyle/>
-          <a:p>
-            <a:r>
-              <a:rPr lang="de-AT" dirty="0"/>
-              <a:t>Eigenes Beispiel - Fahrzeugverwaltung</a:t>
-            </a:r>
-          </a:p>
-        </p:txBody>
-      </p:sp>
-      <p:sp>
-        <p:nvSpPr>
-          <p:cNvPr id="3" name="Textplatzhalter 2">
-            <a:extLst>
-              <a:ext uri="{FF2B5EF4-FFF2-40B4-BE49-F238E27FC236}">
-                <a16:creationId xmlns:a16="http://schemas.microsoft.com/office/drawing/2014/main" id="{B4C6D4C7-0299-4745-BD12-1653FE4F8D1F}"/>
-              </a:ext>
-            </a:extLst>
-          </p:cNvPr>
-          <p:cNvSpPr>
-            <a:spLocks noGrp="1"/>
-          </p:cNvSpPr>
-          <p:nvPr>
-            <p:ph type="body" idx="1"/>
-          </p:nvPr>
-        </p:nvSpPr>
-        <p:spPr/>
-        <p:txBody>
-          <a:bodyPr/>
-          <a:lstStyle/>
-          <a:p>
-            <a:r>
-              <a:rPr lang="de-AT" dirty="0"/>
-              <a:t>ASP.NET </a:t>
-            </a:r>
-            <a:r>
-              <a:rPr lang="de-AT" dirty="0" err="1"/>
-              <a:t>Webforms</a:t>
-            </a:r>
-            <a:r>
-              <a:rPr lang="de-AT"/>
-              <a:t> Anwendung</a:t>
-            </a:r>
-            <a:endParaRPr lang="de-AT" dirty="0"/>
-          </a:p>
-          <a:p>
-            <a:r>
-              <a:rPr lang="de-AT" dirty="0"/>
-              <a:t>Zugriff auf Fahrzeugdatenbank</a:t>
-            </a:r>
-          </a:p>
-          <a:p>
-            <a:pPr lvl="1"/>
-            <a:r>
-              <a:rPr lang="de-AT" dirty="0"/>
-              <a:t>PKW</a:t>
-            </a:r>
-          </a:p>
-          <a:p>
-            <a:pPr lvl="1"/>
-            <a:r>
-              <a:rPr lang="de-AT" dirty="0"/>
-              <a:t>LKW</a:t>
-            </a:r>
-          </a:p>
-          <a:p>
-            <a:pPr lvl="1"/>
-            <a:r>
-              <a:rPr lang="de-AT" dirty="0"/>
-              <a:t>Traktor</a:t>
-            </a:r>
-          </a:p>
-          <a:p>
-            <a:pPr lvl="1"/>
-            <a:r>
-              <a:rPr lang="de-AT" dirty="0"/>
-              <a:t>Motorrad</a:t>
-            </a:r>
-          </a:p>
-          <a:p>
-            <a:r>
-              <a:rPr lang="de-AT" dirty="0"/>
-              <a:t>Verkauf von Fahrzeugen</a:t>
-            </a:r>
-          </a:p>
-          <a:p>
-            <a:pPr lvl="1"/>
-            <a:r>
-              <a:rPr lang="de-AT" dirty="0"/>
-              <a:t>Privatpersonen</a:t>
-            </a:r>
-          </a:p>
-          <a:p>
-            <a:pPr lvl="1"/>
-            <a:r>
-              <a:rPr lang="de-AT" dirty="0"/>
-              <a:t>Firmen</a:t>
-            </a:r>
-          </a:p>
-        </p:txBody>
-      </p:sp>
-      <p:sp>
-        <p:nvSpPr>
-          <p:cNvPr id="4" name="Foliennummernplatzhalter 3">
-            <a:extLst>
-              <a:ext uri="{FF2B5EF4-FFF2-40B4-BE49-F238E27FC236}">
-                <a16:creationId xmlns:a16="http://schemas.microsoft.com/office/drawing/2014/main" id="{6741F331-C72A-4A8A-B323-27557B810535}"/>
-              </a:ext>
-            </a:extLst>
-          </p:cNvPr>
-          <p:cNvSpPr>
-            <a:spLocks noGrp="1"/>
-          </p:cNvSpPr>
-          <p:nvPr>
-            <p:ph type="sldNum" idx="12"/>
-          </p:nvPr>
-        </p:nvSpPr>
-        <p:spPr/>
-        <p:txBody>
-          <a:bodyPr/>
-          <a:lstStyle/>
-          <a:p>
-            <a:pPr marL="0" lvl="0" indent="0" algn="r" rtl="0">
-              <a:spcBef>
-                <a:spcPts val="0"/>
-              </a:spcBef>
-              <a:spcAft>
-                <a:spcPts val="0"/>
-              </a:spcAft>
-              <a:buNone/>
-            </a:pPr>
-            <a:fld id="{00000000-1234-1234-1234-123412341234}" type="slidenum">
-              <a:rPr lang="de-AT" smtClean="0"/>
-              <a:t>13</a:t>
-            </a:fld>
-            <a:endParaRPr lang="de-AT"/>
-          </a:p>
-        </p:txBody>
-      </p:sp>
-    </p:spTree>
-    <p:extLst>
-      <p:ext uri="{BB962C8B-B14F-4D97-AF65-F5344CB8AC3E}">
-        <p14:creationId xmlns:p14="http://schemas.microsoft.com/office/powerpoint/2010/main" val="901752639"/>
-      </p:ext>
-    </p:extLst>
-  </p:cSld>
-  <p:clrMapOvr>
-    <a:masterClrMapping/>
-  </p:clrMapOvr>
-</p:sld>
-</file>
-
 <file path=ppt/slides/slide14.xml><?xml version="1.0" encoding="utf-8"?>
 <p:sld xmlns:a="http://schemas.openxmlformats.org/drawingml/2006/main" xmlns:r="http://schemas.openxmlformats.org/officeDocument/2006/relationships" xmlns:p="http://schemas.openxmlformats.org/presentationml/2006/main">
   <p:cSld>
@@ -3723,6 +3851,176 @@
           <p:cNvPr id="2" name="Titel 1">
             <a:extLst>
               <a:ext uri="{FF2B5EF4-FFF2-40B4-BE49-F238E27FC236}">
+                <a16:creationId xmlns:a16="http://schemas.microsoft.com/office/drawing/2014/main" id="{9C8F4B40-B8F3-4F24-A957-540764DFFE87}"/>
+              </a:ext>
+            </a:extLst>
+          </p:cNvPr>
+          <p:cNvSpPr>
+            <a:spLocks noGrp="1"/>
+          </p:cNvSpPr>
+          <p:nvPr>
+            <p:ph type="title"/>
+          </p:nvPr>
+        </p:nvSpPr>
+        <p:spPr/>
+        <p:txBody>
+          <a:bodyPr/>
+          <a:lstStyle/>
+          <a:p>
+            <a:r>
+              <a:rPr lang="de-AT" dirty="0"/>
+              <a:t>Eigenes Beispiel - Fahrzeugverwaltung</a:t>
+            </a:r>
+          </a:p>
+        </p:txBody>
+      </p:sp>
+      <p:sp>
+        <p:nvSpPr>
+          <p:cNvPr id="3" name="Textplatzhalter 2">
+            <a:extLst>
+              <a:ext uri="{FF2B5EF4-FFF2-40B4-BE49-F238E27FC236}">
+                <a16:creationId xmlns:a16="http://schemas.microsoft.com/office/drawing/2014/main" id="{B4C6D4C7-0299-4745-BD12-1653FE4F8D1F}"/>
+              </a:ext>
+            </a:extLst>
+          </p:cNvPr>
+          <p:cNvSpPr>
+            <a:spLocks noGrp="1"/>
+          </p:cNvSpPr>
+          <p:nvPr>
+            <p:ph type="body" idx="1"/>
+          </p:nvPr>
+        </p:nvSpPr>
+        <p:spPr/>
+        <p:txBody>
+          <a:bodyPr/>
+          <a:lstStyle/>
+          <a:p>
+            <a:r>
+              <a:rPr lang="de-AT" dirty="0"/>
+              <a:t>ASP.NET </a:t>
+            </a:r>
+            <a:r>
+              <a:rPr lang="de-AT" dirty="0" err="1"/>
+              <a:t>Webforms</a:t>
+            </a:r>
+            <a:r>
+              <a:rPr lang="de-AT" dirty="0"/>
+              <a:t> Anwendung</a:t>
+            </a:r>
+          </a:p>
+          <a:p>
+            <a:r>
+              <a:rPr lang="de-AT" dirty="0"/>
+              <a:t>Fahrzeug- und Kundenverwaltung</a:t>
+            </a:r>
+          </a:p>
+          <a:p>
+            <a:pPr lvl="1"/>
+            <a:r>
+              <a:rPr lang="de-AT" dirty="0"/>
+              <a:t>PKW, LKW, Traktor, Motorrad</a:t>
+            </a:r>
+          </a:p>
+          <a:p>
+            <a:pPr lvl="1"/>
+            <a:r>
+              <a:rPr lang="de-AT" dirty="0"/>
+              <a:t>Privatperson, Firma</a:t>
+            </a:r>
+          </a:p>
+          <a:p>
+            <a:r>
+              <a:rPr lang="de-AT" dirty="0"/>
+              <a:t>Verkauf von Fahrzeugen</a:t>
+            </a:r>
+          </a:p>
+          <a:p>
+            <a:r>
+              <a:rPr lang="de-AT" dirty="0"/>
+              <a:t>Chart mit Gesamterlösen pro Verkäufer</a:t>
+            </a:r>
+          </a:p>
+          <a:p>
+            <a:r>
+              <a:rPr lang="de-AT" dirty="0"/>
+              <a:t>Abstract Factory Pattern beim Einfügen von Fahrzeugen und Kunden</a:t>
+            </a:r>
+          </a:p>
+        </p:txBody>
+      </p:sp>
+      <p:sp>
+        <p:nvSpPr>
+          <p:cNvPr id="4" name="Foliennummernplatzhalter 3">
+            <a:extLst>
+              <a:ext uri="{FF2B5EF4-FFF2-40B4-BE49-F238E27FC236}">
+                <a16:creationId xmlns:a16="http://schemas.microsoft.com/office/drawing/2014/main" id="{6741F331-C72A-4A8A-B323-27557B810535}"/>
+              </a:ext>
+            </a:extLst>
+          </p:cNvPr>
+          <p:cNvSpPr>
+            <a:spLocks noGrp="1"/>
+          </p:cNvSpPr>
+          <p:nvPr>
+            <p:ph type="sldNum" idx="12"/>
+          </p:nvPr>
+        </p:nvSpPr>
+        <p:spPr/>
+        <p:txBody>
+          <a:bodyPr/>
+          <a:lstStyle/>
+          <a:p>
+            <a:pPr marL="0" lvl="0" indent="0" algn="r" rtl="0">
+              <a:spcBef>
+                <a:spcPts val="0"/>
+              </a:spcBef>
+              <a:spcAft>
+                <a:spcPts val="0"/>
+              </a:spcAft>
+              <a:buNone/>
+            </a:pPr>
+            <a:fld id="{00000000-1234-1234-1234-123412341234}" type="slidenum">
+              <a:rPr lang="de-AT" smtClean="0"/>
+              <a:t>14</a:t>
+            </a:fld>
+            <a:endParaRPr lang="de-AT"/>
+          </a:p>
+        </p:txBody>
+      </p:sp>
+    </p:spTree>
+    <p:extLst>
+      <p:ext uri="{BB962C8B-B14F-4D97-AF65-F5344CB8AC3E}">
+        <p14:creationId xmlns:p14="http://schemas.microsoft.com/office/powerpoint/2010/main" val="901752639"/>
+      </p:ext>
+    </p:extLst>
+  </p:cSld>
+  <p:clrMapOvr>
+    <a:masterClrMapping/>
+  </p:clrMapOvr>
+</p:sld>
+</file>
+
+<file path=ppt/slides/slide15.xml><?xml version="1.0" encoding="utf-8"?>
+<p:sld xmlns:a="http://schemas.openxmlformats.org/drawingml/2006/main" xmlns:r="http://schemas.openxmlformats.org/officeDocument/2006/relationships" xmlns:p="http://schemas.openxmlformats.org/presentationml/2006/main">
+  <p:cSld>
+    <p:spTree>
+      <p:nvGrpSpPr>
+        <p:cNvPr id="1" name=""/>
+        <p:cNvGrpSpPr/>
+        <p:nvPr/>
+      </p:nvGrpSpPr>
+      <p:grpSpPr>
+        <a:xfrm>
+          <a:off x="0" y="0"/>
+          <a:ext cx="0" cy="0"/>
+          <a:chOff x="0" y="0"/>
+          <a:chExt cx="0" cy="0"/>
+        </a:xfrm>
+      </p:grpSpPr>
+      <p:sp>
+        <p:nvSpPr>
+          <p:cNvPr id="2" name="Titel 1">
+            <a:extLst>
+              <a:ext uri="{FF2B5EF4-FFF2-40B4-BE49-F238E27FC236}">
                 <a16:creationId xmlns:a16="http://schemas.microsoft.com/office/drawing/2014/main" id="{0589B744-C66D-4C60-BC49-518B5E0B6E78}"/>
               </a:ext>
             </a:extLst>
@@ -3909,7 +4207,7 @@
             </a:pPr>
             <a:fld id="{00000000-1234-1234-1234-123412341234}" type="slidenum">
               <a:rPr lang="de-AT" smtClean="0"/>
-              <a:t>14</a:t>
+              <a:t>15</a:t>
             </a:fld>
             <a:endParaRPr lang="de-AT"/>
           </a:p>
@@ -3947,10 +4245,10 @@
       </p:grpSpPr>
       <p:sp>
         <p:nvSpPr>
-          <p:cNvPr id="5" name="Titel 4">
+          <p:cNvPr id="2" name="Titel 1">
             <a:extLst>
               <a:ext uri="{FF2B5EF4-FFF2-40B4-BE49-F238E27FC236}">
-                <a16:creationId xmlns:a16="http://schemas.microsoft.com/office/drawing/2014/main" id="{01691F79-2D22-425E-8D8C-D36FC05DEDD5}"/>
+                <a16:creationId xmlns:a16="http://schemas.microsoft.com/office/drawing/2014/main" id="{B82BAB24-EBB5-4D52-9831-0F04BDE79E83}"/>
               </a:ext>
             </a:extLst>
           </p:cNvPr>
@@ -3968,17 +4266,17 @@
           <a:p>
             <a:r>
               <a:rPr lang="de-AT" dirty="0"/>
-              <a:t>Allgemeines</a:t>
+              <a:t>Anwendungsfälle des Patterns</a:t>
             </a:r>
           </a:p>
         </p:txBody>
       </p:sp>
       <p:sp>
         <p:nvSpPr>
-          <p:cNvPr id="6" name="Textplatzhalter 5">
+          <p:cNvPr id="3" name="Textplatzhalter 2">
             <a:extLst>
               <a:ext uri="{FF2B5EF4-FFF2-40B4-BE49-F238E27FC236}">
-                <a16:creationId xmlns:a16="http://schemas.microsoft.com/office/drawing/2014/main" id="{22D90C30-CA8C-4DBB-B23A-E67CB3F5954F}"/>
+                <a16:creationId xmlns:a16="http://schemas.microsoft.com/office/drawing/2014/main" id="{A3745C45-C1CA-4D7A-B583-DF5921006BB9}"/>
               </a:ext>
             </a:extLst>
           </p:cNvPr>
@@ -3996,48 +4294,54 @@
           <a:p>
             <a:r>
               <a:rPr lang="de-AT" dirty="0"/>
-              <a:t>Schnittstelle zur Erzeugung von Objekten</a:t>
-            </a:r>
-          </a:p>
-          <a:p>
-            <a:r>
-              <a:rPr lang="de-AT" dirty="0"/>
-              <a:t>Konkrete Klassen zur Erzeugung werden nicht näher festgelegt</a:t>
-            </a:r>
-          </a:p>
-          <a:p>
-            <a:r>
-              <a:rPr lang="de-AT" dirty="0"/>
-              <a:t>Wird auch als „Factory </a:t>
-            </a:r>
-            <a:r>
-              <a:rPr lang="de-AT" dirty="0" err="1"/>
-              <a:t>of</a:t>
-            </a:r>
-            <a:r>
-              <a:rPr lang="de-AT" dirty="0"/>
-              <a:t> </a:t>
-            </a:r>
-            <a:r>
-              <a:rPr lang="de-AT" dirty="0" err="1"/>
-              <a:t>Factories</a:t>
-            </a:r>
-            <a:r>
-              <a:rPr lang="de-AT" dirty="0"/>
-              <a:t>“ bezeichnet</a:t>
+              <a:t>System unabhängig von der</a:t>
             </a:r>
           </a:p>
           <a:p>
             <a:pPr lvl="1"/>
             <a:r>
               <a:rPr lang="de-AT" dirty="0"/>
-              <a:t>Abstract Factory erzeugt Factory, die dann das Objekt erzeugt</a:t>
-            </a:r>
-          </a:p>
-          <a:p>
-            <a:r>
-              <a:rPr lang="de-AT" dirty="0"/>
-              <a:t>Ist ein Erzeugungsmuster</a:t>
+              <a:t>Erzeugung</a:t>
+            </a:r>
+          </a:p>
+          <a:p>
+            <a:pPr lvl="1"/>
+            <a:r>
+              <a:rPr lang="de-AT" dirty="0"/>
+              <a:t>Zusammenstellung</a:t>
+            </a:r>
+          </a:p>
+          <a:p>
+            <a:pPr lvl="1"/>
+            <a:r>
+              <a:rPr lang="de-AT" dirty="0"/>
+              <a:t>Darstellung seiner Objekte</a:t>
+            </a:r>
+          </a:p>
+          <a:p>
+            <a:r>
+              <a:rPr lang="de-AT" dirty="0"/>
+              <a:t>Gruppe von ähnlichen Objekten, die gemeinsam benutzt werden</a:t>
+            </a:r>
+          </a:p>
+          <a:p>
+            <a:r>
+              <a:rPr lang="de-AT" dirty="0"/>
+              <a:t>Bereitstellung einer Klassenbibliothek</a:t>
+            </a:r>
+          </a:p>
+          <a:p>
+            <a:pPr lvl="1"/>
+            <a:r>
+              <a:rPr lang="de-AT" dirty="0"/>
+              <a:t>Öffentliche Interfaces</a:t>
+            </a:r>
+          </a:p>
+          <a:p>
+            <a:pPr lvl="1"/>
+            <a:r>
+              <a:rPr lang="de-AT" dirty="0"/>
+              <a:t>Private Implementierungen</a:t>
             </a:r>
           </a:p>
         </p:txBody>
@@ -4047,7 +4351,7 @@
           <p:cNvPr id="4" name="Foliennummernplatzhalter 3">
             <a:extLst>
               <a:ext uri="{FF2B5EF4-FFF2-40B4-BE49-F238E27FC236}">
-                <a16:creationId xmlns:a16="http://schemas.microsoft.com/office/drawing/2014/main" id="{A8F83D43-FD5C-4F2D-A22D-82EA0CA5E052}"/>
+                <a16:creationId xmlns:a16="http://schemas.microsoft.com/office/drawing/2014/main" id="{78E4C2EF-71CD-4D94-9986-3099097DF332}"/>
               </a:ext>
             </a:extLst>
           </p:cNvPr>
@@ -4083,7 +4387,7 @@
     </p:spTree>
     <p:extLst>
       <p:ext uri="{BB962C8B-B14F-4D97-AF65-F5344CB8AC3E}">
-        <p14:creationId xmlns:p14="http://schemas.microsoft.com/office/powerpoint/2010/main" val="1469461542"/>
+        <p14:creationId xmlns:p14="http://schemas.microsoft.com/office/powerpoint/2010/main" val="3423937519"/>
       </p:ext>
     </p:extLst>
   </p:cSld>
@@ -4115,7 +4419,7 @@
           <p:cNvPr id="2" name="Titel 1">
             <a:extLst>
               <a:ext uri="{FF2B5EF4-FFF2-40B4-BE49-F238E27FC236}">
-                <a16:creationId xmlns:a16="http://schemas.microsoft.com/office/drawing/2014/main" id="{B4838495-AE2B-42A5-82EC-E020CE7F2075}"/>
+                <a16:creationId xmlns:a16="http://schemas.microsoft.com/office/drawing/2014/main" id="{E9ECD580-5974-431A-9461-D6620332177F}"/>
               </a:ext>
             </a:extLst>
           </p:cNvPr>
@@ -4133,7 +4437,7 @@
           <a:p>
             <a:r>
               <a:rPr lang="de-AT" dirty="0"/>
-              <a:t>Motivation</a:t>
+              <a:t>Konkrete Anwendungen in Programmen</a:t>
             </a:r>
           </a:p>
         </p:txBody>
@@ -4143,7 +4447,7 @@
           <p:cNvPr id="3" name="Textplatzhalter 2">
             <a:extLst>
               <a:ext uri="{FF2B5EF4-FFF2-40B4-BE49-F238E27FC236}">
-                <a16:creationId xmlns:a16="http://schemas.microsoft.com/office/drawing/2014/main" id="{8616CF9A-1361-469B-B920-952A646BC381}"/>
+                <a16:creationId xmlns:a16="http://schemas.microsoft.com/office/drawing/2014/main" id="{20A31CEF-DFF7-4E88-8092-8978ADB4D81C}"/>
               </a:ext>
             </a:extLst>
           </p:cNvPr>
@@ -4159,7 +4463,87 @@
           <a:bodyPr/>
           <a:lstStyle/>
           <a:p>
+            <a:r>
+              <a:rPr lang="de-AT" dirty="0" err="1"/>
+              <a:t>InterViews</a:t>
+            </a:r>
             <a:endParaRPr lang="de-AT" dirty="0"/>
+          </a:p>
+          <a:p>
+            <a:pPr lvl="1"/>
+            <a:r>
+              <a:rPr lang="de-AT" dirty="0"/>
+              <a:t>Sammlung von </a:t>
+            </a:r>
+            <a:r>
+              <a:rPr lang="de-AT" dirty="0" err="1"/>
+              <a:t>Application</a:t>
+            </a:r>
+            <a:r>
+              <a:rPr lang="de-AT" dirty="0"/>
+              <a:t> Frameworks</a:t>
+            </a:r>
+          </a:p>
+          <a:p>
+            <a:pPr lvl="1"/>
+            <a:r>
+              <a:rPr lang="de-AT" dirty="0"/>
+              <a:t>Zum Entwickeln von benutzerdefinierten, grafischen Editoren</a:t>
+            </a:r>
+          </a:p>
+          <a:p>
+            <a:pPr lvl="1"/>
+            <a:r>
+              <a:rPr lang="de-AT" dirty="0" err="1"/>
+              <a:t>Abstracte</a:t>
+            </a:r>
+            <a:r>
+              <a:rPr lang="de-AT" dirty="0"/>
+              <a:t> </a:t>
+            </a:r>
+            <a:r>
+              <a:rPr lang="de-AT" dirty="0" err="1"/>
+              <a:t>Factories</a:t>
+            </a:r>
+            <a:r>
+              <a:rPr lang="de-AT" dirty="0"/>
+              <a:t> </a:t>
+            </a:r>
+            <a:r>
+              <a:rPr lang="de-AT" i="1" dirty="0" err="1"/>
+              <a:t>WidgetKit</a:t>
+            </a:r>
+            <a:r>
+              <a:rPr lang="de-AT" dirty="0"/>
+              <a:t> und </a:t>
+            </a:r>
+            <a:r>
+              <a:rPr lang="de-AT" i="1" dirty="0" err="1"/>
+              <a:t>DialogKit</a:t>
+            </a:r>
+            <a:r>
+              <a:rPr lang="de-AT" i="1" dirty="0"/>
+              <a:t> </a:t>
+            </a:r>
+            <a:r>
+              <a:rPr lang="de-AT" dirty="0"/>
+              <a:t>zur Erzeugung der UI Elemente</a:t>
+            </a:r>
+          </a:p>
+          <a:p>
+            <a:pPr lvl="1"/>
+            <a:r>
+              <a:rPr lang="de-AT" dirty="0"/>
+              <a:t>Abstrakte Factory </a:t>
+            </a:r>
+            <a:r>
+              <a:rPr lang="de-AT" dirty="0" err="1"/>
+              <a:t>LayoutKit</a:t>
+            </a:r>
+            <a:r>
+              <a:rPr lang="de-AT" dirty="0"/>
+              <a:t> zum Erzeugen des Layouts (horizontale oder vertikale Orientierung)</a:t>
+            </a:r>
           </a:p>
         </p:txBody>
       </p:sp>
@@ -4168,7 +4552,7 @@
           <p:cNvPr id="4" name="Foliennummernplatzhalter 3">
             <a:extLst>
               <a:ext uri="{FF2B5EF4-FFF2-40B4-BE49-F238E27FC236}">
-                <a16:creationId xmlns:a16="http://schemas.microsoft.com/office/drawing/2014/main" id="{ABC673F0-FA04-474E-8CCD-CC331C80D7D6}"/>
+                <a16:creationId xmlns:a16="http://schemas.microsoft.com/office/drawing/2014/main" id="{11847FE0-8C37-40AD-95FC-A321331AFF41}"/>
               </a:ext>
             </a:extLst>
           </p:cNvPr>
@@ -4204,7 +4588,7 @@
     </p:spTree>
     <p:extLst>
       <p:ext uri="{BB962C8B-B14F-4D97-AF65-F5344CB8AC3E}">
-        <p14:creationId xmlns:p14="http://schemas.microsoft.com/office/powerpoint/2010/main" val="2891266071"/>
+        <p14:creationId xmlns:p14="http://schemas.microsoft.com/office/powerpoint/2010/main" val="2028506971"/>
       </p:ext>
     </p:extLst>
   </p:cSld>
@@ -4236,7 +4620,7 @@
           <p:cNvPr id="2" name="Titel 1">
             <a:extLst>
               <a:ext uri="{FF2B5EF4-FFF2-40B4-BE49-F238E27FC236}">
-                <a16:creationId xmlns:a16="http://schemas.microsoft.com/office/drawing/2014/main" id="{40875E68-E68A-442D-AF35-E2BC0D9D65DE}"/>
+                <a16:creationId xmlns:a16="http://schemas.microsoft.com/office/drawing/2014/main" id="{E9ECD580-5974-431A-9461-D6620332177F}"/>
               </a:ext>
             </a:extLst>
           </p:cNvPr>
@@ -4254,7 +4638,7 @@
           <a:p>
             <a:r>
               <a:rPr lang="de-AT" dirty="0"/>
-              <a:t>Verwandte Patterns</a:t>
+              <a:t>Konkrete Anwendungen in Programmen</a:t>
             </a:r>
           </a:p>
         </p:txBody>
@@ -4264,7 +4648,7 @@
           <p:cNvPr id="3" name="Textplatzhalter 2">
             <a:extLst>
               <a:ext uri="{FF2B5EF4-FFF2-40B4-BE49-F238E27FC236}">
-                <a16:creationId xmlns:a16="http://schemas.microsoft.com/office/drawing/2014/main" id="{BC361956-4A3D-414C-9AD0-0A3298AA9483}"/>
+                <a16:creationId xmlns:a16="http://schemas.microsoft.com/office/drawing/2014/main" id="{20A31CEF-DFF7-4E88-8092-8978ADB4D81C}"/>
               </a:ext>
             </a:extLst>
           </p:cNvPr>
@@ -4275,42 +4659,81 @@
             <p:ph type="body" idx="1"/>
           </p:nvPr>
         </p:nvSpPr>
-        <p:spPr/>
+        <p:spPr>
+          <a:xfrm>
+            <a:off x="343225" y="1500000"/>
+            <a:ext cx="8290800" cy="4851900"/>
+          </a:xfrm>
+        </p:spPr>
         <p:txBody>
           <a:bodyPr/>
           <a:lstStyle/>
           <a:p>
             <a:r>
               <a:rPr lang="de-AT" dirty="0"/>
-              <a:t>Abstract Factory Klassen sind implementiert durch</a:t>
+              <a:t>ET++</a:t>
+            </a:r>
+          </a:p>
+          <a:p>
+            <a:r>
+              <a:rPr lang="de-AT" dirty="0"/>
+              <a:t>Von Erich Gamma (von der Gang </a:t>
+            </a:r>
+            <a:r>
+              <a:rPr lang="de-AT" dirty="0" err="1"/>
+              <a:t>of</a:t>
+            </a:r>
+            <a:r>
+              <a:rPr lang="de-AT" dirty="0"/>
+              <a:t> </a:t>
+            </a:r>
+            <a:r>
+              <a:rPr lang="de-AT" dirty="0" err="1"/>
+              <a:t>four</a:t>
+            </a:r>
+            <a:r>
+              <a:rPr lang="de-AT" dirty="0"/>
+              <a:t>)</a:t>
             </a:r>
           </a:p>
           <a:p>
             <a:pPr lvl="1"/>
             <a:r>
-              <a:rPr lang="de-AT" dirty="0"/>
-              <a:t>Factory Method</a:t>
+              <a:rPr lang="de-AT" dirty="0" err="1"/>
+              <a:t>Application</a:t>
+            </a:r>
+            <a:r>
+              <a:rPr lang="de-AT" dirty="0"/>
+              <a:t> Framework</a:t>
             </a:r>
           </a:p>
           <a:p>
             <a:pPr lvl="1"/>
             <a:r>
               <a:rPr lang="de-AT" dirty="0"/>
-              <a:t>Prototype</a:t>
-            </a:r>
-          </a:p>
-          <a:p>
-            <a:r>
-              <a:rPr lang="de-AT" dirty="0"/>
-              <a:t>Konkrete Factory Klassen </a:t>
-            </a:r>
-            <a:r>
-              <a:rPr lang="de-AT" dirty="0">
-                <a:sym typeface="Wingdings" panose="05000000000000000000" pitchFamily="2" charset="2"/>
-              </a:rPr>
-              <a:t> Singleton</a:t>
-            </a:r>
-            <a:endParaRPr lang="de-AT" dirty="0"/>
+              <a:t>Entwicklung von Applikationen mit</a:t>
+            </a:r>
+          </a:p>
+          <a:p>
+            <a:pPr lvl="2"/>
+            <a:r>
+              <a:rPr lang="de-AT" dirty="0"/>
+              <a:t>Interaktiver Benutzerschnittstelle</a:t>
+            </a:r>
+          </a:p>
+          <a:p>
+            <a:pPr lvl="2"/>
+            <a:r>
+              <a:rPr lang="de-AT" dirty="0"/>
+              <a:t>Textueller und grafischer Darstellung der Daten</a:t>
+            </a:r>
+          </a:p>
+          <a:p>
+            <a:pPr lvl="1"/>
+            <a:r>
+              <a:rPr lang="de-AT" dirty="0"/>
+              <a:t>Baumeditor, Spreadsheets, CASE-Tools, … </a:t>
+            </a:r>
           </a:p>
         </p:txBody>
       </p:sp>
@@ -4319,7 +4742,7 @@
           <p:cNvPr id="4" name="Foliennummernplatzhalter 3">
             <a:extLst>
               <a:ext uri="{FF2B5EF4-FFF2-40B4-BE49-F238E27FC236}">
-                <a16:creationId xmlns:a16="http://schemas.microsoft.com/office/drawing/2014/main" id="{ABD3712E-4C05-42BC-9134-315D50E10DB1}"/>
+                <a16:creationId xmlns:a16="http://schemas.microsoft.com/office/drawing/2014/main" id="{11847FE0-8C37-40AD-95FC-A321331AFF41}"/>
               </a:ext>
             </a:extLst>
           </p:cNvPr>
@@ -4355,7 +4778,7 @@
     </p:spTree>
     <p:extLst>
       <p:ext uri="{BB962C8B-B14F-4D97-AF65-F5344CB8AC3E}">
-        <p14:creationId xmlns:p14="http://schemas.microsoft.com/office/powerpoint/2010/main" val="4097561737"/>
+        <p14:creationId xmlns:p14="http://schemas.microsoft.com/office/powerpoint/2010/main" val="2012713293"/>
       </p:ext>
     </p:extLst>
   </p:cSld>
@@ -4387,7 +4810,7 @@
           <p:cNvPr id="2" name="Titel 1">
             <a:extLst>
               <a:ext uri="{FF2B5EF4-FFF2-40B4-BE49-F238E27FC236}">
-                <a16:creationId xmlns:a16="http://schemas.microsoft.com/office/drawing/2014/main" id="{B82BAB24-EBB5-4D52-9831-0F04BDE79E83}"/>
+                <a16:creationId xmlns:a16="http://schemas.microsoft.com/office/drawing/2014/main" id="{B4838495-AE2B-42A5-82EC-E020CE7F2075}"/>
               </a:ext>
             </a:extLst>
           </p:cNvPr>
@@ -4405,7 +4828,7 @@
           <a:p>
             <a:r>
               <a:rPr lang="de-AT" dirty="0"/>
-              <a:t>Anwendungsfälle des Patterns</a:t>
+              <a:t>Motivation</a:t>
             </a:r>
           </a:p>
         </p:txBody>
@@ -4415,7 +4838,7 @@
           <p:cNvPr id="3" name="Textplatzhalter 2">
             <a:extLst>
               <a:ext uri="{FF2B5EF4-FFF2-40B4-BE49-F238E27FC236}">
-                <a16:creationId xmlns:a16="http://schemas.microsoft.com/office/drawing/2014/main" id="{A3745C45-C1CA-4D7A-B583-DF5921006BB9}"/>
+                <a16:creationId xmlns:a16="http://schemas.microsoft.com/office/drawing/2014/main" id="{8616CF9A-1361-469B-B920-952A646BC381}"/>
               </a:ext>
             </a:extLst>
           </p:cNvPr>
@@ -4431,57 +4854,7 @@
           <a:bodyPr/>
           <a:lstStyle/>
           <a:p>
-            <a:r>
-              <a:rPr lang="de-AT" dirty="0"/>
-              <a:t>System unabhängig von der</a:t>
-            </a:r>
-          </a:p>
-          <a:p>
-            <a:pPr lvl="1"/>
-            <a:r>
-              <a:rPr lang="de-AT" dirty="0"/>
-              <a:t>Erzeugung</a:t>
-            </a:r>
-          </a:p>
-          <a:p>
-            <a:pPr lvl="1"/>
-            <a:r>
-              <a:rPr lang="de-AT" dirty="0"/>
-              <a:t>Zusammenstellung</a:t>
-            </a:r>
-          </a:p>
-          <a:p>
-            <a:pPr lvl="1"/>
-            <a:r>
-              <a:rPr lang="de-AT" dirty="0"/>
-              <a:t>Darstellung seiner Objekte</a:t>
-            </a:r>
-          </a:p>
-          <a:p>
-            <a:r>
-              <a:rPr lang="de-AT" dirty="0"/>
-              <a:t>Gruppe von ähnlichen Objekten, die gemeinsam benutzt werden</a:t>
-            </a:r>
-          </a:p>
-          <a:p>
-            <a:r>
-              <a:rPr lang="de-AT" dirty="0"/>
-              <a:t>Bereitstellung einer Klassenbibliothek</a:t>
-            </a:r>
-          </a:p>
-          <a:p>
-            <a:pPr lvl="1"/>
-            <a:r>
-              <a:rPr lang="de-AT" dirty="0"/>
-              <a:t>Öffentliche Interfaces</a:t>
-            </a:r>
-          </a:p>
-          <a:p>
-            <a:pPr lvl="1"/>
-            <a:r>
-              <a:rPr lang="de-AT" dirty="0"/>
-              <a:t>Private Implementierungen</a:t>
-            </a:r>
+            <a:endParaRPr lang="de-AT" dirty="0"/>
           </a:p>
         </p:txBody>
       </p:sp>
@@ -4490,7 +4863,7 @@
           <p:cNvPr id="4" name="Foliennummernplatzhalter 3">
             <a:extLst>
               <a:ext uri="{FF2B5EF4-FFF2-40B4-BE49-F238E27FC236}">
-                <a16:creationId xmlns:a16="http://schemas.microsoft.com/office/drawing/2014/main" id="{78E4C2EF-71CD-4D94-9986-3099097DF332}"/>
+                <a16:creationId xmlns:a16="http://schemas.microsoft.com/office/drawing/2014/main" id="{ABC673F0-FA04-474E-8CCD-CC331C80D7D6}"/>
               </a:ext>
             </a:extLst>
           </p:cNvPr>
@@ -4526,7 +4899,7 @@
     </p:spTree>
     <p:extLst>
       <p:ext uri="{BB962C8B-B14F-4D97-AF65-F5344CB8AC3E}">
-        <p14:creationId xmlns:p14="http://schemas.microsoft.com/office/powerpoint/2010/main" val="3423937519"/>
+        <p14:creationId xmlns:p14="http://schemas.microsoft.com/office/powerpoint/2010/main" val="2891266071"/>
       </p:ext>
     </p:extLst>
   </p:cSld>
@@ -4555,6 +4928,322 @@
       </p:grpSpPr>
       <p:sp>
         <p:nvSpPr>
+          <p:cNvPr id="5" name="Titel 4">
+            <a:extLst>
+              <a:ext uri="{FF2B5EF4-FFF2-40B4-BE49-F238E27FC236}">
+                <a16:creationId xmlns:a16="http://schemas.microsoft.com/office/drawing/2014/main" id="{01691F79-2D22-425E-8D8C-D36FC05DEDD5}"/>
+              </a:ext>
+            </a:extLst>
+          </p:cNvPr>
+          <p:cNvSpPr>
+            <a:spLocks noGrp="1"/>
+          </p:cNvSpPr>
+          <p:nvPr>
+            <p:ph type="title"/>
+          </p:nvPr>
+        </p:nvSpPr>
+        <p:spPr/>
+        <p:txBody>
+          <a:bodyPr/>
+          <a:lstStyle/>
+          <a:p>
+            <a:r>
+              <a:rPr lang="de-AT" dirty="0"/>
+              <a:t>Allgemeines</a:t>
+            </a:r>
+          </a:p>
+        </p:txBody>
+      </p:sp>
+      <p:sp>
+        <p:nvSpPr>
+          <p:cNvPr id="6" name="Textplatzhalter 5">
+            <a:extLst>
+              <a:ext uri="{FF2B5EF4-FFF2-40B4-BE49-F238E27FC236}">
+                <a16:creationId xmlns:a16="http://schemas.microsoft.com/office/drawing/2014/main" id="{22D90C30-CA8C-4DBB-B23A-E67CB3F5954F}"/>
+              </a:ext>
+            </a:extLst>
+          </p:cNvPr>
+          <p:cNvSpPr>
+            <a:spLocks noGrp="1"/>
+          </p:cNvSpPr>
+          <p:nvPr>
+            <p:ph type="body" idx="1"/>
+          </p:nvPr>
+        </p:nvSpPr>
+        <p:spPr/>
+        <p:txBody>
+          <a:bodyPr/>
+          <a:lstStyle/>
+          <a:p>
+            <a:r>
+              <a:rPr lang="de-AT" dirty="0"/>
+              <a:t>Schnittstelle zur Erzeugung von Objekten</a:t>
+            </a:r>
+          </a:p>
+          <a:p>
+            <a:r>
+              <a:rPr lang="de-AT" dirty="0"/>
+              <a:t>Konkrete Klassen zur Erzeugung werden nicht näher festgelegt</a:t>
+            </a:r>
+          </a:p>
+          <a:p>
+            <a:r>
+              <a:rPr lang="de-AT" dirty="0"/>
+              <a:t>Wird auch als „Factory </a:t>
+            </a:r>
+            <a:r>
+              <a:rPr lang="de-AT" dirty="0" err="1"/>
+              <a:t>of</a:t>
+            </a:r>
+            <a:r>
+              <a:rPr lang="de-AT" dirty="0"/>
+              <a:t> </a:t>
+            </a:r>
+            <a:r>
+              <a:rPr lang="de-AT" dirty="0" err="1"/>
+              <a:t>Factories</a:t>
+            </a:r>
+            <a:r>
+              <a:rPr lang="de-AT" dirty="0"/>
+              <a:t>“ bezeichnet</a:t>
+            </a:r>
+          </a:p>
+          <a:p>
+            <a:pPr lvl="1"/>
+            <a:r>
+              <a:rPr lang="de-AT" dirty="0"/>
+              <a:t>Abstract Factory erzeugt Factory, die dann das Objekt erzeugt</a:t>
+            </a:r>
+          </a:p>
+          <a:p>
+            <a:r>
+              <a:rPr lang="de-AT" dirty="0"/>
+              <a:t>Ist ein Erzeugungsmuster</a:t>
+            </a:r>
+          </a:p>
+        </p:txBody>
+      </p:sp>
+      <p:sp>
+        <p:nvSpPr>
+          <p:cNvPr id="4" name="Foliennummernplatzhalter 3">
+            <a:extLst>
+              <a:ext uri="{FF2B5EF4-FFF2-40B4-BE49-F238E27FC236}">
+                <a16:creationId xmlns:a16="http://schemas.microsoft.com/office/drawing/2014/main" id="{A8F83D43-FD5C-4F2D-A22D-82EA0CA5E052}"/>
+              </a:ext>
+            </a:extLst>
+          </p:cNvPr>
+          <p:cNvSpPr>
+            <a:spLocks noGrp="1"/>
+          </p:cNvSpPr>
+          <p:nvPr>
+            <p:ph type="sldNum" idx="12"/>
+          </p:nvPr>
+        </p:nvSpPr>
+        <p:spPr/>
+        <p:txBody>
+          <a:bodyPr/>
+          <a:lstStyle/>
+          <a:p>
+            <a:pPr marL="0" lvl="0" indent="0" algn="r" rtl="0">
+              <a:spcBef>
+                <a:spcPts val="0"/>
+              </a:spcBef>
+              <a:spcAft>
+                <a:spcPts val="0"/>
+              </a:spcAft>
+              <a:buNone/>
+            </a:pPr>
+            <a:fld id="{00000000-1234-1234-1234-123412341234}" type="slidenum">
+              <a:rPr lang="de-AT" smtClean="0"/>
+              <a:t>6</a:t>
+            </a:fld>
+            <a:endParaRPr lang="de-AT"/>
+          </a:p>
+        </p:txBody>
+      </p:sp>
+    </p:spTree>
+    <p:extLst>
+      <p:ext uri="{BB962C8B-B14F-4D97-AF65-F5344CB8AC3E}">
+        <p14:creationId xmlns:p14="http://schemas.microsoft.com/office/powerpoint/2010/main" val="1469461542"/>
+      </p:ext>
+    </p:extLst>
+  </p:cSld>
+  <p:clrMapOvr>
+    <a:masterClrMapping/>
+  </p:clrMapOvr>
+</p:sld>
+</file>
+
+<file path=ppt/slides/slide7.xml><?xml version="1.0" encoding="utf-8"?>
+<p:sld xmlns:a="http://schemas.openxmlformats.org/drawingml/2006/main" xmlns:r="http://schemas.openxmlformats.org/officeDocument/2006/relationships" xmlns:p="http://schemas.openxmlformats.org/presentationml/2006/main">
+  <p:cSld>
+    <p:spTree>
+      <p:nvGrpSpPr>
+        <p:cNvPr id="1" name=""/>
+        <p:cNvGrpSpPr/>
+        <p:nvPr/>
+      </p:nvGrpSpPr>
+      <p:grpSpPr>
+        <a:xfrm>
+          <a:off x="0" y="0"/>
+          <a:ext cx="0" cy="0"/>
+          <a:chOff x="0" y="0"/>
+          <a:chExt cx="0" cy="0"/>
+        </a:xfrm>
+      </p:grpSpPr>
+      <p:sp>
+        <p:nvSpPr>
+          <p:cNvPr id="2" name="Titel 1">
+            <a:extLst>
+              <a:ext uri="{FF2B5EF4-FFF2-40B4-BE49-F238E27FC236}">
+                <a16:creationId xmlns:a16="http://schemas.microsoft.com/office/drawing/2014/main" id="{40875E68-E68A-442D-AF35-E2BC0D9D65DE}"/>
+              </a:ext>
+            </a:extLst>
+          </p:cNvPr>
+          <p:cNvSpPr>
+            <a:spLocks noGrp="1"/>
+          </p:cNvSpPr>
+          <p:nvPr>
+            <p:ph type="title"/>
+          </p:nvPr>
+        </p:nvSpPr>
+        <p:spPr/>
+        <p:txBody>
+          <a:bodyPr/>
+          <a:lstStyle/>
+          <a:p>
+            <a:r>
+              <a:rPr lang="de-AT" dirty="0"/>
+              <a:t>Verwendete Patterns in der Abstract Factory</a:t>
+            </a:r>
+          </a:p>
+        </p:txBody>
+      </p:sp>
+      <p:sp>
+        <p:nvSpPr>
+          <p:cNvPr id="3" name="Textplatzhalter 2">
+            <a:extLst>
+              <a:ext uri="{FF2B5EF4-FFF2-40B4-BE49-F238E27FC236}">
+                <a16:creationId xmlns:a16="http://schemas.microsoft.com/office/drawing/2014/main" id="{BC361956-4A3D-414C-9AD0-0A3298AA9483}"/>
+              </a:ext>
+            </a:extLst>
+          </p:cNvPr>
+          <p:cNvSpPr>
+            <a:spLocks noGrp="1"/>
+          </p:cNvSpPr>
+          <p:nvPr>
+            <p:ph type="body" idx="1"/>
+          </p:nvPr>
+        </p:nvSpPr>
+        <p:spPr/>
+        <p:txBody>
+          <a:bodyPr/>
+          <a:lstStyle/>
+          <a:p>
+            <a:r>
+              <a:rPr lang="de-AT" dirty="0"/>
+              <a:t>Abstract Factory Klassen sind implementiert durch</a:t>
+            </a:r>
+          </a:p>
+          <a:p>
+            <a:pPr lvl="1"/>
+            <a:r>
+              <a:rPr lang="de-AT" dirty="0"/>
+              <a:t>Factory Method</a:t>
+            </a:r>
+          </a:p>
+          <a:p>
+            <a:pPr lvl="1"/>
+            <a:r>
+              <a:rPr lang="de-AT" dirty="0"/>
+              <a:t>Prototype</a:t>
+            </a:r>
+          </a:p>
+          <a:p>
+            <a:r>
+              <a:rPr lang="de-AT" dirty="0"/>
+              <a:t>Konkrete Factory Klassen </a:t>
+            </a:r>
+            <a:r>
+              <a:rPr lang="de-AT" dirty="0">
+                <a:sym typeface="Wingdings" panose="05000000000000000000" pitchFamily="2" charset="2"/>
+              </a:rPr>
+              <a:t> Singleton</a:t>
+            </a:r>
+            <a:endParaRPr lang="de-AT" dirty="0"/>
+          </a:p>
+        </p:txBody>
+      </p:sp>
+      <p:sp>
+        <p:nvSpPr>
+          <p:cNvPr id="4" name="Foliennummernplatzhalter 3">
+            <a:extLst>
+              <a:ext uri="{FF2B5EF4-FFF2-40B4-BE49-F238E27FC236}">
+                <a16:creationId xmlns:a16="http://schemas.microsoft.com/office/drawing/2014/main" id="{ABD3712E-4C05-42BC-9134-315D50E10DB1}"/>
+              </a:ext>
+            </a:extLst>
+          </p:cNvPr>
+          <p:cNvSpPr>
+            <a:spLocks noGrp="1"/>
+          </p:cNvSpPr>
+          <p:nvPr>
+            <p:ph type="sldNum" idx="12"/>
+          </p:nvPr>
+        </p:nvSpPr>
+        <p:spPr/>
+        <p:txBody>
+          <a:bodyPr/>
+          <a:lstStyle/>
+          <a:p>
+            <a:pPr marL="0" lvl="0" indent="0" algn="r" rtl="0">
+              <a:spcBef>
+                <a:spcPts val="0"/>
+              </a:spcBef>
+              <a:spcAft>
+                <a:spcPts val="0"/>
+              </a:spcAft>
+              <a:buNone/>
+            </a:pPr>
+            <a:fld id="{00000000-1234-1234-1234-123412341234}" type="slidenum">
+              <a:rPr lang="de-AT" smtClean="0"/>
+              <a:t>7</a:t>
+            </a:fld>
+            <a:endParaRPr lang="de-AT"/>
+          </a:p>
+        </p:txBody>
+      </p:sp>
+    </p:spTree>
+    <p:extLst>
+      <p:ext uri="{BB962C8B-B14F-4D97-AF65-F5344CB8AC3E}">
+        <p14:creationId xmlns:p14="http://schemas.microsoft.com/office/powerpoint/2010/main" val="4097561737"/>
+      </p:ext>
+    </p:extLst>
+  </p:cSld>
+  <p:clrMapOvr>
+    <a:masterClrMapping/>
+  </p:clrMapOvr>
+</p:sld>
+</file>
+
+<file path=ppt/slides/slide8.xml><?xml version="1.0" encoding="utf-8"?>
+<p:sld xmlns:a="http://schemas.openxmlformats.org/drawingml/2006/main" xmlns:r="http://schemas.openxmlformats.org/officeDocument/2006/relationships" xmlns:p="http://schemas.openxmlformats.org/presentationml/2006/main">
+  <p:cSld>
+    <p:spTree>
+      <p:nvGrpSpPr>
+        <p:cNvPr id="1" name=""/>
+        <p:cNvGrpSpPr/>
+        <p:nvPr/>
+      </p:nvGrpSpPr>
+      <p:grpSpPr>
+        <a:xfrm>
+          <a:off x="0" y="0"/>
+          <a:ext cx="0" cy="0"/>
+          <a:chOff x="0" y="0"/>
+          <a:chExt cx="0" cy="0"/>
+        </a:xfrm>
+      </p:grpSpPr>
+      <p:sp>
+        <p:nvSpPr>
           <p:cNvPr id="2" name="Titel 1">
             <a:extLst>
               <a:ext uri="{FF2B5EF4-FFF2-40B4-BE49-F238E27FC236}">
@@ -4643,7 +5332,7 @@
             </a:pPr>
             <a:fld id="{00000000-1234-1234-1234-123412341234}" type="slidenum">
               <a:rPr lang="de-AT" smtClean="0"/>
-              <a:t>6</a:t>
+              <a:t>8</a:t>
             </a:fld>
             <a:endParaRPr lang="de-AT"/>
           </a:p>
@@ -4651,10 +5340,10 @@
       </p:sp>
       <p:pic>
         <p:nvPicPr>
-          <p:cNvPr id="1026" name="Picture 2" descr="Bildergebnis fÃ¼r abstract factory uml">
+          <p:cNvPr id="1028" name="Picture 4" descr="Bildergebnis fÃ¼r abstract factory uml">
             <a:extLst>
               <a:ext uri="{FF2B5EF4-FFF2-40B4-BE49-F238E27FC236}">
-                <a16:creationId xmlns:a16="http://schemas.microsoft.com/office/drawing/2014/main" id="{9B71F7EA-5123-4036-A6F5-F03C7883106B}"/>
+                <a16:creationId xmlns:a16="http://schemas.microsoft.com/office/drawing/2014/main" id="{49935A50-1E82-4494-84CA-1409B570CC41}"/>
               </a:ext>
             </a:extLst>
           </p:cNvPr>
@@ -4678,8 +5367,8 @@
         </p:blipFill>
         <p:spPr bwMode="auto">
           <a:xfrm>
-            <a:off x="1362326" y="1209842"/>
-            <a:ext cx="6313607" cy="5373529"/>
+            <a:off x="135441" y="1500000"/>
+            <a:ext cx="8873117" cy="4280890"/>
           </a:xfrm>
           <a:prstGeom prst="rect">
             <a:avLst/>
@@ -4709,371 +5398,6 @@
 </p:sld>
 </file>
 
-<file path=ppt/slides/slide7.xml><?xml version="1.0" encoding="utf-8"?>
-<p:sld xmlns:a="http://schemas.openxmlformats.org/drawingml/2006/main" xmlns:r="http://schemas.openxmlformats.org/officeDocument/2006/relationships" xmlns:p="http://schemas.openxmlformats.org/presentationml/2006/main">
-  <p:cSld>
-    <p:spTree>
-      <p:nvGrpSpPr>
-        <p:cNvPr id="1" name=""/>
-        <p:cNvGrpSpPr/>
-        <p:nvPr/>
-      </p:nvGrpSpPr>
-      <p:grpSpPr>
-        <a:xfrm>
-          <a:off x="0" y="0"/>
-          <a:ext cx="0" cy="0"/>
-          <a:chOff x="0" y="0"/>
-          <a:chExt cx="0" cy="0"/>
-        </a:xfrm>
-      </p:grpSpPr>
-      <p:sp>
-        <p:nvSpPr>
-          <p:cNvPr id="2" name="Titel 1">
-            <a:extLst>
-              <a:ext uri="{FF2B5EF4-FFF2-40B4-BE49-F238E27FC236}">
-                <a16:creationId xmlns:a16="http://schemas.microsoft.com/office/drawing/2014/main" id="{7B49886A-DBF8-4690-989A-AC6DC97DB377}"/>
-              </a:ext>
-            </a:extLst>
-          </p:cNvPr>
-          <p:cNvSpPr>
-            <a:spLocks noGrp="1"/>
-          </p:cNvSpPr>
-          <p:nvPr>
-            <p:ph type="title"/>
-          </p:nvPr>
-        </p:nvSpPr>
-        <p:spPr/>
-        <p:txBody>
-          <a:bodyPr/>
-          <a:lstStyle/>
-          <a:p>
-            <a:r>
-              <a:rPr lang="de-AT" dirty="0"/>
-              <a:t>Vorteile</a:t>
-            </a:r>
-          </a:p>
-        </p:txBody>
-      </p:sp>
-      <p:sp>
-        <p:nvSpPr>
-          <p:cNvPr id="3" name="Textplatzhalter 2">
-            <a:extLst>
-              <a:ext uri="{FF2B5EF4-FFF2-40B4-BE49-F238E27FC236}">
-                <a16:creationId xmlns:a16="http://schemas.microsoft.com/office/drawing/2014/main" id="{D8D7EF8A-8ECD-4E2A-970B-5A44EF7B8AD4}"/>
-              </a:ext>
-            </a:extLst>
-          </p:cNvPr>
-          <p:cNvSpPr>
-            <a:spLocks noGrp="1"/>
-          </p:cNvSpPr>
-          <p:nvPr>
-            <p:ph type="body" idx="1"/>
-          </p:nvPr>
-        </p:nvSpPr>
-        <p:spPr/>
-        <p:txBody>
-          <a:bodyPr/>
-          <a:lstStyle/>
-          <a:p>
-            <a:r>
-              <a:rPr lang="de-AT" dirty="0"/>
-              <a:t>Isolation der konkreten Klassen</a:t>
-            </a:r>
-          </a:p>
-          <a:p>
-            <a:pPr lvl="1"/>
-            <a:r>
-              <a:rPr lang="de-AT" dirty="0"/>
-              <a:t>Client überlässt Erstellung der Objekte der Factory</a:t>
-            </a:r>
-          </a:p>
-          <a:p>
-            <a:r>
-              <a:rPr lang="de-AT" dirty="0"/>
-              <a:t>Objekte können einfach ausgetauscht werden</a:t>
-            </a:r>
-          </a:p>
-          <a:p>
-            <a:pPr lvl="1"/>
-            <a:r>
-              <a:rPr lang="de-AT" dirty="0"/>
-              <a:t>Einfaches Tauschen der konkreten Factory</a:t>
-            </a:r>
-          </a:p>
-          <a:p>
-            <a:r>
-              <a:rPr lang="de-AT" dirty="0"/>
-              <a:t>Konsistenz der Objekte</a:t>
-            </a:r>
-          </a:p>
-          <a:p>
-            <a:pPr lvl="1"/>
-            <a:r>
-              <a:rPr lang="de-AT" dirty="0"/>
-              <a:t>Objekte der Factory sind so </a:t>
-            </a:r>
-            <a:r>
-              <a:rPr lang="de-AT" dirty="0" err="1"/>
-              <a:t>designed</a:t>
-            </a:r>
-            <a:r>
-              <a:rPr lang="de-AT" dirty="0"/>
-              <a:t>, um zusammenarbeiten zu können</a:t>
-            </a:r>
-          </a:p>
-        </p:txBody>
-      </p:sp>
-      <p:sp>
-        <p:nvSpPr>
-          <p:cNvPr id="4" name="Foliennummernplatzhalter 3">
-            <a:extLst>
-              <a:ext uri="{FF2B5EF4-FFF2-40B4-BE49-F238E27FC236}">
-                <a16:creationId xmlns:a16="http://schemas.microsoft.com/office/drawing/2014/main" id="{D8C10F95-DA02-4C33-AF21-D762AFC5142E}"/>
-              </a:ext>
-            </a:extLst>
-          </p:cNvPr>
-          <p:cNvSpPr>
-            <a:spLocks noGrp="1"/>
-          </p:cNvSpPr>
-          <p:nvPr>
-            <p:ph type="sldNum" idx="12"/>
-          </p:nvPr>
-        </p:nvSpPr>
-        <p:spPr/>
-        <p:txBody>
-          <a:bodyPr/>
-          <a:lstStyle/>
-          <a:p>
-            <a:pPr marL="0" lvl="0" indent="0" algn="r" rtl="0">
-              <a:spcBef>
-                <a:spcPts val="0"/>
-              </a:spcBef>
-              <a:spcAft>
-                <a:spcPts val="0"/>
-              </a:spcAft>
-              <a:buNone/>
-            </a:pPr>
-            <a:fld id="{00000000-1234-1234-1234-123412341234}" type="slidenum">
-              <a:rPr lang="de-AT" smtClean="0"/>
-              <a:t>7</a:t>
-            </a:fld>
-            <a:endParaRPr lang="de-AT"/>
-          </a:p>
-        </p:txBody>
-      </p:sp>
-    </p:spTree>
-    <p:extLst>
-      <p:ext uri="{BB962C8B-B14F-4D97-AF65-F5344CB8AC3E}">
-        <p14:creationId xmlns:p14="http://schemas.microsoft.com/office/powerpoint/2010/main" val="1415051504"/>
-      </p:ext>
-    </p:extLst>
-  </p:cSld>
-  <p:clrMapOvr>
-    <a:masterClrMapping/>
-  </p:clrMapOvr>
-</p:sld>
-</file>
-
-<file path=ppt/slides/slide8.xml><?xml version="1.0" encoding="utf-8"?>
-<p:sld xmlns:a="http://schemas.openxmlformats.org/drawingml/2006/main" xmlns:r="http://schemas.openxmlformats.org/officeDocument/2006/relationships" xmlns:p="http://schemas.openxmlformats.org/presentationml/2006/main">
-  <p:cSld>
-    <p:spTree>
-      <p:nvGrpSpPr>
-        <p:cNvPr id="1" name=""/>
-        <p:cNvGrpSpPr/>
-        <p:nvPr/>
-      </p:nvGrpSpPr>
-      <p:grpSpPr>
-        <a:xfrm>
-          <a:off x="0" y="0"/>
-          <a:ext cx="0" cy="0"/>
-          <a:chOff x="0" y="0"/>
-          <a:chExt cx="0" cy="0"/>
-        </a:xfrm>
-      </p:grpSpPr>
-      <p:sp>
-        <p:nvSpPr>
-          <p:cNvPr id="2" name="Titel 1">
-            <a:extLst>
-              <a:ext uri="{FF2B5EF4-FFF2-40B4-BE49-F238E27FC236}">
-                <a16:creationId xmlns:a16="http://schemas.microsoft.com/office/drawing/2014/main" id="{1266ED8F-9FD1-4B15-A50E-C6F18D83F3DC}"/>
-              </a:ext>
-            </a:extLst>
-          </p:cNvPr>
-          <p:cNvSpPr>
-            <a:spLocks noGrp="1"/>
-          </p:cNvSpPr>
-          <p:nvPr>
-            <p:ph type="title"/>
-          </p:nvPr>
-        </p:nvSpPr>
-        <p:spPr/>
-        <p:txBody>
-          <a:bodyPr/>
-          <a:lstStyle/>
-          <a:p>
-            <a:r>
-              <a:rPr lang="de-AT" dirty="0"/>
-              <a:t>Nachteile</a:t>
-            </a:r>
-          </a:p>
-        </p:txBody>
-      </p:sp>
-      <p:sp>
-        <p:nvSpPr>
-          <p:cNvPr id="3" name="Textplatzhalter 2">
-            <a:extLst>
-              <a:ext uri="{FF2B5EF4-FFF2-40B4-BE49-F238E27FC236}">
-                <a16:creationId xmlns:a16="http://schemas.microsoft.com/office/drawing/2014/main" id="{DFA52D6C-B921-4B1B-9E4C-1FE88A947AF5}"/>
-              </a:ext>
-            </a:extLst>
-          </p:cNvPr>
-          <p:cNvSpPr>
-            <a:spLocks noGrp="1"/>
-          </p:cNvSpPr>
-          <p:nvPr>
-            <p:ph type="body" idx="1"/>
-          </p:nvPr>
-        </p:nvSpPr>
-        <p:spPr/>
-        <p:txBody>
-          <a:bodyPr/>
-          <a:lstStyle/>
-          <a:p>
-            <a:r>
-              <a:rPr lang="de-AT" dirty="0"/>
-              <a:t>Erweiterbarkeit aufwändig</a:t>
-            </a:r>
-          </a:p>
-          <a:p>
-            <a:pPr lvl="1"/>
-            <a:r>
-              <a:rPr lang="de-AT" dirty="0"/>
-              <a:t>Anpassung von</a:t>
-            </a:r>
-          </a:p>
-          <a:p>
-            <a:pPr lvl="2"/>
-            <a:r>
-              <a:rPr lang="de-AT" dirty="0"/>
-              <a:t>Abstract Factory</a:t>
-            </a:r>
-          </a:p>
-          <a:p>
-            <a:pPr lvl="2"/>
-            <a:r>
-              <a:rPr lang="de-AT" dirty="0"/>
-              <a:t>Interface</a:t>
-            </a:r>
-          </a:p>
-          <a:p>
-            <a:pPr lvl="2"/>
-            <a:r>
-              <a:rPr lang="de-AT" dirty="0"/>
-              <a:t>Subklassen</a:t>
-            </a:r>
-          </a:p>
-          <a:p>
-            <a:r>
-              <a:rPr lang="de-AT" dirty="0"/>
-              <a:t>Lesbarkeit erschwert</a:t>
-            </a:r>
-          </a:p>
-          <a:p>
-            <a:pPr lvl="1"/>
-            <a:r>
-              <a:rPr lang="de-AT" dirty="0"/>
-              <a:t>Code hinter Abstraktion</a:t>
-            </a:r>
-          </a:p>
-          <a:p>
-            <a:r>
-              <a:rPr lang="de-AT" dirty="0"/>
-              <a:t>„Anti-pattern“ bei falscher Nutzung</a:t>
-            </a:r>
-          </a:p>
-          <a:p>
-            <a:pPr lvl="1"/>
-            <a:r>
-              <a:rPr lang="de-AT" dirty="0"/>
-              <a:t>Sogenanntes Bad-</a:t>
-            </a:r>
-            <a:r>
-              <a:rPr lang="de-AT" dirty="0" err="1"/>
-              <a:t>Programming</a:t>
-            </a:r>
-            <a:r>
-              <a:rPr lang="de-AT" dirty="0"/>
-              <a:t>-Practice</a:t>
-            </a:r>
-          </a:p>
-          <a:p>
-            <a:pPr lvl="1"/>
-            <a:r>
-              <a:rPr lang="de-AT" dirty="0"/>
-              <a:t>OOP </a:t>
-            </a:r>
-            <a:r>
-              <a:rPr lang="de-AT" dirty="0">
-                <a:sym typeface="Wingdings" panose="05000000000000000000" pitchFamily="2" charset="2"/>
-              </a:rPr>
-              <a:t> Aufteilung | Anti-pattern  Ein Objekt, das alle Aufgaben übernimmt</a:t>
-            </a:r>
-            <a:endParaRPr lang="de-AT" dirty="0"/>
-          </a:p>
-        </p:txBody>
-      </p:sp>
-      <p:sp>
-        <p:nvSpPr>
-          <p:cNvPr id="4" name="Foliennummernplatzhalter 3">
-            <a:extLst>
-              <a:ext uri="{FF2B5EF4-FFF2-40B4-BE49-F238E27FC236}">
-                <a16:creationId xmlns:a16="http://schemas.microsoft.com/office/drawing/2014/main" id="{F77D36DB-8BF3-4723-816E-08B35346E047}"/>
-              </a:ext>
-            </a:extLst>
-          </p:cNvPr>
-          <p:cNvSpPr>
-            <a:spLocks noGrp="1"/>
-          </p:cNvSpPr>
-          <p:nvPr>
-            <p:ph type="sldNum" idx="12"/>
-          </p:nvPr>
-        </p:nvSpPr>
-        <p:spPr/>
-        <p:txBody>
-          <a:bodyPr/>
-          <a:lstStyle/>
-          <a:p>
-            <a:pPr marL="0" lvl="0" indent="0" algn="r" rtl="0">
-              <a:spcBef>
-                <a:spcPts val="0"/>
-              </a:spcBef>
-              <a:spcAft>
-                <a:spcPts val="0"/>
-              </a:spcAft>
-              <a:buNone/>
-            </a:pPr>
-            <a:fld id="{00000000-1234-1234-1234-123412341234}" type="slidenum">
-              <a:rPr lang="de-AT" smtClean="0"/>
-              <a:t>8</a:t>
-            </a:fld>
-            <a:endParaRPr lang="de-AT"/>
-          </a:p>
-        </p:txBody>
-      </p:sp>
-    </p:spTree>
-    <p:extLst>
-      <p:ext uri="{BB962C8B-B14F-4D97-AF65-F5344CB8AC3E}">
-        <p14:creationId xmlns:p14="http://schemas.microsoft.com/office/powerpoint/2010/main" val="471742731"/>
-      </p:ext>
-    </p:extLst>
-  </p:cSld>
-  <p:clrMapOvr>
-    <a:masterClrMapping/>
-  </p:clrMapOvr>
-</p:sld>
-</file>
-
 <file path=ppt/slides/slide9.xml><?xml version="1.0" encoding="utf-8"?>
 <p:sld xmlns:a="http://schemas.openxmlformats.org/drawingml/2006/main" xmlns:r="http://schemas.openxmlformats.org/officeDocument/2006/relationships" xmlns:p="http://schemas.openxmlformats.org/presentationml/2006/main">
   <p:cSld>
@@ -5096,7 +5420,7 @@
           <p:cNvPr id="2" name="Titel 1">
             <a:extLst>
               <a:ext uri="{FF2B5EF4-FFF2-40B4-BE49-F238E27FC236}">
-                <a16:creationId xmlns:a16="http://schemas.microsoft.com/office/drawing/2014/main" id="{D41FDE6F-1199-4939-A35E-221AD97B2904}"/>
+                <a16:creationId xmlns:a16="http://schemas.microsoft.com/office/drawing/2014/main" id="{8C6E7EAF-8474-45CF-A3A9-244067D765FF}"/>
               </a:ext>
             </a:extLst>
           </p:cNvPr>
@@ -5114,7 +5438,7 @@
           <a:p>
             <a:r>
               <a:rPr lang="de-AT" dirty="0"/>
-              <a:t>Unterschied Factory – Abstract Factory</a:t>
+              <a:t>Komponenten der Abstract Factory</a:t>
             </a:r>
           </a:p>
         </p:txBody>
@@ -5124,7 +5448,7 @@
           <p:cNvPr id="3" name="Textplatzhalter 2">
             <a:extLst>
               <a:ext uri="{FF2B5EF4-FFF2-40B4-BE49-F238E27FC236}">
-                <a16:creationId xmlns:a16="http://schemas.microsoft.com/office/drawing/2014/main" id="{DDB95B27-E905-4254-A544-863FCDEB7951}"/>
+                <a16:creationId xmlns:a16="http://schemas.microsoft.com/office/drawing/2014/main" id="{2F5A5B35-6995-43DE-A433-ECE2936F9401}"/>
               </a:ext>
             </a:extLst>
           </p:cNvPr>
@@ -5141,29 +5465,64 @@
           <a:lstStyle/>
           <a:p>
             <a:r>
-              <a:rPr lang="de-AT" sz="2000" dirty="0"/>
-              <a:t>Factory Methode &lt;-&gt; Abstract Factory Klasse</a:t>
-            </a:r>
-          </a:p>
-          <a:p>
-            <a:r>
-              <a:rPr lang="de-AT" sz="2000" dirty="0"/>
-              <a:t>Factory Methode kann von Subklassen überschrieben werden</a:t>
-            </a:r>
-          </a:p>
-          <a:p>
-            <a:r>
-              <a:rPr lang="de-AT" sz="2000" dirty="0"/>
-              <a:t>Abstract Factory überträgt Verantwortung der Objektinitialisierung an Subklassen</a:t>
-            </a:r>
-          </a:p>
-          <a:p>
-            <a:endParaRPr lang="de-AT" sz="2000" dirty="0"/>
-          </a:p>
-          <a:p>
-            <a:endParaRPr lang="de-AT" dirty="0"/>
-          </a:p>
-          <a:p>
+              <a:rPr lang="de-AT" dirty="0"/>
+              <a:t>Interface für konkrete Klassen</a:t>
+            </a:r>
+          </a:p>
+          <a:p>
+            <a:r>
+              <a:rPr lang="de-AT" dirty="0"/>
+              <a:t>Konkrete Klassen, die das Interface implementieren</a:t>
+            </a:r>
+          </a:p>
+          <a:p>
+            <a:r>
+              <a:rPr lang="de-AT" dirty="0"/>
+              <a:t>Abstract Factory</a:t>
+            </a:r>
+            <a:endParaRPr lang="de-AT" dirty="0">
+              <a:sym typeface="Wingdings" panose="05000000000000000000" pitchFamily="2" charset="2"/>
+            </a:endParaRPr>
+          </a:p>
+          <a:p>
+            <a:r>
+              <a:rPr lang="de-AT" dirty="0">
+                <a:sym typeface="Wingdings" panose="05000000000000000000" pitchFamily="2" charset="2"/>
+              </a:rPr>
+              <a:t>Konkrete </a:t>
+            </a:r>
+            <a:r>
+              <a:rPr lang="de-AT" dirty="0" err="1">
+                <a:sym typeface="Wingdings" panose="05000000000000000000" pitchFamily="2" charset="2"/>
+              </a:rPr>
+              <a:t>Factories</a:t>
+            </a:r>
+            <a:r>
+              <a:rPr lang="de-AT" dirty="0">
+                <a:sym typeface="Wingdings" panose="05000000000000000000" pitchFamily="2" charset="2"/>
+              </a:rPr>
+              <a:t>, die von abstrakter Factory abgeleitet sind</a:t>
+            </a:r>
+          </a:p>
+          <a:p>
+            <a:r>
+              <a:rPr lang="de-AT" dirty="0">
+                <a:sym typeface="Wingdings" panose="05000000000000000000" pitchFamily="2" charset="2"/>
+              </a:rPr>
+              <a:t>Optional: Factory Producer, der abstrakte </a:t>
+            </a:r>
+            <a:r>
+              <a:rPr lang="de-AT" dirty="0" err="1">
+                <a:sym typeface="Wingdings" panose="05000000000000000000" pitchFamily="2" charset="2"/>
+              </a:rPr>
+              <a:t>Factories</a:t>
+            </a:r>
+            <a:r>
+              <a:rPr lang="de-AT">
+                <a:sym typeface="Wingdings" panose="05000000000000000000" pitchFamily="2" charset="2"/>
+              </a:rPr>
+              <a:t> erzeugt</a:t>
+            </a:r>
             <a:endParaRPr lang="de-AT" dirty="0"/>
           </a:p>
         </p:txBody>
@@ -5173,7 +5532,7 @@
           <p:cNvPr id="4" name="Foliennummernplatzhalter 3">
             <a:extLst>
               <a:ext uri="{FF2B5EF4-FFF2-40B4-BE49-F238E27FC236}">
-                <a16:creationId xmlns:a16="http://schemas.microsoft.com/office/drawing/2014/main" id="{1497F17A-C212-465A-825C-43FF334B66D9}"/>
+                <a16:creationId xmlns:a16="http://schemas.microsoft.com/office/drawing/2014/main" id="{D9C43702-1516-46DE-AA64-363E8CE4C2C1}"/>
               </a:ext>
             </a:extLst>
           </p:cNvPr>
@@ -5209,7 +5568,7 @@
     </p:spTree>
     <p:extLst>
       <p:ext uri="{BB962C8B-B14F-4D97-AF65-F5344CB8AC3E}">
-        <p14:creationId xmlns:p14="http://schemas.microsoft.com/office/powerpoint/2010/main" val="310389490"/>
+        <p14:creationId xmlns:p14="http://schemas.microsoft.com/office/powerpoint/2010/main" val="3158974749"/>
       </p:ext>
     </p:extLst>
   </p:cSld>

--- a/Presentation/Abstract_Factory.pptx
+++ b/Presentation/Abstract_Factory.pptx
@@ -5,34 +5,32 @@
     <p:sldMasterId id="2147483657" r:id="rId1"/>
   </p:sldMasterIdLst>
   <p:notesMasterIdLst>
-    <p:notesMasterId r:id="rId17"/>
+    <p:notesMasterId r:id="rId15"/>
   </p:notesMasterIdLst>
   <p:sldIdLst>
     <p:sldId id="256" r:id="rId2"/>
     <p:sldId id="295" r:id="rId3"/>
     <p:sldId id="298" r:id="rId4"/>
     <p:sldId id="299" r:id="rId5"/>
-    <p:sldId id="294" r:id="rId6"/>
-    <p:sldId id="284" r:id="rId7"/>
-    <p:sldId id="297" r:id="rId8"/>
+    <p:sldId id="284" r:id="rId6"/>
+    <p:sldId id="297" r:id="rId7"/>
+    <p:sldId id="291" r:id="rId8"/>
     <p:sldId id="293" r:id="rId9"/>
-    <p:sldId id="291" r:id="rId10"/>
-    <p:sldId id="288" r:id="rId11"/>
-    <p:sldId id="289" r:id="rId12"/>
-    <p:sldId id="296" r:id="rId13"/>
-    <p:sldId id="287" r:id="rId14"/>
-    <p:sldId id="292" r:id="rId15"/>
-    <p:sldId id="290" r:id="rId16"/>
+    <p:sldId id="288" r:id="rId10"/>
+    <p:sldId id="289" r:id="rId11"/>
+    <p:sldId id="287" r:id="rId12"/>
+    <p:sldId id="292" r:id="rId13"/>
+    <p:sldId id="290" r:id="rId14"/>
   </p:sldIdLst>
   <p:sldSz cx="9144000" cy="6858000" type="screen4x3"/>
   <p:notesSz cx="6858000" cy="9144000"/>
   <p:embeddedFontLst>
     <p:embeddedFont>
       <p:font typeface="Cousine" panose="020B0604020202020204" charset="0"/>
-      <p:regular r:id="rId18"/>
-      <p:bold r:id="rId19"/>
-      <p:italic r:id="rId20"/>
-      <p:boldItalic r:id="rId21"/>
+      <p:regular r:id="rId16"/>
+      <p:bold r:id="rId17"/>
+      <p:italic r:id="rId18"/>
+      <p:boldItalic r:id="rId19"/>
     </p:embeddedFont>
   </p:embeddedFontLst>
   <p:defaultTextStyle>
@@ -3197,171 +3195,6 @@
           <p:cNvPr id="2" name="Titel 1">
             <a:extLst>
               <a:ext uri="{FF2B5EF4-FFF2-40B4-BE49-F238E27FC236}">
-                <a16:creationId xmlns:a16="http://schemas.microsoft.com/office/drawing/2014/main" id="{7B49886A-DBF8-4690-989A-AC6DC97DB377}"/>
-              </a:ext>
-            </a:extLst>
-          </p:cNvPr>
-          <p:cNvSpPr>
-            <a:spLocks noGrp="1"/>
-          </p:cNvSpPr>
-          <p:nvPr>
-            <p:ph type="title"/>
-          </p:nvPr>
-        </p:nvSpPr>
-        <p:spPr/>
-        <p:txBody>
-          <a:bodyPr/>
-          <a:lstStyle/>
-          <a:p>
-            <a:r>
-              <a:rPr lang="de-AT" dirty="0"/>
-              <a:t>Vorteile</a:t>
-            </a:r>
-          </a:p>
-        </p:txBody>
-      </p:sp>
-      <p:sp>
-        <p:nvSpPr>
-          <p:cNvPr id="3" name="Textplatzhalter 2">
-            <a:extLst>
-              <a:ext uri="{FF2B5EF4-FFF2-40B4-BE49-F238E27FC236}">
-                <a16:creationId xmlns:a16="http://schemas.microsoft.com/office/drawing/2014/main" id="{D8D7EF8A-8ECD-4E2A-970B-5A44EF7B8AD4}"/>
-              </a:ext>
-            </a:extLst>
-          </p:cNvPr>
-          <p:cNvSpPr>
-            <a:spLocks noGrp="1"/>
-          </p:cNvSpPr>
-          <p:nvPr>
-            <p:ph type="body" idx="1"/>
-          </p:nvPr>
-        </p:nvSpPr>
-        <p:spPr/>
-        <p:txBody>
-          <a:bodyPr/>
-          <a:lstStyle/>
-          <a:p>
-            <a:r>
-              <a:rPr lang="de-AT" dirty="0"/>
-              <a:t>Isolation der konkreten Klassen</a:t>
-            </a:r>
-          </a:p>
-          <a:p>
-            <a:pPr lvl="1"/>
-            <a:r>
-              <a:rPr lang="de-AT" dirty="0"/>
-              <a:t>Client überlässt Erstellung der Objekte der Factory</a:t>
-            </a:r>
-          </a:p>
-          <a:p>
-            <a:r>
-              <a:rPr lang="de-AT" dirty="0"/>
-              <a:t>Objekte können einfach ausgetauscht werden</a:t>
-            </a:r>
-          </a:p>
-          <a:p>
-            <a:pPr lvl="1"/>
-            <a:r>
-              <a:rPr lang="de-AT" dirty="0"/>
-              <a:t>Einfaches Tauschen der konkreten Factory</a:t>
-            </a:r>
-          </a:p>
-          <a:p>
-            <a:r>
-              <a:rPr lang="de-AT" dirty="0"/>
-              <a:t>Konsistenz der Objekte</a:t>
-            </a:r>
-          </a:p>
-          <a:p>
-            <a:pPr lvl="1"/>
-            <a:r>
-              <a:rPr lang="de-AT" dirty="0"/>
-              <a:t>Objekte der Factory sind so </a:t>
-            </a:r>
-            <a:r>
-              <a:rPr lang="de-AT" dirty="0" err="1"/>
-              <a:t>designed</a:t>
-            </a:r>
-            <a:r>
-              <a:rPr lang="de-AT" dirty="0"/>
-              <a:t>, um zusammenarbeiten zu können</a:t>
-            </a:r>
-          </a:p>
-        </p:txBody>
-      </p:sp>
-      <p:sp>
-        <p:nvSpPr>
-          <p:cNvPr id="4" name="Foliennummernplatzhalter 3">
-            <a:extLst>
-              <a:ext uri="{FF2B5EF4-FFF2-40B4-BE49-F238E27FC236}">
-                <a16:creationId xmlns:a16="http://schemas.microsoft.com/office/drawing/2014/main" id="{D8C10F95-DA02-4C33-AF21-D762AFC5142E}"/>
-              </a:ext>
-            </a:extLst>
-          </p:cNvPr>
-          <p:cNvSpPr>
-            <a:spLocks noGrp="1"/>
-          </p:cNvSpPr>
-          <p:nvPr>
-            <p:ph type="sldNum" idx="12"/>
-          </p:nvPr>
-        </p:nvSpPr>
-        <p:spPr/>
-        <p:txBody>
-          <a:bodyPr/>
-          <a:lstStyle/>
-          <a:p>
-            <a:pPr marL="0" lvl="0" indent="0" algn="r" rtl="0">
-              <a:spcBef>
-                <a:spcPts val="0"/>
-              </a:spcBef>
-              <a:spcAft>
-                <a:spcPts val="0"/>
-              </a:spcAft>
-              <a:buNone/>
-            </a:pPr>
-            <a:fld id="{00000000-1234-1234-1234-123412341234}" type="slidenum">
-              <a:rPr lang="de-AT" smtClean="0"/>
-              <a:t>10</a:t>
-            </a:fld>
-            <a:endParaRPr lang="de-AT"/>
-          </a:p>
-        </p:txBody>
-      </p:sp>
-    </p:spTree>
-    <p:extLst>
-      <p:ext uri="{BB962C8B-B14F-4D97-AF65-F5344CB8AC3E}">
-        <p14:creationId xmlns:p14="http://schemas.microsoft.com/office/powerpoint/2010/main" val="1415051504"/>
-      </p:ext>
-    </p:extLst>
-  </p:cSld>
-  <p:clrMapOvr>
-    <a:masterClrMapping/>
-  </p:clrMapOvr>
-</p:sld>
-</file>
-
-<file path=ppt/slides/slide11.xml><?xml version="1.0" encoding="utf-8"?>
-<p:sld xmlns:a="http://schemas.openxmlformats.org/drawingml/2006/main" xmlns:r="http://schemas.openxmlformats.org/officeDocument/2006/relationships" xmlns:p="http://schemas.openxmlformats.org/presentationml/2006/main">
-  <p:cSld>
-    <p:spTree>
-      <p:nvGrpSpPr>
-        <p:cNvPr id="1" name=""/>
-        <p:cNvGrpSpPr/>
-        <p:nvPr/>
-      </p:nvGrpSpPr>
-      <p:grpSpPr>
-        <a:xfrm>
-          <a:off x="0" y="0"/>
-          <a:ext cx="0" cy="0"/>
-          <a:chOff x="0" y="0"/>
-          <a:chExt cx="0" cy="0"/>
-        </a:xfrm>
-      </p:grpSpPr>
-      <p:sp>
-        <p:nvSpPr>
-          <p:cNvPr id="2" name="Titel 1">
-            <a:extLst>
-              <a:ext uri="{FF2B5EF4-FFF2-40B4-BE49-F238E27FC236}">
                 <a16:creationId xmlns:a16="http://schemas.microsoft.com/office/drawing/2014/main" id="{1266ED8F-9FD1-4B15-A50E-C6F18D83F3DC}"/>
               </a:ext>
             </a:extLst>
@@ -3521,7 +3354,7 @@
             </a:pPr>
             <a:fld id="{00000000-1234-1234-1234-123412341234}" type="slidenum">
               <a:rPr lang="de-AT" smtClean="0"/>
-              <a:t>11</a:t>
+              <a:t>10</a:t>
             </a:fld>
             <a:endParaRPr lang="de-AT"/>
           </a:p>
@@ -3540,128 +3373,7 @@
 </p:sld>
 </file>
 
-<file path=ppt/slides/slide12.xml><?xml version="1.0" encoding="utf-8"?>
-<p:sld xmlns:a="http://schemas.openxmlformats.org/drawingml/2006/main" xmlns:r="http://schemas.openxmlformats.org/officeDocument/2006/relationships" xmlns:p="http://schemas.openxmlformats.org/presentationml/2006/main">
-  <p:cSld>
-    <p:spTree>
-      <p:nvGrpSpPr>
-        <p:cNvPr id="1" name=""/>
-        <p:cNvGrpSpPr/>
-        <p:nvPr/>
-      </p:nvGrpSpPr>
-      <p:grpSpPr>
-        <a:xfrm>
-          <a:off x="0" y="0"/>
-          <a:ext cx="0" cy="0"/>
-          <a:chOff x="0" y="0"/>
-          <a:chExt cx="0" cy="0"/>
-        </a:xfrm>
-      </p:grpSpPr>
-      <p:sp>
-        <p:nvSpPr>
-          <p:cNvPr id="2" name="Titel 1">
-            <a:extLst>
-              <a:ext uri="{FF2B5EF4-FFF2-40B4-BE49-F238E27FC236}">
-                <a16:creationId xmlns:a16="http://schemas.microsoft.com/office/drawing/2014/main" id="{5492FEB5-0DC3-49BB-954A-E313EBD9FBC6}"/>
-              </a:ext>
-            </a:extLst>
-          </p:cNvPr>
-          <p:cNvSpPr>
-            <a:spLocks noGrp="1"/>
-          </p:cNvSpPr>
-          <p:nvPr>
-            <p:ph type="title"/>
-          </p:nvPr>
-        </p:nvSpPr>
-        <p:spPr/>
-        <p:txBody>
-          <a:bodyPr/>
-          <a:lstStyle/>
-          <a:p>
-            <a:r>
-              <a:rPr lang="de-AT" dirty="0"/>
-              <a:t>Realisierung</a:t>
-            </a:r>
-          </a:p>
-        </p:txBody>
-      </p:sp>
-      <p:sp>
-        <p:nvSpPr>
-          <p:cNvPr id="3" name="Textplatzhalter 2">
-            <a:extLst>
-              <a:ext uri="{FF2B5EF4-FFF2-40B4-BE49-F238E27FC236}">
-                <a16:creationId xmlns:a16="http://schemas.microsoft.com/office/drawing/2014/main" id="{62991C8E-85AC-4229-9793-03F5E9A35834}"/>
-              </a:ext>
-            </a:extLst>
-          </p:cNvPr>
-          <p:cNvSpPr>
-            <a:spLocks noGrp="1"/>
-          </p:cNvSpPr>
-          <p:nvPr>
-            <p:ph type="body" idx="1"/>
-          </p:nvPr>
-        </p:nvSpPr>
-        <p:spPr/>
-        <p:txBody>
-          <a:bodyPr/>
-          <a:lstStyle/>
-          <a:p>
-            <a:endParaRPr lang="de-AT" dirty="0"/>
-          </a:p>
-        </p:txBody>
-      </p:sp>
-      <p:sp>
-        <p:nvSpPr>
-          <p:cNvPr id="4" name="Foliennummernplatzhalter 3">
-            <a:extLst>
-              <a:ext uri="{FF2B5EF4-FFF2-40B4-BE49-F238E27FC236}">
-                <a16:creationId xmlns:a16="http://schemas.microsoft.com/office/drawing/2014/main" id="{BAD268F6-6E4E-4C5A-A446-A2F182CCCE1B}"/>
-              </a:ext>
-            </a:extLst>
-          </p:cNvPr>
-          <p:cNvSpPr>
-            <a:spLocks noGrp="1"/>
-          </p:cNvSpPr>
-          <p:nvPr>
-            <p:ph type="sldNum" idx="12"/>
-          </p:nvPr>
-        </p:nvSpPr>
-        <p:spPr/>
-        <p:txBody>
-          <a:bodyPr/>
-          <a:lstStyle/>
-          <a:p>
-            <a:pPr marL="0" lvl="0" indent="0" algn="r" rtl="0">
-              <a:spcBef>
-                <a:spcPts val="0"/>
-              </a:spcBef>
-              <a:spcAft>
-                <a:spcPts val="0"/>
-              </a:spcAft>
-              <a:buNone/>
-            </a:pPr>
-            <a:fld id="{00000000-1234-1234-1234-123412341234}" type="slidenum">
-              <a:rPr lang="de-AT" smtClean="0"/>
-              <a:t>12</a:t>
-            </a:fld>
-            <a:endParaRPr lang="de-AT"/>
-          </a:p>
-        </p:txBody>
-      </p:sp>
-    </p:spTree>
-    <p:extLst>
-      <p:ext uri="{BB962C8B-B14F-4D97-AF65-F5344CB8AC3E}">
-        <p14:creationId xmlns:p14="http://schemas.microsoft.com/office/powerpoint/2010/main" val="1337730883"/>
-      </p:ext>
-    </p:extLst>
-  </p:cSld>
-  <p:clrMapOvr>
-    <a:masterClrMapping/>
-  </p:clrMapOvr>
-</p:sld>
-</file>
-
-<file path=ppt/slides/slide13.xml><?xml version="1.0" encoding="utf-8"?>
+<file path=ppt/slides/slide11.xml><?xml version="1.0" encoding="utf-8"?>
 <p:sld xmlns:a="http://schemas.openxmlformats.org/drawingml/2006/main" xmlns:r="http://schemas.openxmlformats.org/officeDocument/2006/relationships" xmlns:p="http://schemas.openxmlformats.org/presentationml/2006/main">
   <p:cSld>
     <p:spTree>
@@ -3763,7 +3475,7 @@
             </a:pPr>
             <a:fld id="{00000000-1234-1234-1234-123412341234}" type="slidenum">
               <a:rPr lang="de-AT" smtClean="0"/>
-              <a:t>13</a:t>
+              <a:t>11</a:t>
             </a:fld>
             <a:endParaRPr lang="de-AT"/>
           </a:p>
@@ -3771,49 +3483,32 @@
       </p:sp>
       <p:pic>
         <p:nvPicPr>
-          <p:cNvPr id="1026" name="Picture 2" descr="Abstract Factory Pattern UML Diagram">
+          <p:cNvPr id="5" name="Grafik 4">
             <a:extLst>
               <a:ext uri="{FF2B5EF4-FFF2-40B4-BE49-F238E27FC236}">
-                <a16:creationId xmlns:a16="http://schemas.microsoft.com/office/drawing/2014/main" id="{FB6DB064-6DF2-4863-B0A3-5880E956E84A}"/>
+                <a16:creationId xmlns:a16="http://schemas.microsoft.com/office/drawing/2014/main" id="{EC573A96-0B54-4830-A12C-14D077841275}"/>
               </a:ext>
             </a:extLst>
           </p:cNvPr>
           <p:cNvPicPr>
-            <a:picLocks noChangeAspect="1" noChangeArrowheads="1"/>
+            <a:picLocks noChangeAspect="1"/>
           </p:cNvPicPr>
           <p:nvPr/>
         </p:nvPicPr>
         <p:blipFill>
-          <a:blip r:embed="rId2">
-            <a:extLst>
-              <a:ext uri="{28A0092B-C50C-407E-A947-70E740481C1C}">
-                <a14:useLocalDpi xmlns:a14="http://schemas.microsoft.com/office/drawing/2010/main" val="0"/>
-              </a:ext>
-            </a:extLst>
-          </a:blip>
-          <a:srcRect/>
+          <a:blip r:embed="rId2"/>
           <a:stretch>
             <a:fillRect/>
           </a:stretch>
         </p:blipFill>
-        <p:spPr bwMode="auto">
+        <p:spPr>
           <a:xfrm>
-            <a:off x="1285760" y="1500000"/>
-            <a:ext cx="6572480" cy="4874493"/>
+            <a:off x="117147" y="1459944"/>
+            <a:ext cx="8909705" cy="3946694"/>
           </a:xfrm>
           <a:prstGeom prst="rect">
             <a:avLst/>
           </a:prstGeom>
-          <a:noFill/>
-          <a:extLst>
-            <a:ext uri="{909E8E84-426E-40DD-AFC4-6F175D3DCCD1}">
-              <a14:hiddenFill xmlns:a14="http://schemas.microsoft.com/office/drawing/2010/main">
-                <a:solidFill>
-                  <a:srgbClr val="FFFFFF"/>
-                </a:solidFill>
-              </a14:hiddenFill>
-            </a:ext>
-          </a:extLst>
         </p:spPr>
       </p:pic>
     </p:spTree>
@@ -3829,7 +3524,7 @@
 </p:sld>
 </file>
 
-<file path=ppt/slides/slide14.xml><?xml version="1.0" encoding="utf-8"?>
+<file path=ppt/slides/slide12.xml><?xml version="1.0" encoding="utf-8"?>
 <p:sld xmlns:a="http://schemas.openxmlformats.org/drawingml/2006/main" xmlns:r="http://schemas.openxmlformats.org/officeDocument/2006/relationships" xmlns:p="http://schemas.openxmlformats.org/presentationml/2006/main">
   <p:cSld>
     <p:spTree>
@@ -3980,7 +3675,7 @@
             </a:pPr>
             <a:fld id="{00000000-1234-1234-1234-123412341234}" type="slidenum">
               <a:rPr lang="de-AT" smtClean="0"/>
-              <a:t>14</a:t>
+              <a:t>12</a:t>
             </a:fld>
             <a:endParaRPr lang="de-AT"/>
           </a:p>
@@ -3999,7 +3694,7 @@
 </p:sld>
 </file>
 
-<file path=ppt/slides/slide15.xml><?xml version="1.0" encoding="utf-8"?>
+<file path=ppt/slides/slide13.xml><?xml version="1.0" encoding="utf-8"?>
 <p:sld xmlns:a="http://schemas.openxmlformats.org/drawingml/2006/main" xmlns:r="http://schemas.openxmlformats.org/officeDocument/2006/relationships" xmlns:p="http://schemas.openxmlformats.org/presentationml/2006/main">
   <p:cSld>
     <p:spTree>
@@ -4207,7 +3902,7 @@
             </a:pPr>
             <a:fld id="{00000000-1234-1234-1234-123412341234}" type="slidenum">
               <a:rPr lang="de-AT" smtClean="0"/>
-              <a:t>15</a:t>
+              <a:t>13</a:t>
             </a:fld>
             <a:endParaRPr lang="de-AT"/>
           </a:p>
@@ -4266,7 +3961,7 @@
           <a:p>
             <a:r>
               <a:rPr lang="de-AT" dirty="0"/>
-              <a:t>Anwendungsfälle des Patterns</a:t>
+              <a:t>Motivation</a:t>
             </a:r>
           </a:p>
         </p:txBody>
@@ -4807,127 +4502,6 @@
       </p:grpSpPr>
       <p:sp>
         <p:nvSpPr>
-          <p:cNvPr id="2" name="Titel 1">
-            <a:extLst>
-              <a:ext uri="{FF2B5EF4-FFF2-40B4-BE49-F238E27FC236}">
-                <a16:creationId xmlns:a16="http://schemas.microsoft.com/office/drawing/2014/main" id="{B4838495-AE2B-42A5-82EC-E020CE7F2075}"/>
-              </a:ext>
-            </a:extLst>
-          </p:cNvPr>
-          <p:cNvSpPr>
-            <a:spLocks noGrp="1"/>
-          </p:cNvSpPr>
-          <p:nvPr>
-            <p:ph type="title"/>
-          </p:nvPr>
-        </p:nvSpPr>
-        <p:spPr/>
-        <p:txBody>
-          <a:bodyPr/>
-          <a:lstStyle/>
-          <a:p>
-            <a:r>
-              <a:rPr lang="de-AT" dirty="0"/>
-              <a:t>Motivation</a:t>
-            </a:r>
-          </a:p>
-        </p:txBody>
-      </p:sp>
-      <p:sp>
-        <p:nvSpPr>
-          <p:cNvPr id="3" name="Textplatzhalter 2">
-            <a:extLst>
-              <a:ext uri="{FF2B5EF4-FFF2-40B4-BE49-F238E27FC236}">
-                <a16:creationId xmlns:a16="http://schemas.microsoft.com/office/drawing/2014/main" id="{8616CF9A-1361-469B-B920-952A646BC381}"/>
-              </a:ext>
-            </a:extLst>
-          </p:cNvPr>
-          <p:cNvSpPr>
-            <a:spLocks noGrp="1"/>
-          </p:cNvSpPr>
-          <p:nvPr>
-            <p:ph type="body" idx="1"/>
-          </p:nvPr>
-        </p:nvSpPr>
-        <p:spPr/>
-        <p:txBody>
-          <a:bodyPr/>
-          <a:lstStyle/>
-          <a:p>
-            <a:endParaRPr lang="de-AT" dirty="0"/>
-          </a:p>
-        </p:txBody>
-      </p:sp>
-      <p:sp>
-        <p:nvSpPr>
-          <p:cNvPr id="4" name="Foliennummernplatzhalter 3">
-            <a:extLst>
-              <a:ext uri="{FF2B5EF4-FFF2-40B4-BE49-F238E27FC236}">
-                <a16:creationId xmlns:a16="http://schemas.microsoft.com/office/drawing/2014/main" id="{ABC673F0-FA04-474E-8CCD-CC331C80D7D6}"/>
-              </a:ext>
-            </a:extLst>
-          </p:cNvPr>
-          <p:cNvSpPr>
-            <a:spLocks noGrp="1"/>
-          </p:cNvSpPr>
-          <p:nvPr>
-            <p:ph type="sldNum" idx="12"/>
-          </p:nvPr>
-        </p:nvSpPr>
-        <p:spPr/>
-        <p:txBody>
-          <a:bodyPr/>
-          <a:lstStyle/>
-          <a:p>
-            <a:pPr marL="0" lvl="0" indent="0" algn="r" rtl="0">
-              <a:spcBef>
-                <a:spcPts val="0"/>
-              </a:spcBef>
-              <a:spcAft>
-                <a:spcPts val="0"/>
-              </a:spcAft>
-              <a:buNone/>
-            </a:pPr>
-            <a:fld id="{00000000-1234-1234-1234-123412341234}" type="slidenum">
-              <a:rPr lang="de-AT" smtClean="0"/>
-              <a:t>5</a:t>
-            </a:fld>
-            <a:endParaRPr lang="de-AT"/>
-          </a:p>
-        </p:txBody>
-      </p:sp>
-    </p:spTree>
-    <p:extLst>
-      <p:ext uri="{BB962C8B-B14F-4D97-AF65-F5344CB8AC3E}">
-        <p14:creationId xmlns:p14="http://schemas.microsoft.com/office/powerpoint/2010/main" val="2891266071"/>
-      </p:ext>
-    </p:extLst>
-  </p:cSld>
-  <p:clrMapOvr>
-    <a:masterClrMapping/>
-  </p:clrMapOvr>
-</p:sld>
-</file>
-
-<file path=ppt/slides/slide6.xml><?xml version="1.0" encoding="utf-8"?>
-<p:sld xmlns:a="http://schemas.openxmlformats.org/drawingml/2006/main" xmlns:r="http://schemas.openxmlformats.org/officeDocument/2006/relationships" xmlns:p="http://schemas.openxmlformats.org/presentationml/2006/main">
-  <p:cSld>
-    <p:spTree>
-      <p:nvGrpSpPr>
-        <p:cNvPr id="1" name=""/>
-        <p:cNvGrpSpPr/>
-        <p:nvPr/>
-      </p:nvGrpSpPr>
-      <p:grpSpPr>
-        <a:xfrm>
-          <a:off x="0" y="0"/>
-          <a:ext cx="0" cy="0"/>
-          <a:chOff x="0" y="0"/>
-          <a:chExt cx="0" cy="0"/>
-        </a:xfrm>
-      </p:grpSpPr>
-      <p:sp>
-        <p:nvSpPr>
           <p:cNvPr id="5" name="Titel 4">
             <a:extLst>
               <a:ext uri="{FF2B5EF4-FFF2-40B4-BE49-F238E27FC236}">
@@ -5055,7 +4629,7 @@
             </a:pPr>
             <a:fld id="{00000000-1234-1234-1234-123412341234}" type="slidenum">
               <a:rPr lang="de-AT" smtClean="0"/>
-              <a:t>6</a:t>
+              <a:t>5</a:t>
             </a:fld>
             <a:endParaRPr lang="de-AT"/>
           </a:p>
@@ -5074,7 +4648,7 @@
 </p:sld>
 </file>
 
-<file path=ppt/slides/slide7.xml><?xml version="1.0" encoding="utf-8"?>
+<file path=ppt/slides/slide6.xml><?xml version="1.0" encoding="utf-8"?>
 <p:sld xmlns:a="http://schemas.openxmlformats.org/drawingml/2006/main" xmlns:r="http://schemas.openxmlformats.org/officeDocument/2006/relationships" xmlns:p="http://schemas.openxmlformats.org/presentationml/2006/main">
   <p:cSld>
     <p:spTree>
@@ -5206,7 +4780,7 @@
             </a:pPr>
             <a:fld id="{00000000-1234-1234-1234-123412341234}" type="slidenum">
               <a:rPr lang="de-AT" smtClean="0"/>
-              <a:t>7</a:t>
+              <a:t>6</a:t>
             </a:fld>
             <a:endParaRPr lang="de-AT"/>
           </a:p>
@@ -5216,6 +4790,186 @@
     <p:extLst>
       <p:ext uri="{BB962C8B-B14F-4D97-AF65-F5344CB8AC3E}">
         <p14:creationId xmlns:p14="http://schemas.microsoft.com/office/powerpoint/2010/main" val="4097561737"/>
+      </p:ext>
+    </p:extLst>
+  </p:cSld>
+  <p:clrMapOvr>
+    <a:masterClrMapping/>
+  </p:clrMapOvr>
+</p:sld>
+</file>
+
+<file path=ppt/slides/slide7.xml><?xml version="1.0" encoding="utf-8"?>
+<p:sld xmlns:a="http://schemas.openxmlformats.org/drawingml/2006/main" xmlns:r="http://schemas.openxmlformats.org/officeDocument/2006/relationships" xmlns:p="http://schemas.openxmlformats.org/presentationml/2006/main">
+  <p:cSld>
+    <p:spTree>
+      <p:nvGrpSpPr>
+        <p:cNvPr id="1" name=""/>
+        <p:cNvGrpSpPr/>
+        <p:nvPr/>
+      </p:nvGrpSpPr>
+      <p:grpSpPr>
+        <a:xfrm>
+          <a:off x="0" y="0"/>
+          <a:ext cx="0" cy="0"/>
+          <a:chOff x="0" y="0"/>
+          <a:chExt cx="0" cy="0"/>
+        </a:xfrm>
+      </p:grpSpPr>
+      <p:sp>
+        <p:nvSpPr>
+          <p:cNvPr id="2" name="Titel 1">
+            <a:extLst>
+              <a:ext uri="{FF2B5EF4-FFF2-40B4-BE49-F238E27FC236}">
+                <a16:creationId xmlns:a16="http://schemas.microsoft.com/office/drawing/2014/main" id="{8C6E7EAF-8474-45CF-A3A9-244067D765FF}"/>
+              </a:ext>
+            </a:extLst>
+          </p:cNvPr>
+          <p:cNvSpPr>
+            <a:spLocks noGrp="1"/>
+          </p:cNvSpPr>
+          <p:nvPr>
+            <p:ph type="title"/>
+          </p:nvPr>
+        </p:nvSpPr>
+        <p:spPr/>
+        <p:txBody>
+          <a:bodyPr/>
+          <a:lstStyle/>
+          <a:p>
+            <a:r>
+              <a:rPr lang="de-AT" dirty="0"/>
+              <a:t>Komponenten der Abstract Factory</a:t>
+            </a:r>
+          </a:p>
+        </p:txBody>
+      </p:sp>
+      <p:sp>
+        <p:nvSpPr>
+          <p:cNvPr id="3" name="Textplatzhalter 2">
+            <a:extLst>
+              <a:ext uri="{FF2B5EF4-FFF2-40B4-BE49-F238E27FC236}">
+                <a16:creationId xmlns:a16="http://schemas.microsoft.com/office/drawing/2014/main" id="{2F5A5B35-6995-43DE-A433-ECE2936F9401}"/>
+              </a:ext>
+            </a:extLst>
+          </p:cNvPr>
+          <p:cNvSpPr>
+            <a:spLocks noGrp="1"/>
+          </p:cNvSpPr>
+          <p:nvPr>
+            <p:ph type="body" idx="1"/>
+          </p:nvPr>
+        </p:nvSpPr>
+        <p:spPr/>
+        <p:txBody>
+          <a:bodyPr/>
+          <a:lstStyle/>
+          <a:p>
+            <a:r>
+              <a:rPr lang="de-AT" dirty="0"/>
+              <a:t>Interface für konkrete Klassen</a:t>
+            </a:r>
+          </a:p>
+          <a:p>
+            <a:r>
+              <a:rPr lang="de-AT" dirty="0"/>
+              <a:t>Konkrete Klassen, die das Interface implementieren</a:t>
+            </a:r>
+          </a:p>
+          <a:p>
+            <a:r>
+              <a:rPr lang="de-AT" dirty="0"/>
+              <a:t>Abstract Factory</a:t>
+            </a:r>
+            <a:endParaRPr lang="de-AT" dirty="0">
+              <a:sym typeface="Wingdings" panose="05000000000000000000" pitchFamily="2" charset="2"/>
+            </a:endParaRPr>
+          </a:p>
+          <a:p>
+            <a:r>
+              <a:rPr lang="de-AT" dirty="0">
+                <a:sym typeface="Wingdings" panose="05000000000000000000" pitchFamily="2" charset="2"/>
+              </a:rPr>
+              <a:t>Konkrete </a:t>
+            </a:r>
+            <a:r>
+              <a:rPr lang="de-AT" dirty="0" err="1">
+                <a:sym typeface="Wingdings" panose="05000000000000000000" pitchFamily="2" charset="2"/>
+              </a:rPr>
+              <a:t>Factories</a:t>
+            </a:r>
+            <a:r>
+              <a:rPr lang="de-AT" dirty="0">
+                <a:sym typeface="Wingdings" panose="05000000000000000000" pitchFamily="2" charset="2"/>
+              </a:rPr>
+              <a:t>, die von abstrakter Factory abgeleitet sind</a:t>
+            </a:r>
+          </a:p>
+          <a:p>
+            <a:r>
+              <a:rPr lang="de-AT" dirty="0">
+                <a:sym typeface="Wingdings" panose="05000000000000000000" pitchFamily="2" charset="2"/>
+              </a:rPr>
+              <a:t>Optional: Factory Producer, der abstrakte </a:t>
+            </a:r>
+            <a:r>
+              <a:rPr lang="de-AT" dirty="0" err="1">
+                <a:sym typeface="Wingdings" panose="05000000000000000000" pitchFamily="2" charset="2"/>
+              </a:rPr>
+              <a:t>Factories</a:t>
+            </a:r>
+            <a:r>
+              <a:rPr lang="de-AT" dirty="0">
+                <a:sym typeface="Wingdings" panose="05000000000000000000" pitchFamily="2" charset="2"/>
+              </a:rPr>
+              <a:t> erzeugt</a:t>
+            </a:r>
+            <a:endParaRPr lang="de-AT" dirty="0"/>
+          </a:p>
+        </p:txBody>
+      </p:sp>
+      <p:sp>
+        <p:nvSpPr>
+          <p:cNvPr id="4" name="Foliennummernplatzhalter 3">
+            <a:extLst>
+              <a:ext uri="{FF2B5EF4-FFF2-40B4-BE49-F238E27FC236}">
+                <a16:creationId xmlns:a16="http://schemas.microsoft.com/office/drawing/2014/main" id="{D9C43702-1516-46DE-AA64-363E8CE4C2C1}"/>
+              </a:ext>
+            </a:extLst>
+          </p:cNvPr>
+          <p:cNvSpPr>
+            <a:spLocks noGrp="1"/>
+          </p:cNvSpPr>
+          <p:nvPr>
+            <p:ph type="sldNum" idx="12"/>
+          </p:nvPr>
+        </p:nvSpPr>
+        <p:spPr/>
+        <p:txBody>
+          <a:bodyPr/>
+          <a:lstStyle/>
+          <a:p>
+            <a:pPr marL="0" lvl="0" indent="0" algn="r" rtl="0">
+              <a:spcBef>
+                <a:spcPts val="0"/>
+              </a:spcBef>
+              <a:spcAft>
+                <a:spcPts val="0"/>
+              </a:spcAft>
+              <a:buNone/>
+            </a:pPr>
+            <a:fld id="{00000000-1234-1234-1234-123412341234}" type="slidenum">
+              <a:rPr lang="de-AT" smtClean="0"/>
+              <a:t>7</a:t>
+            </a:fld>
+            <a:endParaRPr lang="de-AT"/>
+          </a:p>
+        </p:txBody>
+      </p:sp>
+    </p:spTree>
+    <p:extLst>
+      <p:ext uri="{BB962C8B-B14F-4D97-AF65-F5344CB8AC3E}">
+        <p14:creationId xmlns:p14="http://schemas.microsoft.com/office/powerpoint/2010/main" val="3158974749"/>
       </p:ext>
     </p:extLst>
   </p:cSld>
@@ -5420,7 +5174,7 @@
           <p:cNvPr id="2" name="Titel 1">
             <a:extLst>
               <a:ext uri="{FF2B5EF4-FFF2-40B4-BE49-F238E27FC236}">
-                <a16:creationId xmlns:a16="http://schemas.microsoft.com/office/drawing/2014/main" id="{8C6E7EAF-8474-45CF-A3A9-244067D765FF}"/>
+                <a16:creationId xmlns:a16="http://schemas.microsoft.com/office/drawing/2014/main" id="{7B49886A-DBF8-4690-989A-AC6DC97DB377}"/>
               </a:ext>
             </a:extLst>
           </p:cNvPr>
@@ -5438,7 +5192,7 @@
           <a:p>
             <a:r>
               <a:rPr lang="de-AT" dirty="0"/>
-              <a:t>Komponenten der Abstract Factory</a:t>
+              <a:t>Vorteile</a:t>
             </a:r>
           </a:p>
         </p:txBody>
@@ -5448,7 +5202,7 @@
           <p:cNvPr id="3" name="Textplatzhalter 2">
             <a:extLst>
               <a:ext uri="{FF2B5EF4-FFF2-40B4-BE49-F238E27FC236}">
-                <a16:creationId xmlns:a16="http://schemas.microsoft.com/office/drawing/2014/main" id="{2F5A5B35-6995-43DE-A433-ECE2936F9401}"/>
+                <a16:creationId xmlns:a16="http://schemas.microsoft.com/office/drawing/2014/main" id="{D8D7EF8A-8ECD-4E2A-970B-5A44EF7B8AD4}"/>
               </a:ext>
             </a:extLst>
           </p:cNvPr>
@@ -5466,64 +5220,49 @@
           <a:p>
             <a:r>
               <a:rPr lang="de-AT" dirty="0"/>
-              <a:t>Interface für konkrete Klassen</a:t>
-            </a:r>
-          </a:p>
-          <a:p>
-            <a:r>
-              <a:rPr lang="de-AT" dirty="0"/>
-              <a:t>Konkrete Klassen, die das Interface implementieren</a:t>
-            </a:r>
-          </a:p>
-          <a:p>
-            <a:r>
-              <a:rPr lang="de-AT" dirty="0"/>
-              <a:t>Abstract Factory</a:t>
-            </a:r>
-            <a:endParaRPr lang="de-AT" dirty="0">
-              <a:sym typeface="Wingdings" panose="05000000000000000000" pitchFamily="2" charset="2"/>
-            </a:endParaRPr>
-          </a:p>
-          <a:p>
-            <a:r>
-              <a:rPr lang="de-AT" dirty="0">
-                <a:sym typeface="Wingdings" panose="05000000000000000000" pitchFamily="2" charset="2"/>
-              </a:rPr>
-              <a:t>Konkrete </a:t>
-            </a:r>
-            <a:r>
-              <a:rPr lang="de-AT" dirty="0" err="1">
-                <a:sym typeface="Wingdings" panose="05000000000000000000" pitchFamily="2" charset="2"/>
-              </a:rPr>
-              <a:t>Factories</a:t>
-            </a:r>
-            <a:r>
-              <a:rPr lang="de-AT" dirty="0">
-                <a:sym typeface="Wingdings" panose="05000000000000000000" pitchFamily="2" charset="2"/>
-              </a:rPr>
-              <a:t>, die von abstrakter Factory abgeleitet sind</a:t>
-            </a:r>
-          </a:p>
-          <a:p>
-            <a:r>
-              <a:rPr lang="de-AT" dirty="0">
-                <a:sym typeface="Wingdings" panose="05000000000000000000" pitchFamily="2" charset="2"/>
-              </a:rPr>
-              <a:t>Optional: Factory Producer, der abstrakte </a:t>
-            </a:r>
-            <a:r>
-              <a:rPr lang="de-AT" dirty="0" err="1">
-                <a:sym typeface="Wingdings" panose="05000000000000000000" pitchFamily="2" charset="2"/>
-              </a:rPr>
-              <a:t>Factories</a:t>
-            </a:r>
-            <a:r>
-              <a:rPr lang="de-AT">
-                <a:sym typeface="Wingdings" panose="05000000000000000000" pitchFamily="2" charset="2"/>
-              </a:rPr>
-              <a:t> erzeugt</a:t>
-            </a:r>
-            <a:endParaRPr lang="de-AT" dirty="0"/>
+              <a:t>Isolation der konkreten Klassen</a:t>
+            </a:r>
+          </a:p>
+          <a:p>
+            <a:pPr lvl="1"/>
+            <a:r>
+              <a:rPr lang="de-AT" dirty="0"/>
+              <a:t>Client überlässt Erstellung der Objekte der Factory</a:t>
+            </a:r>
+          </a:p>
+          <a:p>
+            <a:r>
+              <a:rPr lang="de-AT" dirty="0"/>
+              <a:t>Objekte können einfach ausgetauscht werden</a:t>
+            </a:r>
+          </a:p>
+          <a:p>
+            <a:pPr lvl="1"/>
+            <a:r>
+              <a:rPr lang="de-AT" dirty="0"/>
+              <a:t>Einfaches Tauschen der konkreten Factory</a:t>
+            </a:r>
+          </a:p>
+          <a:p>
+            <a:r>
+              <a:rPr lang="de-AT" dirty="0"/>
+              <a:t>Konsistenz der Objekte</a:t>
+            </a:r>
+          </a:p>
+          <a:p>
+            <a:pPr lvl="1"/>
+            <a:r>
+              <a:rPr lang="de-AT" dirty="0"/>
+              <a:t>Objekte der Factory sind so </a:t>
+            </a:r>
+            <a:r>
+              <a:rPr lang="de-AT" dirty="0" err="1"/>
+              <a:t>designed</a:t>
+            </a:r>
+            <a:r>
+              <a:rPr lang="de-AT" dirty="0"/>
+              <a:t>, um zusammenarbeiten zu können</a:t>
+            </a:r>
           </a:p>
         </p:txBody>
       </p:sp>
@@ -5532,7 +5271,7 @@
           <p:cNvPr id="4" name="Foliennummernplatzhalter 3">
             <a:extLst>
               <a:ext uri="{FF2B5EF4-FFF2-40B4-BE49-F238E27FC236}">
-                <a16:creationId xmlns:a16="http://schemas.microsoft.com/office/drawing/2014/main" id="{D9C43702-1516-46DE-AA64-363E8CE4C2C1}"/>
+                <a16:creationId xmlns:a16="http://schemas.microsoft.com/office/drawing/2014/main" id="{D8C10F95-DA02-4C33-AF21-D762AFC5142E}"/>
               </a:ext>
             </a:extLst>
           </p:cNvPr>
@@ -5568,7 +5307,7 @@
     </p:spTree>
     <p:extLst>
       <p:ext uri="{BB962C8B-B14F-4D97-AF65-F5344CB8AC3E}">
-        <p14:creationId xmlns:p14="http://schemas.microsoft.com/office/powerpoint/2010/main" val="3158974749"/>
+        <p14:creationId xmlns:p14="http://schemas.microsoft.com/office/powerpoint/2010/main" val="1415051504"/>
       </p:ext>
     </p:extLst>
   </p:cSld>

--- a/Presentation/Abstract_Factory.pptx
+++ b/Presentation/Abstract_Factory.pptx
@@ -4716,35 +4716,57 @@
           <a:p>
             <a:r>
               <a:rPr lang="de-AT" dirty="0"/>
-              <a:t>Abstract Factory Klassen sind implementiert durch</a:t>
+              <a:t>Factory Method</a:t>
             </a:r>
           </a:p>
           <a:p>
             <a:pPr lvl="1"/>
             <a:r>
               <a:rPr lang="de-AT" dirty="0"/>
-              <a:t>Factory Method</a:t>
+              <a:t>Factory erzeugt konkrete Klassen</a:t>
+            </a:r>
+          </a:p>
+          <a:p>
+            <a:r>
+              <a:rPr lang="de-AT" dirty="0"/>
+              <a:t>Prototype</a:t>
             </a:r>
           </a:p>
           <a:p>
             <a:pPr lvl="1"/>
             <a:r>
               <a:rPr lang="de-AT" dirty="0"/>
-              <a:t>Prototype</a:t>
-            </a:r>
-          </a:p>
-          <a:p>
-            <a:r>
-              <a:rPr lang="de-AT" dirty="0"/>
-              <a:t>Konkrete Factory Klassen </a:t>
-            </a:r>
-            <a:r>
-              <a:rPr lang="de-AT" dirty="0">
-                <a:sym typeface="Wingdings" panose="05000000000000000000" pitchFamily="2" charset="2"/>
-              </a:rPr>
-              <a:t> Singleton</a:t>
+              <a:t>Konkrete Factory hat Prototypenobjekte </a:t>
+            </a:r>
+          </a:p>
+          <a:p>
+            <a:pPr lvl="1"/>
+            <a:r>
+              <a:rPr lang="de-AT" dirty="0"/>
+              <a:t>Neues Objekt durch klonen </a:t>
+            </a:r>
+            <a:r>
+              <a:rPr lang="de-AT"/>
+              <a:t>des Prototypen</a:t>
             </a:r>
             <a:endParaRPr lang="de-AT" dirty="0"/>
+          </a:p>
+          <a:p>
+            <a:r>
+              <a:rPr lang="de-AT" dirty="0" err="1"/>
+              <a:t>Factories</a:t>
+            </a:r>
+            <a:r>
+              <a:rPr lang="de-AT" dirty="0"/>
+              <a:t> als Singletons</a:t>
+            </a:r>
+          </a:p>
+          <a:p>
+            <a:pPr lvl="1"/>
+            <a:r>
+              <a:rPr lang="de-AT" dirty="0"/>
+              <a:t>Normalerweise wird nur eine Factory pro Produktgruppe benötigt</a:t>
+            </a:r>
           </a:p>
         </p:txBody>
       </p:sp>

--- a/Presentation/Abstract_Factory.pptx
+++ b/Presentation/Abstract_Factory.pptx
@@ -5,32 +5,37 @@
     <p:sldMasterId id="2147483657" r:id="rId1"/>
   </p:sldMasterIdLst>
   <p:notesMasterIdLst>
-    <p:notesMasterId r:id="rId15"/>
+    <p:notesMasterId r:id="rId20"/>
   </p:notesMasterIdLst>
   <p:sldIdLst>
     <p:sldId id="256" r:id="rId2"/>
-    <p:sldId id="295" r:id="rId3"/>
-    <p:sldId id="298" r:id="rId4"/>
-    <p:sldId id="299" r:id="rId5"/>
-    <p:sldId id="284" r:id="rId6"/>
-    <p:sldId id="297" r:id="rId7"/>
-    <p:sldId id="291" r:id="rId8"/>
-    <p:sldId id="293" r:id="rId9"/>
-    <p:sldId id="288" r:id="rId10"/>
-    <p:sldId id="289" r:id="rId11"/>
-    <p:sldId id="287" r:id="rId12"/>
-    <p:sldId id="292" r:id="rId13"/>
-    <p:sldId id="290" r:id="rId14"/>
+    <p:sldId id="300" r:id="rId3"/>
+    <p:sldId id="284" r:id="rId4"/>
+    <p:sldId id="295" r:id="rId5"/>
+    <p:sldId id="301" r:id="rId6"/>
+    <p:sldId id="298" r:id="rId7"/>
+    <p:sldId id="299" r:id="rId8"/>
+    <p:sldId id="302" r:id="rId9"/>
+    <p:sldId id="297" r:id="rId10"/>
+    <p:sldId id="291" r:id="rId11"/>
+    <p:sldId id="293" r:id="rId12"/>
+    <p:sldId id="303" r:id="rId13"/>
+    <p:sldId id="288" r:id="rId14"/>
+    <p:sldId id="289" r:id="rId15"/>
+    <p:sldId id="304" r:id="rId16"/>
+    <p:sldId id="287" r:id="rId17"/>
+    <p:sldId id="292" r:id="rId18"/>
+    <p:sldId id="290" r:id="rId19"/>
   </p:sldIdLst>
   <p:sldSz cx="9144000" cy="6858000" type="screen4x3"/>
   <p:notesSz cx="6858000" cy="9144000"/>
   <p:embeddedFontLst>
     <p:embeddedFont>
       <p:font typeface="Cousine" panose="020B0604020202020204" charset="0"/>
-      <p:regular r:id="rId16"/>
-      <p:bold r:id="rId17"/>
-      <p:italic r:id="rId18"/>
-      <p:boldItalic r:id="rId19"/>
+      <p:regular r:id="rId21"/>
+      <p:bold r:id="rId22"/>
+      <p:italic r:id="rId23"/>
+      <p:boldItalic r:id="rId24"/>
     </p:embeddedFont>
   </p:embeddedFontLst>
   <p:defaultTextStyle>
@@ -3195,7 +3200,7 @@
           <p:cNvPr id="2" name="Titel 1">
             <a:extLst>
               <a:ext uri="{FF2B5EF4-FFF2-40B4-BE49-F238E27FC236}">
-                <a16:creationId xmlns:a16="http://schemas.microsoft.com/office/drawing/2014/main" id="{1266ED8F-9FD1-4B15-A50E-C6F18D83F3DC}"/>
+                <a16:creationId xmlns:a16="http://schemas.microsoft.com/office/drawing/2014/main" id="{8C6E7EAF-8474-45CF-A3A9-244067D765FF}"/>
               </a:ext>
             </a:extLst>
           </p:cNvPr>
@@ -3213,7 +3218,7 @@
           <a:p>
             <a:r>
               <a:rPr lang="de-AT" dirty="0"/>
-              <a:t>Nachteile</a:t>
+              <a:t>Komponenten der Abstract Factory</a:t>
             </a:r>
           </a:p>
         </p:txBody>
@@ -3223,7 +3228,7 @@
           <p:cNvPr id="3" name="Textplatzhalter 2">
             <a:extLst>
               <a:ext uri="{FF2B5EF4-FFF2-40B4-BE49-F238E27FC236}">
-                <a16:creationId xmlns:a16="http://schemas.microsoft.com/office/drawing/2014/main" id="{DFA52D6C-B921-4B1B-9E4C-1FE88A947AF5}"/>
+                <a16:creationId xmlns:a16="http://schemas.microsoft.com/office/drawing/2014/main" id="{2F5A5B35-6995-43DE-A433-ECE2936F9401}"/>
               </a:ext>
             </a:extLst>
           </p:cNvPr>
@@ -3241,82 +3246,62 @@
           <a:p>
             <a:r>
               <a:rPr lang="de-AT" dirty="0"/>
-              <a:t>Erweiterbarkeit aufwändig</a:t>
-            </a:r>
-          </a:p>
-          <a:p>
-            <a:pPr lvl="1"/>
-            <a:r>
-              <a:rPr lang="de-AT" dirty="0"/>
-              <a:t>Anpassung von</a:t>
-            </a:r>
-          </a:p>
-          <a:p>
-            <a:pPr lvl="2"/>
+              <a:t>Interface für konkrete Klassen</a:t>
+            </a:r>
+          </a:p>
+          <a:p>
+            <a:r>
+              <a:rPr lang="de-AT" dirty="0"/>
+              <a:t>Konkrete Klassen, die das Interface implementieren</a:t>
+            </a:r>
+          </a:p>
+          <a:p>
             <a:r>
               <a:rPr lang="de-AT" dirty="0"/>
               <a:t>Abstract Factory</a:t>
             </a:r>
-          </a:p>
-          <a:p>
-            <a:pPr lvl="2"/>
-            <a:r>
-              <a:rPr lang="de-AT" dirty="0"/>
-              <a:t>Interface</a:t>
-            </a:r>
-          </a:p>
-          <a:p>
-            <a:pPr lvl="2"/>
-            <a:r>
-              <a:rPr lang="de-AT" dirty="0"/>
-              <a:t>Subklassen</a:t>
-            </a:r>
-          </a:p>
-          <a:p>
-            <a:r>
-              <a:rPr lang="de-AT" dirty="0"/>
-              <a:t>Lesbarkeit erschwert</a:t>
-            </a:r>
-          </a:p>
-          <a:p>
-            <a:pPr lvl="1"/>
-            <a:r>
-              <a:rPr lang="de-AT" dirty="0"/>
-              <a:t>Code hinter Abstraktion</a:t>
-            </a:r>
-          </a:p>
-          <a:p>
-            <a:r>
-              <a:rPr lang="de-AT" dirty="0"/>
-              <a:t>„Anti-pattern“ bei falscher Nutzung</a:t>
-            </a:r>
-          </a:p>
-          <a:p>
-            <a:pPr lvl="1"/>
-            <a:r>
-              <a:rPr lang="de-AT" dirty="0"/>
-              <a:t>Sogenanntes Bad-</a:t>
-            </a:r>
-            <a:r>
-              <a:rPr lang="de-AT" dirty="0" err="1"/>
-              <a:t>Programming</a:t>
-            </a:r>
-            <a:r>
-              <a:rPr lang="de-AT" dirty="0"/>
-              <a:t>-Practice</a:t>
-            </a:r>
-          </a:p>
-          <a:p>
-            <a:pPr lvl="1"/>
-            <a:r>
-              <a:rPr lang="de-AT" dirty="0"/>
-              <a:t>OOP </a:t>
-            </a:r>
+            <a:endParaRPr lang="de-AT" dirty="0">
+              <a:sym typeface="Wingdings" panose="05000000000000000000" pitchFamily="2" charset="2"/>
+            </a:endParaRPr>
+          </a:p>
+          <a:p>
             <a:r>
               <a:rPr lang="de-AT" dirty="0">
                 <a:sym typeface="Wingdings" panose="05000000000000000000" pitchFamily="2" charset="2"/>
               </a:rPr>
-              <a:t> Aufteilung | Anti-pattern  Ein Objekt, das alle Aufgaben übernimmt</a:t>
+              <a:t>Konkrete </a:t>
+            </a:r>
+            <a:r>
+              <a:rPr lang="de-AT" dirty="0" err="1">
+                <a:sym typeface="Wingdings" panose="05000000000000000000" pitchFamily="2" charset="2"/>
+              </a:rPr>
+              <a:t>Factories</a:t>
+            </a:r>
+            <a:r>
+              <a:rPr lang="de-AT" dirty="0">
+                <a:sym typeface="Wingdings" panose="05000000000000000000" pitchFamily="2" charset="2"/>
+              </a:rPr>
+              <a:t>, die von abstrakter Factory abgeleitet sind</a:t>
+            </a:r>
+          </a:p>
+          <a:p>
+            <a:r>
+              <a:rPr lang="de-AT" dirty="0">
+                <a:sym typeface="Wingdings" panose="05000000000000000000" pitchFamily="2" charset="2"/>
+              </a:rPr>
+              <a:t>Optional: Factory Producer, der abstrakte </a:t>
+            </a:r>
+            <a:r>
+              <a:rPr lang="de-AT" dirty="0" err="1">
+                <a:sym typeface="Wingdings" panose="05000000000000000000" pitchFamily="2" charset="2"/>
+              </a:rPr>
+              <a:t>Factories</a:t>
+            </a:r>
+            <a:r>
+              <a:rPr lang="de-AT" dirty="0">
+                <a:sym typeface="Wingdings" panose="05000000000000000000" pitchFamily="2" charset="2"/>
+              </a:rPr>
+              <a:t> erzeugt</a:t>
             </a:r>
             <a:endParaRPr lang="de-AT" dirty="0"/>
           </a:p>
@@ -3327,7 +3312,7 @@
           <p:cNvPr id="4" name="Foliennummernplatzhalter 3">
             <a:extLst>
               <a:ext uri="{FF2B5EF4-FFF2-40B4-BE49-F238E27FC236}">
-                <a16:creationId xmlns:a16="http://schemas.microsoft.com/office/drawing/2014/main" id="{F77D36DB-8BF3-4723-816E-08B35346E047}"/>
+                <a16:creationId xmlns:a16="http://schemas.microsoft.com/office/drawing/2014/main" id="{D9C43702-1516-46DE-AA64-363E8CE4C2C1}"/>
               </a:ext>
             </a:extLst>
           </p:cNvPr>
@@ -3363,7 +3348,7 @@
     </p:spTree>
     <p:extLst>
       <p:ext uri="{BB962C8B-B14F-4D97-AF65-F5344CB8AC3E}">
-        <p14:creationId xmlns:p14="http://schemas.microsoft.com/office/powerpoint/2010/main" val="471742731"/>
+        <p14:creationId xmlns:p14="http://schemas.microsoft.com/office/powerpoint/2010/main" val="3158974749"/>
       </p:ext>
     </p:extLst>
   </p:cSld>
@@ -3395,1634 +3380,6 @@
           <p:cNvPr id="2" name="Titel 1">
             <a:extLst>
               <a:ext uri="{FF2B5EF4-FFF2-40B4-BE49-F238E27FC236}">
-                <a16:creationId xmlns:a16="http://schemas.microsoft.com/office/drawing/2014/main" id="{EF049C18-9C64-45C1-9C46-7D0769198BFA}"/>
-              </a:ext>
-            </a:extLst>
-          </p:cNvPr>
-          <p:cNvSpPr>
-            <a:spLocks noGrp="1"/>
-          </p:cNvSpPr>
-          <p:nvPr>
-            <p:ph type="title"/>
-          </p:nvPr>
-        </p:nvSpPr>
-        <p:spPr/>
-        <p:txBody>
-          <a:bodyPr/>
-          <a:lstStyle/>
-          <a:p>
-            <a:r>
-              <a:rPr lang="de-AT" dirty="0"/>
-              <a:t>Beispiel</a:t>
-            </a:r>
-          </a:p>
-        </p:txBody>
-      </p:sp>
-      <p:sp>
-        <p:nvSpPr>
-          <p:cNvPr id="3" name="Textplatzhalter 2">
-            <a:extLst>
-              <a:ext uri="{FF2B5EF4-FFF2-40B4-BE49-F238E27FC236}">
-                <a16:creationId xmlns:a16="http://schemas.microsoft.com/office/drawing/2014/main" id="{9EAF5B0A-4FC8-4DEA-8697-DC215CC287AC}"/>
-              </a:ext>
-            </a:extLst>
-          </p:cNvPr>
-          <p:cNvSpPr>
-            <a:spLocks noGrp="1"/>
-          </p:cNvSpPr>
-          <p:nvPr>
-            <p:ph type="body" idx="1"/>
-          </p:nvPr>
-        </p:nvSpPr>
-        <p:spPr/>
-        <p:txBody>
-          <a:bodyPr/>
-          <a:lstStyle/>
-          <a:p>
-            <a:endParaRPr lang="de-AT"/>
-          </a:p>
-        </p:txBody>
-      </p:sp>
-      <p:sp>
-        <p:nvSpPr>
-          <p:cNvPr id="4" name="Foliennummernplatzhalter 3">
-            <a:extLst>
-              <a:ext uri="{FF2B5EF4-FFF2-40B4-BE49-F238E27FC236}">
-                <a16:creationId xmlns:a16="http://schemas.microsoft.com/office/drawing/2014/main" id="{ECA55969-55FC-4A97-B81F-6291C87A4759}"/>
-              </a:ext>
-            </a:extLst>
-          </p:cNvPr>
-          <p:cNvSpPr>
-            <a:spLocks noGrp="1"/>
-          </p:cNvSpPr>
-          <p:nvPr>
-            <p:ph type="sldNum" idx="12"/>
-          </p:nvPr>
-        </p:nvSpPr>
-        <p:spPr/>
-        <p:txBody>
-          <a:bodyPr/>
-          <a:lstStyle/>
-          <a:p>
-            <a:pPr marL="0" lvl="0" indent="0" algn="r" rtl="0">
-              <a:spcBef>
-                <a:spcPts val="0"/>
-              </a:spcBef>
-              <a:spcAft>
-                <a:spcPts val="0"/>
-              </a:spcAft>
-              <a:buNone/>
-            </a:pPr>
-            <a:fld id="{00000000-1234-1234-1234-123412341234}" type="slidenum">
-              <a:rPr lang="de-AT" smtClean="0"/>
-              <a:t>11</a:t>
-            </a:fld>
-            <a:endParaRPr lang="de-AT"/>
-          </a:p>
-        </p:txBody>
-      </p:sp>
-      <p:pic>
-        <p:nvPicPr>
-          <p:cNvPr id="5" name="Grafik 4">
-            <a:extLst>
-              <a:ext uri="{FF2B5EF4-FFF2-40B4-BE49-F238E27FC236}">
-                <a16:creationId xmlns:a16="http://schemas.microsoft.com/office/drawing/2014/main" id="{EC573A96-0B54-4830-A12C-14D077841275}"/>
-              </a:ext>
-            </a:extLst>
-          </p:cNvPr>
-          <p:cNvPicPr>
-            <a:picLocks noChangeAspect="1"/>
-          </p:cNvPicPr>
-          <p:nvPr/>
-        </p:nvPicPr>
-        <p:blipFill>
-          <a:blip r:embed="rId2"/>
-          <a:stretch>
-            <a:fillRect/>
-          </a:stretch>
-        </p:blipFill>
-        <p:spPr>
-          <a:xfrm>
-            <a:off x="117147" y="1459944"/>
-            <a:ext cx="8909705" cy="3946694"/>
-          </a:xfrm>
-          <a:prstGeom prst="rect">
-            <a:avLst/>
-          </a:prstGeom>
-        </p:spPr>
-      </p:pic>
-    </p:spTree>
-    <p:extLst>
-      <p:ext uri="{BB962C8B-B14F-4D97-AF65-F5344CB8AC3E}">
-        <p14:creationId xmlns:p14="http://schemas.microsoft.com/office/powerpoint/2010/main" val="2104971763"/>
-      </p:ext>
-    </p:extLst>
-  </p:cSld>
-  <p:clrMapOvr>
-    <a:masterClrMapping/>
-  </p:clrMapOvr>
-</p:sld>
-</file>
-
-<file path=ppt/slides/slide12.xml><?xml version="1.0" encoding="utf-8"?>
-<p:sld xmlns:a="http://schemas.openxmlformats.org/drawingml/2006/main" xmlns:r="http://schemas.openxmlformats.org/officeDocument/2006/relationships" xmlns:p="http://schemas.openxmlformats.org/presentationml/2006/main">
-  <p:cSld>
-    <p:spTree>
-      <p:nvGrpSpPr>
-        <p:cNvPr id="1" name=""/>
-        <p:cNvGrpSpPr/>
-        <p:nvPr/>
-      </p:nvGrpSpPr>
-      <p:grpSpPr>
-        <a:xfrm>
-          <a:off x="0" y="0"/>
-          <a:ext cx="0" cy="0"/>
-          <a:chOff x="0" y="0"/>
-          <a:chExt cx="0" cy="0"/>
-        </a:xfrm>
-      </p:grpSpPr>
-      <p:sp>
-        <p:nvSpPr>
-          <p:cNvPr id="2" name="Titel 1">
-            <a:extLst>
-              <a:ext uri="{FF2B5EF4-FFF2-40B4-BE49-F238E27FC236}">
-                <a16:creationId xmlns:a16="http://schemas.microsoft.com/office/drawing/2014/main" id="{9C8F4B40-B8F3-4F24-A957-540764DFFE87}"/>
-              </a:ext>
-            </a:extLst>
-          </p:cNvPr>
-          <p:cNvSpPr>
-            <a:spLocks noGrp="1"/>
-          </p:cNvSpPr>
-          <p:nvPr>
-            <p:ph type="title"/>
-          </p:nvPr>
-        </p:nvSpPr>
-        <p:spPr/>
-        <p:txBody>
-          <a:bodyPr/>
-          <a:lstStyle/>
-          <a:p>
-            <a:r>
-              <a:rPr lang="de-AT" dirty="0"/>
-              <a:t>Eigenes Beispiel - Fahrzeugverwaltung</a:t>
-            </a:r>
-          </a:p>
-        </p:txBody>
-      </p:sp>
-      <p:sp>
-        <p:nvSpPr>
-          <p:cNvPr id="3" name="Textplatzhalter 2">
-            <a:extLst>
-              <a:ext uri="{FF2B5EF4-FFF2-40B4-BE49-F238E27FC236}">
-                <a16:creationId xmlns:a16="http://schemas.microsoft.com/office/drawing/2014/main" id="{B4C6D4C7-0299-4745-BD12-1653FE4F8D1F}"/>
-              </a:ext>
-            </a:extLst>
-          </p:cNvPr>
-          <p:cNvSpPr>
-            <a:spLocks noGrp="1"/>
-          </p:cNvSpPr>
-          <p:nvPr>
-            <p:ph type="body" idx="1"/>
-          </p:nvPr>
-        </p:nvSpPr>
-        <p:spPr/>
-        <p:txBody>
-          <a:bodyPr/>
-          <a:lstStyle/>
-          <a:p>
-            <a:r>
-              <a:rPr lang="de-AT" dirty="0"/>
-              <a:t>ASP.NET </a:t>
-            </a:r>
-            <a:r>
-              <a:rPr lang="de-AT" dirty="0" err="1"/>
-              <a:t>Webforms</a:t>
-            </a:r>
-            <a:r>
-              <a:rPr lang="de-AT" dirty="0"/>
-              <a:t> Anwendung</a:t>
-            </a:r>
-          </a:p>
-          <a:p>
-            <a:r>
-              <a:rPr lang="de-AT" dirty="0"/>
-              <a:t>Fahrzeug- und Kundenverwaltung</a:t>
-            </a:r>
-          </a:p>
-          <a:p>
-            <a:pPr lvl="1"/>
-            <a:r>
-              <a:rPr lang="de-AT" dirty="0"/>
-              <a:t>PKW, LKW, Traktor, Motorrad</a:t>
-            </a:r>
-          </a:p>
-          <a:p>
-            <a:pPr lvl="1"/>
-            <a:r>
-              <a:rPr lang="de-AT" dirty="0"/>
-              <a:t>Privatperson, Firma</a:t>
-            </a:r>
-          </a:p>
-          <a:p>
-            <a:r>
-              <a:rPr lang="de-AT" dirty="0"/>
-              <a:t>Verkauf von Fahrzeugen</a:t>
-            </a:r>
-          </a:p>
-          <a:p>
-            <a:r>
-              <a:rPr lang="de-AT" dirty="0"/>
-              <a:t>Chart mit Gesamterlösen pro Verkäufer</a:t>
-            </a:r>
-          </a:p>
-          <a:p>
-            <a:r>
-              <a:rPr lang="de-AT" dirty="0"/>
-              <a:t>Abstract Factory Pattern beim Einfügen von Fahrzeugen und Kunden</a:t>
-            </a:r>
-          </a:p>
-        </p:txBody>
-      </p:sp>
-      <p:sp>
-        <p:nvSpPr>
-          <p:cNvPr id="4" name="Foliennummernplatzhalter 3">
-            <a:extLst>
-              <a:ext uri="{FF2B5EF4-FFF2-40B4-BE49-F238E27FC236}">
-                <a16:creationId xmlns:a16="http://schemas.microsoft.com/office/drawing/2014/main" id="{6741F331-C72A-4A8A-B323-27557B810535}"/>
-              </a:ext>
-            </a:extLst>
-          </p:cNvPr>
-          <p:cNvSpPr>
-            <a:spLocks noGrp="1"/>
-          </p:cNvSpPr>
-          <p:nvPr>
-            <p:ph type="sldNum" idx="12"/>
-          </p:nvPr>
-        </p:nvSpPr>
-        <p:spPr/>
-        <p:txBody>
-          <a:bodyPr/>
-          <a:lstStyle/>
-          <a:p>
-            <a:pPr marL="0" lvl="0" indent="0" algn="r" rtl="0">
-              <a:spcBef>
-                <a:spcPts val="0"/>
-              </a:spcBef>
-              <a:spcAft>
-                <a:spcPts val="0"/>
-              </a:spcAft>
-              <a:buNone/>
-            </a:pPr>
-            <a:fld id="{00000000-1234-1234-1234-123412341234}" type="slidenum">
-              <a:rPr lang="de-AT" smtClean="0"/>
-              <a:t>12</a:t>
-            </a:fld>
-            <a:endParaRPr lang="de-AT"/>
-          </a:p>
-        </p:txBody>
-      </p:sp>
-    </p:spTree>
-    <p:extLst>
-      <p:ext uri="{BB962C8B-B14F-4D97-AF65-F5344CB8AC3E}">
-        <p14:creationId xmlns:p14="http://schemas.microsoft.com/office/powerpoint/2010/main" val="901752639"/>
-      </p:ext>
-    </p:extLst>
-  </p:cSld>
-  <p:clrMapOvr>
-    <a:masterClrMapping/>
-  </p:clrMapOvr>
-</p:sld>
-</file>
-
-<file path=ppt/slides/slide13.xml><?xml version="1.0" encoding="utf-8"?>
-<p:sld xmlns:a="http://schemas.openxmlformats.org/drawingml/2006/main" xmlns:r="http://schemas.openxmlformats.org/officeDocument/2006/relationships" xmlns:p="http://schemas.openxmlformats.org/presentationml/2006/main">
-  <p:cSld>
-    <p:spTree>
-      <p:nvGrpSpPr>
-        <p:cNvPr id="1" name=""/>
-        <p:cNvGrpSpPr/>
-        <p:nvPr/>
-      </p:nvGrpSpPr>
-      <p:grpSpPr>
-        <a:xfrm>
-          <a:off x="0" y="0"/>
-          <a:ext cx="0" cy="0"/>
-          <a:chOff x="0" y="0"/>
-          <a:chExt cx="0" cy="0"/>
-        </a:xfrm>
-      </p:grpSpPr>
-      <p:sp>
-        <p:nvSpPr>
-          <p:cNvPr id="2" name="Titel 1">
-            <a:extLst>
-              <a:ext uri="{FF2B5EF4-FFF2-40B4-BE49-F238E27FC236}">
-                <a16:creationId xmlns:a16="http://schemas.microsoft.com/office/drawing/2014/main" id="{0589B744-C66D-4C60-BC49-518B5E0B6E78}"/>
-              </a:ext>
-            </a:extLst>
-          </p:cNvPr>
-          <p:cNvSpPr>
-            <a:spLocks noGrp="1"/>
-          </p:cNvSpPr>
-          <p:nvPr>
-            <p:ph type="title"/>
-          </p:nvPr>
-        </p:nvSpPr>
-        <p:spPr/>
-        <p:txBody>
-          <a:bodyPr/>
-          <a:lstStyle/>
-          <a:p>
-            <a:r>
-              <a:rPr lang="de-AT" dirty="0"/>
-              <a:t>Quellen</a:t>
-            </a:r>
-          </a:p>
-        </p:txBody>
-      </p:sp>
-      <p:sp>
-        <p:nvSpPr>
-          <p:cNvPr id="3" name="Textplatzhalter 2">
-            <a:extLst>
-              <a:ext uri="{FF2B5EF4-FFF2-40B4-BE49-F238E27FC236}">
-                <a16:creationId xmlns:a16="http://schemas.microsoft.com/office/drawing/2014/main" id="{DD082FB3-B9C9-48CF-B990-92C21A65CAD4}"/>
-              </a:ext>
-            </a:extLst>
-          </p:cNvPr>
-          <p:cNvSpPr>
-            <a:spLocks noGrp="1"/>
-          </p:cNvSpPr>
-          <p:nvPr>
-            <p:ph type="body" idx="1"/>
-          </p:nvPr>
-        </p:nvSpPr>
-        <p:spPr/>
-        <p:txBody>
-          <a:bodyPr/>
-          <a:lstStyle/>
-          <a:p>
-            <a:r>
-              <a:rPr lang="de-AT" sz="1600" dirty="0">
-                <a:solidFill>
-                  <a:schemeClr val="tx1"/>
-                </a:solidFill>
-                <a:hlinkClick r:id="rId2">
-                  <a:extLst>
-                    <a:ext uri="{A12FA001-AC4F-418D-AE19-62706E023703}">
-                      <ahyp:hlinkClr xmlns:ahyp="http://schemas.microsoft.com/office/drawing/2018/hyperlinkcolor" val="tx"/>
-                    </a:ext>
-                  </a:extLst>
-                </a:hlinkClick>
-              </a:rPr>
-              <a:t>https://www.tutorialspoint.com/design_pattern/abstract_factory_pattern.htm</a:t>
-            </a:r>
-            <a:endParaRPr lang="de-AT" sz="1600" dirty="0">
-              <a:solidFill>
-                <a:schemeClr val="tx1"/>
-              </a:solidFill>
-            </a:endParaRPr>
-          </a:p>
-          <a:p>
-            <a:r>
-              <a:rPr lang="de-AT" sz="1600" dirty="0">
-                <a:solidFill>
-                  <a:schemeClr val="tx1"/>
-                </a:solidFill>
-              </a:rPr>
-              <a:t>https://www.philipphauer.de/study/se/design-pattern/abstract-factory.php</a:t>
-            </a:r>
-          </a:p>
-          <a:p>
-            <a:r>
-              <a:rPr lang="de-AT" sz="1600" dirty="0">
-                <a:solidFill>
-                  <a:schemeClr val="tx1"/>
-                </a:solidFill>
-              </a:rPr>
-              <a:t>https://de.wikipedia.org/wiki/Abstrakte_Fabrik</a:t>
-            </a:r>
-          </a:p>
-          <a:p>
-            <a:r>
-              <a:rPr lang="de-AT" sz="1600" dirty="0">
-                <a:solidFill>
-                  <a:schemeClr val="tx1"/>
-                </a:solidFill>
-              </a:rPr>
-              <a:t>https://refactoring.guru/design-patterns/abstract-factory</a:t>
-            </a:r>
-          </a:p>
-          <a:p>
-            <a:r>
-              <a:rPr lang="de-AT" sz="1600" dirty="0">
-                <a:solidFill>
-                  <a:schemeClr val="tx1"/>
-                </a:solidFill>
-              </a:rPr>
-              <a:t>https://www.geeksforgeeks.org/abstract-factory-pattern/</a:t>
-            </a:r>
-          </a:p>
-          <a:p>
-            <a:r>
-              <a:rPr lang="de-AT" sz="1600" dirty="0">
-                <a:solidFill>
-                  <a:schemeClr val="tx1"/>
-                </a:solidFill>
-                <a:hlinkClick r:id="rId3">
-                  <a:extLst>
-                    <a:ext uri="{A12FA001-AC4F-418D-AE19-62706E023703}">
-                      <ahyp:hlinkClr xmlns:ahyp="http://schemas.microsoft.com/office/drawing/2018/hyperlinkcolor" val="tx"/>
-                    </a:ext>
-                  </a:extLst>
-                </a:hlinkClick>
-              </a:rPr>
-              <a:t>https://stackoverflow.com/questions/5739611/differences-between-abstract-factory-pattern-and-factory-method</a:t>
-            </a:r>
-            <a:endParaRPr lang="de-AT" sz="1600" dirty="0">
-              <a:solidFill>
-                <a:schemeClr val="tx1"/>
-              </a:solidFill>
-            </a:endParaRPr>
-          </a:p>
-          <a:p>
-            <a:r>
-              <a:rPr lang="de-AT" sz="1600" dirty="0">
-                <a:solidFill>
-                  <a:schemeClr val="tx1"/>
-                </a:solidFill>
-                <a:hlinkClick r:id="rId4">
-                  <a:extLst>
-                    <a:ext uri="{A12FA001-AC4F-418D-AE19-62706E023703}">
-                      <ahyp:hlinkClr xmlns:ahyp="http://schemas.microsoft.com/office/drawing/2018/hyperlinkcolor" val="tx"/>
-                    </a:ext>
-                  </a:extLst>
-                </a:hlinkClick>
-              </a:rPr>
-              <a:t>https://www.quora.com/What-are-the-pros-and-cons-of-the-factory-design-pattern</a:t>
-            </a:r>
-            <a:endParaRPr lang="de-AT" sz="1600" dirty="0">
-              <a:solidFill>
-                <a:schemeClr val="tx1"/>
-              </a:solidFill>
-            </a:endParaRPr>
-          </a:p>
-          <a:p>
-            <a:endParaRPr lang="de-AT" sz="1600" dirty="0"/>
-          </a:p>
-        </p:txBody>
-      </p:sp>
-      <p:sp>
-        <p:nvSpPr>
-          <p:cNvPr id="4" name="Foliennummernplatzhalter 3">
-            <a:extLst>
-              <a:ext uri="{FF2B5EF4-FFF2-40B4-BE49-F238E27FC236}">
-                <a16:creationId xmlns:a16="http://schemas.microsoft.com/office/drawing/2014/main" id="{ED121438-C7A5-4B46-87D7-B66BCD3E7F09}"/>
-              </a:ext>
-            </a:extLst>
-          </p:cNvPr>
-          <p:cNvSpPr>
-            <a:spLocks noGrp="1"/>
-          </p:cNvSpPr>
-          <p:nvPr>
-            <p:ph type="sldNum" idx="12"/>
-          </p:nvPr>
-        </p:nvSpPr>
-        <p:spPr/>
-        <p:txBody>
-          <a:bodyPr/>
-          <a:lstStyle/>
-          <a:p>
-            <a:pPr marL="0" lvl="0" indent="0" algn="r" rtl="0">
-              <a:spcBef>
-                <a:spcPts val="0"/>
-              </a:spcBef>
-              <a:spcAft>
-                <a:spcPts val="0"/>
-              </a:spcAft>
-              <a:buNone/>
-            </a:pPr>
-            <a:fld id="{00000000-1234-1234-1234-123412341234}" type="slidenum">
-              <a:rPr lang="de-AT" smtClean="0"/>
-              <a:t>13</a:t>
-            </a:fld>
-            <a:endParaRPr lang="de-AT"/>
-          </a:p>
-        </p:txBody>
-      </p:sp>
-    </p:spTree>
-    <p:extLst>
-      <p:ext uri="{BB962C8B-B14F-4D97-AF65-F5344CB8AC3E}">
-        <p14:creationId xmlns:p14="http://schemas.microsoft.com/office/powerpoint/2010/main" val="949240565"/>
-      </p:ext>
-    </p:extLst>
-  </p:cSld>
-  <p:clrMapOvr>
-    <a:masterClrMapping/>
-  </p:clrMapOvr>
-</p:sld>
-</file>
-
-<file path=ppt/slides/slide2.xml><?xml version="1.0" encoding="utf-8"?>
-<p:sld xmlns:a="http://schemas.openxmlformats.org/drawingml/2006/main" xmlns:r="http://schemas.openxmlformats.org/officeDocument/2006/relationships" xmlns:p="http://schemas.openxmlformats.org/presentationml/2006/main">
-  <p:cSld>
-    <p:spTree>
-      <p:nvGrpSpPr>
-        <p:cNvPr id="1" name=""/>
-        <p:cNvGrpSpPr/>
-        <p:nvPr/>
-      </p:nvGrpSpPr>
-      <p:grpSpPr>
-        <a:xfrm>
-          <a:off x="0" y="0"/>
-          <a:ext cx="0" cy="0"/>
-          <a:chOff x="0" y="0"/>
-          <a:chExt cx="0" cy="0"/>
-        </a:xfrm>
-      </p:grpSpPr>
-      <p:sp>
-        <p:nvSpPr>
-          <p:cNvPr id="2" name="Titel 1">
-            <a:extLst>
-              <a:ext uri="{FF2B5EF4-FFF2-40B4-BE49-F238E27FC236}">
-                <a16:creationId xmlns:a16="http://schemas.microsoft.com/office/drawing/2014/main" id="{B82BAB24-EBB5-4D52-9831-0F04BDE79E83}"/>
-              </a:ext>
-            </a:extLst>
-          </p:cNvPr>
-          <p:cNvSpPr>
-            <a:spLocks noGrp="1"/>
-          </p:cNvSpPr>
-          <p:nvPr>
-            <p:ph type="title"/>
-          </p:nvPr>
-        </p:nvSpPr>
-        <p:spPr/>
-        <p:txBody>
-          <a:bodyPr/>
-          <a:lstStyle/>
-          <a:p>
-            <a:r>
-              <a:rPr lang="de-AT" dirty="0"/>
-              <a:t>Motivation</a:t>
-            </a:r>
-          </a:p>
-        </p:txBody>
-      </p:sp>
-      <p:sp>
-        <p:nvSpPr>
-          <p:cNvPr id="3" name="Textplatzhalter 2">
-            <a:extLst>
-              <a:ext uri="{FF2B5EF4-FFF2-40B4-BE49-F238E27FC236}">
-                <a16:creationId xmlns:a16="http://schemas.microsoft.com/office/drawing/2014/main" id="{A3745C45-C1CA-4D7A-B583-DF5921006BB9}"/>
-              </a:ext>
-            </a:extLst>
-          </p:cNvPr>
-          <p:cNvSpPr>
-            <a:spLocks noGrp="1"/>
-          </p:cNvSpPr>
-          <p:nvPr>
-            <p:ph type="body" idx="1"/>
-          </p:nvPr>
-        </p:nvSpPr>
-        <p:spPr/>
-        <p:txBody>
-          <a:bodyPr/>
-          <a:lstStyle/>
-          <a:p>
-            <a:r>
-              <a:rPr lang="de-AT" dirty="0"/>
-              <a:t>System unabhängig von der</a:t>
-            </a:r>
-          </a:p>
-          <a:p>
-            <a:pPr lvl="1"/>
-            <a:r>
-              <a:rPr lang="de-AT" dirty="0"/>
-              <a:t>Erzeugung</a:t>
-            </a:r>
-          </a:p>
-          <a:p>
-            <a:pPr lvl="1"/>
-            <a:r>
-              <a:rPr lang="de-AT" dirty="0"/>
-              <a:t>Zusammenstellung</a:t>
-            </a:r>
-          </a:p>
-          <a:p>
-            <a:pPr lvl="1"/>
-            <a:r>
-              <a:rPr lang="de-AT" dirty="0"/>
-              <a:t>Darstellung seiner Objekte</a:t>
-            </a:r>
-          </a:p>
-          <a:p>
-            <a:r>
-              <a:rPr lang="de-AT" dirty="0"/>
-              <a:t>Gruppe von ähnlichen Objekten, die gemeinsam benutzt werden</a:t>
-            </a:r>
-          </a:p>
-          <a:p>
-            <a:r>
-              <a:rPr lang="de-AT" dirty="0"/>
-              <a:t>Bereitstellung einer Klassenbibliothek</a:t>
-            </a:r>
-          </a:p>
-          <a:p>
-            <a:pPr lvl="1"/>
-            <a:r>
-              <a:rPr lang="de-AT" dirty="0"/>
-              <a:t>Öffentliche Interfaces</a:t>
-            </a:r>
-          </a:p>
-          <a:p>
-            <a:pPr lvl="1"/>
-            <a:r>
-              <a:rPr lang="de-AT" dirty="0"/>
-              <a:t>Private Implementierungen</a:t>
-            </a:r>
-          </a:p>
-        </p:txBody>
-      </p:sp>
-      <p:sp>
-        <p:nvSpPr>
-          <p:cNvPr id="4" name="Foliennummernplatzhalter 3">
-            <a:extLst>
-              <a:ext uri="{FF2B5EF4-FFF2-40B4-BE49-F238E27FC236}">
-                <a16:creationId xmlns:a16="http://schemas.microsoft.com/office/drawing/2014/main" id="{78E4C2EF-71CD-4D94-9986-3099097DF332}"/>
-              </a:ext>
-            </a:extLst>
-          </p:cNvPr>
-          <p:cNvSpPr>
-            <a:spLocks noGrp="1"/>
-          </p:cNvSpPr>
-          <p:nvPr>
-            <p:ph type="sldNum" idx="12"/>
-          </p:nvPr>
-        </p:nvSpPr>
-        <p:spPr/>
-        <p:txBody>
-          <a:bodyPr/>
-          <a:lstStyle/>
-          <a:p>
-            <a:pPr marL="0" lvl="0" indent="0" algn="r" rtl="0">
-              <a:spcBef>
-                <a:spcPts val="0"/>
-              </a:spcBef>
-              <a:spcAft>
-                <a:spcPts val="0"/>
-              </a:spcAft>
-              <a:buNone/>
-            </a:pPr>
-            <a:fld id="{00000000-1234-1234-1234-123412341234}" type="slidenum">
-              <a:rPr lang="de-AT" smtClean="0"/>
-              <a:t>2</a:t>
-            </a:fld>
-            <a:endParaRPr lang="de-AT"/>
-          </a:p>
-        </p:txBody>
-      </p:sp>
-    </p:spTree>
-    <p:extLst>
-      <p:ext uri="{BB962C8B-B14F-4D97-AF65-F5344CB8AC3E}">
-        <p14:creationId xmlns:p14="http://schemas.microsoft.com/office/powerpoint/2010/main" val="3423937519"/>
-      </p:ext>
-    </p:extLst>
-  </p:cSld>
-  <p:clrMapOvr>
-    <a:masterClrMapping/>
-  </p:clrMapOvr>
-</p:sld>
-</file>
-
-<file path=ppt/slides/slide3.xml><?xml version="1.0" encoding="utf-8"?>
-<p:sld xmlns:a="http://schemas.openxmlformats.org/drawingml/2006/main" xmlns:r="http://schemas.openxmlformats.org/officeDocument/2006/relationships" xmlns:p="http://schemas.openxmlformats.org/presentationml/2006/main">
-  <p:cSld>
-    <p:spTree>
-      <p:nvGrpSpPr>
-        <p:cNvPr id="1" name=""/>
-        <p:cNvGrpSpPr/>
-        <p:nvPr/>
-      </p:nvGrpSpPr>
-      <p:grpSpPr>
-        <a:xfrm>
-          <a:off x="0" y="0"/>
-          <a:ext cx="0" cy="0"/>
-          <a:chOff x="0" y="0"/>
-          <a:chExt cx="0" cy="0"/>
-        </a:xfrm>
-      </p:grpSpPr>
-      <p:sp>
-        <p:nvSpPr>
-          <p:cNvPr id="2" name="Titel 1">
-            <a:extLst>
-              <a:ext uri="{FF2B5EF4-FFF2-40B4-BE49-F238E27FC236}">
-                <a16:creationId xmlns:a16="http://schemas.microsoft.com/office/drawing/2014/main" id="{E9ECD580-5974-431A-9461-D6620332177F}"/>
-              </a:ext>
-            </a:extLst>
-          </p:cNvPr>
-          <p:cNvSpPr>
-            <a:spLocks noGrp="1"/>
-          </p:cNvSpPr>
-          <p:nvPr>
-            <p:ph type="title"/>
-          </p:nvPr>
-        </p:nvSpPr>
-        <p:spPr/>
-        <p:txBody>
-          <a:bodyPr/>
-          <a:lstStyle/>
-          <a:p>
-            <a:r>
-              <a:rPr lang="de-AT" dirty="0"/>
-              <a:t>Konkrete Anwendungen in Programmen</a:t>
-            </a:r>
-          </a:p>
-        </p:txBody>
-      </p:sp>
-      <p:sp>
-        <p:nvSpPr>
-          <p:cNvPr id="3" name="Textplatzhalter 2">
-            <a:extLst>
-              <a:ext uri="{FF2B5EF4-FFF2-40B4-BE49-F238E27FC236}">
-                <a16:creationId xmlns:a16="http://schemas.microsoft.com/office/drawing/2014/main" id="{20A31CEF-DFF7-4E88-8092-8978ADB4D81C}"/>
-              </a:ext>
-            </a:extLst>
-          </p:cNvPr>
-          <p:cNvSpPr>
-            <a:spLocks noGrp="1"/>
-          </p:cNvSpPr>
-          <p:nvPr>
-            <p:ph type="body" idx="1"/>
-          </p:nvPr>
-        </p:nvSpPr>
-        <p:spPr/>
-        <p:txBody>
-          <a:bodyPr/>
-          <a:lstStyle/>
-          <a:p>
-            <a:r>
-              <a:rPr lang="de-AT" dirty="0" err="1"/>
-              <a:t>InterViews</a:t>
-            </a:r>
-            <a:endParaRPr lang="de-AT" dirty="0"/>
-          </a:p>
-          <a:p>
-            <a:pPr lvl="1"/>
-            <a:r>
-              <a:rPr lang="de-AT" dirty="0"/>
-              <a:t>Sammlung von </a:t>
-            </a:r>
-            <a:r>
-              <a:rPr lang="de-AT" dirty="0" err="1"/>
-              <a:t>Application</a:t>
-            </a:r>
-            <a:r>
-              <a:rPr lang="de-AT" dirty="0"/>
-              <a:t> Frameworks</a:t>
-            </a:r>
-          </a:p>
-          <a:p>
-            <a:pPr lvl="1"/>
-            <a:r>
-              <a:rPr lang="de-AT" dirty="0"/>
-              <a:t>Zum Entwickeln von benutzerdefinierten, grafischen Editoren</a:t>
-            </a:r>
-          </a:p>
-          <a:p>
-            <a:pPr lvl="1"/>
-            <a:r>
-              <a:rPr lang="de-AT" dirty="0" err="1"/>
-              <a:t>Abstracte</a:t>
-            </a:r>
-            <a:r>
-              <a:rPr lang="de-AT" dirty="0"/>
-              <a:t> </a:t>
-            </a:r>
-            <a:r>
-              <a:rPr lang="de-AT" dirty="0" err="1"/>
-              <a:t>Factories</a:t>
-            </a:r>
-            <a:r>
-              <a:rPr lang="de-AT" dirty="0"/>
-              <a:t> </a:t>
-            </a:r>
-            <a:r>
-              <a:rPr lang="de-AT" i="1" dirty="0" err="1"/>
-              <a:t>WidgetKit</a:t>
-            </a:r>
-            <a:r>
-              <a:rPr lang="de-AT" dirty="0"/>
-              <a:t> und </a:t>
-            </a:r>
-            <a:r>
-              <a:rPr lang="de-AT" i="1" dirty="0" err="1"/>
-              <a:t>DialogKit</a:t>
-            </a:r>
-            <a:r>
-              <a:rPr lang="de-AT" i="1" dirty="0"/>
-              <a:t> </a:t>
-            </a:r>
-            <a:r>
-              <a:rPr lang="de-AT" dirty="0"/>
-              <a:t>zur Erzeugung der UI Elemente</a:t>
-            </a:r>
-          </a:p>
-          <a:p>
-            <a:pPr lvl="1"/>
-            <a:r>
-              <a:rPr lang="de-AT" dirty="0"/>
-              <a:t>Abstrakte Factory </a:t>
-            </a:r>
-            <a:r>
-              <a:rPr lang="de-AT" dirty="0" err="1"/>
-              <a:t>LayoutKit</a:t>
-            </a:r>
-            <a:r>
-              <a:rPr lang="de-AT" dirty="0"/>
-              <a:t> zum Erzeugen des Layouts (horizontale oder vertikale Orientierung)</a:t>
-            </a:r>
-          </a:p>
-        </p:txBody>
-      </p:sp>
-      <p:sp>
-        <p:nvSpPr>
-          <p:cNvPr id="4" name="Foliennummernplatzhalter 3">
-            <a:extLst>
-              <a:ext uri="{FF2B5EF4-FFF2-40B4-BE49-F238E27FC236}">
-                <a16:creationId xmlns:a16="http://schemas.microsoft.com/office/drawing/2014/main" id="{11847FE0-8C37-40AD-95FC-A321331AFF41}"/>
-              </a:ext>
-            </a:extLst>
-          </p:cNvPr>
-          <p:cNvSpPr>
-            <a:spLocks noGrp="1"/>
-          </p:cNvSpPr>
-          <p:nvPr>
-            <p:ph type="sldNum" idx="12"/>
-          </p:nvPr>
-        </p:nvSpPr>
-        <p:spPr/>
-        <p:txBody>
-          <a:bodyPr/>
-          <a:lstStyle/>
-          <a:p>
-            <a:pPr marL="0" lvl="0" indent="0" algn="r" rtl="0">
-              <a:spcBef>
-                <a:spcPts val="0"/>
-              </a:spcBef>
-              <a:spcAft>
-                <a:spcPts val="0"/>
-              </a:spcAft>
-              <a:buNone/>
-            </a:pPr>
-            <a:fld id="{00000000-1234-1234-1234-123412341234}" type="slidenum">
-              <a:rPr lang="de-AT" smtClean="0"/>
-              <a:t>3</a:t>
-            </a:fld>
-            <a:endParaRPr lang="de-AT"/>
-          </a:p>
-        </p:txBody>
-      </p:sp>
-    </p:spTree>
-    <p:extLst>
-      <p:ext uri="{BB962C8B-B14F-4D97-AF65-F5344CB8AC3E}">
-        <p14:creationId xmlns:p14="http://schemas.microsoft.com/office/powerpoint/2010/main" val="2028506971"/>
-      </p:ext>
-    </p:extLst>
-  </p:cSld>
-  <p:clrMapOvr>
-    <a:masterClrMapping/>
-  </p:clrMapOvr>
-</p:sld>
-</file>
-
-<file path=ppt/slides/slide4.xml><?xml version="1.0" encoding="utf-8"?>
-<p:sld xmlns:a="http://schemas.openxmlformats.org/drawingml/2006/main" xmlns:r="http://schemas.openxmlformats.org/officeDocument/2006/relationships" xmlns:p="http://schemas.openxmlformats.org/presentationml/2006/main">
-  <p:cSld>
-    <p:spTree>
-      <p:nvGrpSpPr>
-        <p:cNvPr id="1" name=""/>
-        <p:cNvGrpSpPr/>
-        <p:nvPr/>
-      </p:nvGrpSpPr>
-      <p:grpSpPr>
-        <a:xfrm>
-          <a:off x="0" y="0"/>
-          <a:ext cx="0" cy="0"/>
-          <a:chOff x="0" y="0"/>
-          <a:chExt cx="0" cy="0"/>
-        </a:xfrm>
-      </p:grpSpPr>
-      <p:sp>
-        <p:nvSpPr>
-          <p:cNvPr id="2" name="Titel 1">
-            <a:extLst>
-              <a:ext uri="{FF2B5EF4-FFF2-40B4-BE49-F238E27FC236}">
-                <a16:creationId xmlns:a16="http://schemas.microsoft.com/office/drawing/2014/main" id="{E9ECD580-5974-431A-9461-D6620332177F}"/>
-              </a:ext>
-            </a:extLst>
-          </p:cNvPr>
-          <p:cNvSpPr>
-            <a:spLocks noGrp="1"/>
-          </p:cNvSpPr>
-          <p:nvPr>
-            <p:ph type="title"/>
-          </p:nvPr>
-        </p:nvSpPr>
-        <p:spPr/>
-        <p:txBody>
-          <a:bodyPr/>
-          <a:lstStyle/>
-          <a:p>
-            <a:r>
-              <a:rPr lang="de-AT" dirty="0"/>
-              <a:t>Konkrete Anwendungen in Programmen</a:t>
-            </a:r>
-          </a:p>
-        </p:txBody>
-      </p:sp>
-      <p:sp>
-        <p:nvSpPr>
-          <p:cNvPr id="3" name="Textplatzhalter 2">
-            <a:extLst>
-              <a:ext uri="{FF2B5EF4-FFF2-40B4-BE49-F238E27FC236}">
-                <a16:creationId xmlns:a16="http://schemas.microsoft.com/office/drawing/2014/main" id="{20A31CEF-DFF7-4E88-8092-8978ADB4D81C}"/>
-              </a:ext>
-            </a:extLst>
-          </p:cNvPr>
-          <p:cNvSpPr>
-            <a:spLocks noGrp="1"/>
-          </p:cNvSpPr>
-          <p:nvPr>
-            <p:ph type="body" idx="1"/>
-          </p:nvPr>
-        </p:nvSpPr>
-        <p:spPr>
-          <a:xfrm>
-            <a:off x="343225" y="1500000"/>
-            <a:ext cx="8290800" cy="4851900"/>
-          </a:xfrm>
-        </p:spPr>
-        <p:txBody>
-          <a:bodyPr/>
-          <a:lstStyle/>
-          <a:p>
-            <a:r>
-              <a:rPr lang="de-AT" dirty="0"/>
-              <a:t>ET++</a:t>
-            </a:r>
-          </a:p>
-          <a:p>
-            <a:r>
-              <a:rPr lang="de-AT" dirty="0"/>
-              <a:t>Von Erich Gamma (von der Gang </a:t>
-            </a:r>
-            <a:r>
-              <a:rPr lang="de-AT" dirty="0" err="1"/>
-              <a:t>of</a:t>
-            </a:r>
-            <a:r>
-              <a:rPr lang="de-AT" dirty="0"/>
-              <a:t> </a:t>
-            </a:r>
-            <a:r>
-              <a:rPr lang="de-AT" dirty="0" err="1"/>
-              <a:t>four</a:t>
-            </a:r>
-            <a:r>
-              <a:rPr lang="de-AT" dirty="0"/>
-              <a:t>)</a:t>
-            </a:r>
-          </a:p>
-          <a:p>
-            <a:pPr lvl="1"/>
-            <a:r>
-              <a:rPr lang="de-AT" dirty="0" err="1"/>
-              <a:t>Application</a:t>
-            </a:r>
-            <a:r>
-              <a:rPr lang="de-AT" dirty="0"/>
-              <a:t> Framework</a:t>
-            </a:r>
-          </a:p>
-          <a:p>
-            <a:pPr lvl="1"/>
-            <a:r>
-              <a:rPr lang="de-AT" dirty="0"/>
-              <a:t>Entwicklung von Applikationen mit</a:t>
-            </a:r>
-          </a:p>
-          <a:p>
-            <a:pPr lvl="2"/>
-            <a:r>
-              <a:rPr lang="de-AT" dirty="0"/>
-              <a:t>Interaktiver Benutzerschnittstelle</a:t>
-            </a:r>
-          </a:p>
-          <a:p>
-            <a:pPr lvl="2"/>
-            <a:r>
-              <a:rPr lang="de-AT" dirty="0"/>
-              <a:t>Textueller und grafischer Darstellung der Daten</a:t>
-            </a:r>
-          </a:p>
-          <a:p>
-            <a:pPr lvl="1"/>
-            <a:r>
-              <a:rPr lang="de-AT" dirty="0"/>
-              <a:t>Baumeditor, Spreadsheets, CASE-Tools, … </a:t>
-            </a:r>
-          </a:p>
-        </p:txBody>
-      </p:sp>
-      <p:sp>
-        <p:nvSpPr>
-          <p:cNvPr id="4" name="Foliennummernplatzhalter 3">
-            <a:extLst>
-              <a:ext uri="{FF2B5EF4-FFF2-40B4-BE49-F238E27FC236}">
-                <a16:creationId xmlns:a16="http://schemas.microsoft.com/office/drawing/2014/main" id="{11847FE0-8C37-40AD-95FC-A321331AFF41}"/>
-              </a:ext>
-            </a:extLst>
-          </p:cNvPr>
-          <p:cNvSpPr>
-            <a:spLocks noGrp="1"/>
-          </p:cNvSpPr>
-          <p:nvPr>
-            <p:ph type="sldNum" idx="12"/>
-          </p:nvPr>
-        </p:nvSpPr>
-        <p:spPr/>
-        <p:txBody>
-          <a:bodyPr/>
-          <a:lstStyle/>
-          <a:p>
-            <a:pPr marL="0" lvl="0" indent="0" algn="r" rtl="0">
-              <a:spcBef>
-                <a:spcPts val="0"/>
-              </a:spcBef>
-              <a:spcAft>
-                <a:spcPts val="0"/>
-              </a:spcAft>
-              <a:buNone/>
-            </a:pPr>
-            <a:fld id="{00000000-1234-1234-1234-123412341234}" type="slidenum">
-              <a:rPr lang="de-AT" smtClean="0"/>
-              <a:t>4</a:t>
-            </a:fld>
-            <a:endParaRPr lang="de-AT"/>
-          </a:p>
-        </p:txBody>
-      </p:sp>
-    </p:spTree>
-    <p:extLst>
-      <p:ext uri="{BB962C8B-B14F-4D97-AF65-F5344CB8AC3E}">
-        <p14:creationId xmlns:p14="http://schemas.microsoft.com/office/powerpoint/2010/main" val="2012713293"/>
-      </p:ext>
-    </p:extLst>
-  </p:cSld>
-  <p:clrMapOvr>
-    <a:masterClrMapping/>
-  </p:clrMapOvr>
-</p:sld>
-</file>
-
-<file path=ppt/slides/slide5.xml><?xml version="1.0" encoding="utf-8"?>
-<p:sld xmlns:a="http://schemas.openxmlformats.org/drawingml/2006/main" xmlns:r="http://schemas.openxmlformats.org/officeDocument/2006/relationships" xmlns:p="http://schemas.openxmlformats.org/presentationml/2006/main">
-  <p:cSld>
-    <p:spTree>
-      <p:nvGrpSpPr>
-        <p:cNvPr id="1" name=""/>
-        <p:cNvGrpSpPr/>
-        <p:nvPr/>
-      </p:nvGrpSpPr>
-      <p:grpSpPr>
-        <a:xfrm>
-          <a:off x="0" y="0"/>
-          <a:ext cx="0" cy="0"/>
-          <a:chOff x="0" y="0"/>
-          <a:chExt cx="0" cy="0"/>
-        </a:xfrm>
-      </p:grpSpPr>
-      <p:sp>
-        <p:nvSpPr>
-          <p:cNvPr id="5" name="Titel 4">
-            <a:extLst>
-              <a:ext uri="{FF2B5EF4-FFF2-40B4-BE49-F238E27FC236}">
-                <a16:creationId xmlns:a16="http://schemas.microsoft.com/office/drawing/2014/main" id="{01691F79-2D22-425E-8D8C-D36FC05DEDD5}"/>
-              </a:ext>
-            </a:extLst>
-          </p:cNvPr>
-          <p:cNvSpPr>
-            <a:spLocks noGrp="1"/>
-          </p:cNvSpPr>
-          <p:nvPr>
-            <p:ph type="title"/>
-          </p:nvPr>
-        </p:nvSpPr>
-        <p:spPr/>
-        <p:txBody>
-          <a:bodyPr/>
-          <a:lstStyle/>
-          <a:p>
-            <a:r>
-              <a:rPr lang="de-AT" dirty="0"/>
-              <a:t>Allgemeines</a:t>
-            </a:r>
-          </a:p>
-        </p:txBody>
-      </p:sp>
-      <p:sp>
-        <p:nvSpPr>
-          <p:cNvPr id="6" name="Textplatzhalter 5">
-            <a:extLst>
-              <a:ext uri="{FF2B5EF4-FFF2-40B4-BE49-F238E27FC236}">
-                <a16:creationId xmlns:a16="http://schemas.microsoft.com/office/drawing/2014/main" id="{22D90C30-CA8C-4DBB-B23A-E67CB3F5954F}"/>
-              </a:ext>
-            </a:extLst>
-          </p:cNvPr>
-          <p:cNvSpPr>
-            <a:spLocks noGrp="1"/>
-          </p:cNvSpPr>
-          <p:nvPr>
-            <p:ph type="body" idx="1"/>
-          </p:nvPr>
-        </p:nvSpPr>
-        <p:spPr/>
-        <p:txBody>
-          <a:bodyPr/>
-          <a:lstStyle/>
-          <a:p>
-            <a:r>
-              <a:rPr lang="de-AT" dirty="0"/>
-              <a:t>Schnittstelle zur Erzeugung von Objekten</a:t>
-            </a:r>
-          </a:p>
-          <a:p>
-            <a:r>
-              <a:rPr lang="de-AT" dirty="0"/>
-              <a:t>Konkrete Klassen zur Erzeugung werden nicht näher festgelegt</a:t>
-            </a:r>
-          </a:p>
-          <a:p>
-            <a:r>
-              <a:rPr lang="de-AT" dirty="0"/>
-              <a:t>Wird auch als „Factory </a:t>
-            </a:r>
-            <a:r>
-              <a:rPr lang="de-AT" dirty="0" err="1"/>
-              <a:t>of</a:t>
-            </a:r>
-            <a:r>
-              <a:rPr lang="de-AT" dirty="0"/>
-              <a:t> </a:t>
-            </a:r>
-            <a:r>
-              <a:rPr lang="de-AT" dirty="0" err="1"/>
-              <a:t>Factories</a:t>
-            </a:r>
-            <a:r>
-              <a:rPr lang="de-AT" dirty="0"/>
-              <a:t>“ bezeichnet</a:t>
-            </a:r>
-          </a:p>
-          <a:p>
-            <a:pPr lvl="1"/>
-            <a:r>
-              <a:rPr lang="de-AT" dirty="0"/>
-              <a:t>Abstract Factory erzeugt Factory, die dann das Objekt erzeugt</a:t>
-            </a:r>
-          </a:p>
-          <a:p>
-            <a:r>
-              <a:rPr lang="de-AT" dirty="0"/>
-              <a:t>Ist ein Erzeugungsmuster</a:t>
-            </a:r>
-          </a:p>
-        </p:txBody>
-      </p:sp>
-      <p:sp>
-        <p:nvSpPr>
-          <p:cNvPr id="4" name="Foliennummernplatzhalter 3">
-            <a:extLst>
-              <a:ext uri="{FF2B5EF4-FFF2-40B4-BE49-F238E27FC236}">
-                <a16:creationId xmlns:a16="http://schemas.microsoft.com/office/drawing/2014/main" id="{A8F83D43-FD5C-4F2D-A22D-82EA0CA5E052}"/>
-              </a:ext>
-            </a:extLst>
-          </p:cNvPr>
-          <p:cNvSpPr>
-            <a:spLocks noGrp="1"/>
-          </p:cNvSpPr>
-          <p:nvPr>
-            <p:ph type="sldNum" idx="12"/>
-          </p:nvPr>
-        </p:nvSpPr>
-        <p:spPr/>
-        <p:txBody>
-          <a:bodyPr/>
-          <a:lstStyle/>
-          <a:p>
-            <a:pPr marL="0" lvl="0" indent="0" algn="r" rtl="0">
-              <a:spcBef>
-                <a:spcPts val="0"/>
-              </a:spcBef>
-              <a:spcAft>
-                <a:spcPts val="0"/>
-              </a:spcAft>
-              <a:buNone/>
-            </a:pPr>
-            <a:fld id="{00000000-1234-1234-1234-123412341234}" type="slidenum">
-              <a:rPr lang="de-AT" smtClean="0"/>
-              <a:t>5</a:t>
-            </a:fld>
-            <a:endParaRPr lang="de-AT"/>
-          </a:p>
-        </p:txBody>
-      </p:sp>
-    </p:spTree>
-    <p:extLst>
-      <p:ext uri="{BB962C8B-B14F-4D97-AF65-F5344CB8AC3E}">
-        <p14:creationId xmlns:p14="http://schemas.microsoft.com/office/powerpoint/2010/main" val="1469461542"/>
-      </p:ext>
-    </p:extLst>
-  </p:cSld>
-  <p:clrMapOvr>
-    <a:masterClrMapping/>
-  </p:clrMapOvr>
-</p:sld>
-</file>
-
-<file path=ppt/slides/slide6.xml><?xml version="1.0" encoding="utf-8"?>
-<p:sld xmlns:a="http://schemas.openxmlformats.org/drawingml/2006/main" xmlns:r="http://schemas.openxmlformats.org/officeDocument/2006/relationships" xmlns:p="http://schemas.openxmlformats.org/presentationml/2006/main">
-  <p:cSld>
-    <p:spTree>
-      <p:nvGrpSpPr>
-        <p:cNvPr id="1" name=""/>
-        <p:cNvGrpSpPr/>
-        <p:nvPr/>
-      </p:nvGrpSpPr>
-      <p:grpSpPr>
-        <a:xfrm>
-          <a:off x="0" y="0"/>
-          <a:ext cx="0" cy="0"/>
-          <a:chOff x="0" y="0"/>
-          <a:chExt cx="0" cy="0"/>
-        </a:xfrm>
-      </p:grpSpPr>
-      <p:sp>
-        <p:nvSpPr>
-          <p:cNvPr id="2" name="Titel 1">
-            <a:extLst>
-              <a:ext uri="{FF2B5EF4-FFF2-40B4-BE49-F238E27FC236}">
-                <a16:creationId xmlns:a16="http://schemas.microsoft.com/office/drawing/2014/main" id="{40875E68-E68A-442D-AF35-E2BC0D9D65DE}"/>
-              </a:ext>
-            </a:extLst>
-          </p:cNvPr>
-          <p:cNvSpPr>
-            <a:spLocks noGrp="1"/>
-          </p:cNvSpPr>
-          <p:nvPr>
-            <p:ph type="title"/>
-          </p:nvPr>
-        </p:nvSpPr>
-        <p:spPr/>
-        <p:txBody>
-          <a:bodyPr/>
-          <a:lstStyle/>
-          <a:p>
-            <a:r>
-              <a:rPr lang="de-AT" dirty="0"/>
-              <a:t>Verwendete Patterns in der Abstract Factory</a:t>
-            </a:r>
-          </a:p>
-        </p:txBody>
-      </p:sp>
-      <p:sp>
-        <p:nvSpPr>
-          <p:cNvPr id="3" name="Textplatzhalter 2">
-            <a:extLst>
-              <a:ext uri="{FF2B5EF4-FFF2-40B4-BE49-F238E27FC236}">
-                <a16:creationId xmlns:a16="http://schemas.microsoft.com/office/drawing/2014/main" id="{BC361956-4A3D-414C-9AD0-0A3298AA9483}"/>
-              </a:ext>
-            </a:extLst>
-          </p:cNvPr>
-          <p:cNvSpPr>
-            <a:spLocks noGrp="1"/>
-          </p:cNvSpPr>
-          <p:nvPr>
-            <p:ph type="body" idx="1"/>
-          </p:nvPr>
-        </p:nvSpPr>
-        <p:spPr/>
-        <p:txBody>
-          <a:bodyPr/>
-          <a:lstStyle/>
-          <a:p>
-            <a:r>
-              <a:rPr lang="de-AT" dirty="0"/>
-              <a:t>Factory Method</a:t>
-            </a:r>
-          </a:p>
-          <a:p>
-            <a:pPr lvl="1"/>
-            <a:r>
-              <a:rPr lang="de-AT" dirty="0"/>
-              <a:t>Factory erzeugt konkrete Klassen</a:t>
-            </a:r>
-          </a:p>
-          <a:p>
-            <a:r>
-              <a:rPr lang="de-AT" dirty="0"/>
-              <a:t>Prototype</a:t>
-            </a:r>
-          </a:p>
-          <a:p>
-            <a:pPr lvl="1"/>
-            <a:r>
-              <a:rPr lang="de-AT" dirty="0"/>
-              <a:t>Konkrete Factory hat Prototypenobjekte </a:t>
-            </a:r>
-          </a:p>
-          <a:p>
-            <a:pPr lvl="1"/>
-            <a:r>
-              <a:rPr lang="de-AT" dirty="0"/>
-              <a:t>Neues Objekt durch klonen </a:t>
-            </a:r>
-            <a:r>
-              <a:rPr lang="de-AT"/>
-              <a:t>des Prototypen</a:t>
-            </a:r>
-            <a:endParaRPr lang="de-AT" dirty="0"/>
-          </a:p>
-          <a:p>
-            <a:r>
-              <a:rPr lang="de-AT" dirty="0" err="1"/>
-              <a:t>Factories</a:t>
-            </a:r>
-            <a:r>
-              <a:rPr lang="de-AT" dirty="0"/>
-              <a:t> als Singletons</a:t>
-            </a:r>
-          </a:p>
-          <a:p>
-            <a:pPr lvl="1"/>
-            <a:r>
-              <a:rPr lang="de-AT" dirty="0"/>
-              <a:t>Normalerweise wird nur eine Factory pro Produktgruppe benötigt</a:t>
-            </a:r>
-          </a:p>
-        </p:txBody>
-      </p:sp>
-      <p:sp>
-        <p:nvSpPr>
-          <p:cNvPr id="4" name="Foliennummernplatzhalter 3">
-            <a:extLst>
-              <a:ext uri="{FF2B5EF4-FFF2-40B4-BE49-F238E27FC236}">
-                <a16:creationId xmlns:a16="http://schemas.microsoft.com/office/drawing/2014/main" id="{ABD3712E-4C05-42BC-9134-315D50E10DB1}"/>
-              </a:ext>
-            </a:extLst>
-          </p:cNvPr>
-          <p:cNvSpPr>
-            <a:spLocks noGrp="1"/>
-          </p:cNvSpPr>
-          <p:nvPr>
-            <p:ph type="sldNum" idx="12"/>
-          </p:nvPr>
-        </p:nvSpPr>
-        <p:spPr/>
-        <p:txBody>
-          <a:bodyPr/>
-          <a:lstStyle/>
-          <a:p>
-            <a:pPr marL="0" lvl="0" indent="0" algn="r" rtl="0">
-              <a:spcBef>
-                <a:spcPts val="0"/>
-              </a:spcBef>
-              <a:spcAft>
-                <a:spcPts val="0"/>
-              </a:spcAft>
-              <a:buNone/>
-            </a:pPr>
-            <a:fld id="{00000000-1234-1234-1234-123412341234}" type="slidenum">
-              <a:rPr lang="de-AT" smtClean="0"/>
-              <a:t>6</a:t>
-            </a:fld>
-            <a:endParaRPr lang="de-AT"/>
-          </a:p>
-        </p:txBody>
-      </p:sp>
-    </p:spTree>
-    <p:extLst>
-      <p:ext uri="{BB962C8B-B14F-4D97-AF65-F5344CB8AC3E}">
-        <p14:creationId xmlns:p14="http://schemas.microsoft.com/office/powerpoint/2010/main" val="4097561737"/>
-      </p:ext>
-    </p:extLst>
-  </p:cSld>
-  <p:clrMapOvr>
-    <a:masterClrMapping/>
-  </p:clrMapOvr>
-</p:sld>
-</file>
-
-<file path=ppt/slides/slide7.xml><?xml version="1.0" encoding="utf-8"?>
-<p:sld xmlns:a="http://schemas.openxmlformats.org/drawingml/2006/main" xmlns:r="http://schemas.openxmlformats.org/officeDocument/2006/relationships" xmlns:p="http://schemas.openxmlformats.org/presentationml/2006/main">
-  <p:cSld>
-    <p:spTree>
-      <p:nvGrpSpPr>
-        <p:cNvPr id="1" name=""/>
-        <p:cNvGrpSpPr/>
-        <p:nvPr/>
-      </p:nvGrpSpPr>
-      <p:grpSpPr>
-        <a:xfrm>
-          <a:off x="0" y="0"/>
-          <a:ext cx="0" cy="0"/>
-          <a:chOff x="0" y="0"/>
-          <a:chExt cx="0" cy="0"/>
-        </a:xfrm>
-      </p:grpSpPr>
-      <p:sp>
-        <p:nvSpPr>
-          <p:cNvPr id="2" name="Titel 1">
-            <a:extLst>
-              <a:ext uri="{FF2B5EF4-FFF2-40B4-BE49-F238E27FC236}">
-                <a16:creationId xmlns:a16="http://schemas.microsoft.com/office/drawing/2014/main" id="{8C6E7EAF-8474-45CF-A3A9-244067D765FF}"/>
-              </a:ext>
-            </a:extLst>
-          </p:cNvPr>
-          <p:cNvSpPr>
-            <a:spLocks noGrp="1"/>
-          </p:cNvSpPr>
-          <p:nvPr>
-            <p:ph type="title"/>
-          </p:nvPr>
-        </p:nvSpPr>
-        <p:spPr/>
-        <p:txBody>
-          <a:bodyPr/>
-          <a:lstStyle/>
-          <a:p>
-            <a:r>
-              <a:rPr lang="de-AT" dirty="0"/>
-              <a:t>Komponenten der Abstract Factory</a:t>
-            </a:r>
-          </a:p>
-        </p:txBody>
-      </p:sp>
-      <p:sp>
-        <p:nvSpPr>
-          <p:cNvPr id="3" name="Textplatzhalter 2">
-            <a:extLst>
-              <a:ext uri="{FF2B5EF4-FFF2-40B4-BE49-F238E27FC236}">
-                <a16:creationId xmlns:a16="http://schemas.microsoft.com/office/drawing/2014/main" id="{2F5A5B35-6995-43DE-A433-ECE2936F9401}"/>
-              </a:ext>
-            </a:extLst>
-          </p:cNvPr>
-          <p:cNvSpPr>
-            <a:spLocks noGrp="1"/>
-          </p:cNvSpPr>
-          <p:nvPr>
-            <p:ph type="body" idx="1"/>
-          </p:nvPr>
-        </p:nvSpPr>
-        <p:spPr/>
-        <p:txBody>
-          <a:bodyPr/>
-          <a:lstStyle/>
-          <a:p>
-            <a:r>
-              <a:rPr lang="de-AT" dirty="0"/>
-              <a:t>Interface für konkrete Klassen</a:t>
-            </a:r>
-          </a:p>
-          <a:p>
-            <a:r>
-              <a:rPr lang="de-AT" dirty="0"/>
-              <a:t>Konkrete Klassen, die das Interface implementieren</a:t>
-            </a:r>
-          </a:p>
-          <a:p>
-            <a:r>
-              <a:rPr lang="de-AT" dirty="0"/>
-              <a:t>Abstract Factory</a:t>
-            </a:r>
-            <a:endParaRPr lang="de-AT" dirty="0">
-              <a:sym typeface="Wingdings" panose="05000000000000000000" pitchFamily="2" charset="2"/>
-            </a:endParaRPr>
-          </a:p>
-          <a:p>
-            <a:r>
-              <a:rPr lang="de-AT" dirty="0">
-                <a:sym typeface="Wingdings" panose="05000000000000000000" pitchFamily="2" charset="2"/>
-              </a:rPr>
-              <a:t>Konkrete </a:t>
-            </a:r>
-            <a:r>
-              <a:rPr lang="de-AT" dirty="0" err="1">
-                <a:sym typeface="Wingdings" panose="05000000000000000000" pitchFamily="2" charset="2"/>
-              </a:rPr>
-              <a:t>Factories</a:t>
-            </a:r>
-            <a:r>
-              <a:rPr lang="de-AT" dirty="0">
-                <a:sym typeface="Wingdings" panose="05000000000000000000" pitchFamily="2" charset="2"/>
-              </a:rPr>
-              <a:t>, die von abstrakter Factory abgeleitet sind</a:t>
-            </a:r>
-          </a:p>
-          <a:p>
-            <a:r>
-              <a:rPr lang="de-AT" dirty="0">
-                <a:sym typeface="Wingdings" panose="05000000000000000000" pitchFamily="2" charset="2"/>
-              </a:rPr>
-              <a:t>Optional: Factory Producer, der abstrakte </a:t>
-            </a:r>
-            <a:r>
-              <a:rPr lang="de-AT" dirty="0" err="1">
-                <a:sym typeface="Wingdings" panose="05000000000000000000" pitchFamily="2" charset="2"/>
-              </a:rPr>
-              <a:t>Factories</a:t>
-            </a:r>
-            <a:r>
-              <a:rPr lang="de-AT" dirty="0">
-                <a:sym typeface="Wingdings" panose="05000000000000000000" pitchFamily="2" charset="2"/>
-              </a:rPr>
-              <a:t> erzeugt</a:t>
-            </a:r>
-            <a:endParaRPr lang="de-AT" dirty="0"/>
-          </a:p>
-        </p:txBody>
-      </p:sp>
-      <p:sp>
-        <p:nvSpPr>
-          <p:cNvPr id="4" name="Foliennummernplatzhalter 3">
-            <a:extLst>
-              <a:ext uri="{FF2B5EF4-FFF2-40B4-BE49-F238E27FC236}">
-                <a16:creationId xmlns:a16="http://schemas.microsoft.com/office/drawing/2014/main" id="{D9C43702-1516-46DE-AA64-363E8CE4C2C1}"/>
-              </a:ext>
-            </a:extLst>
-          </p:cNvPr>
-          <p:cNvSpPr>
-            <a:spLocks noGrp="1"/>
-          </p:cNvSpPr>
-          <p:nvPr>
-            <p:ph type="sldNum" idx="12"/>
-          </p:nvPr>
-        </p:nvSpPr>
-        <p:spPr/>
-        <p:txBody>
-          <a:bodyPr/>
-          <a:lstStyle/>
-          <a:p>
-            <a:pPr marL="0" lvl="0" indent="0" algn="r" rtl="0">
-              <a:spcBef>
-                <a:spcPts val="0"/>
-              </a:spcBef>
-              <a:spcAft>
-                <a:spcPts val="0"/>
-              </a:spcAft>
-              <a:buNone/>
-            </a:pPr>
-            <a:fld id="{00000000-1234-1234-1234-123412341234}" type="slidenum">
-              <a:rPr lang="de-AT" smtClean="0"/>
-              <a:t>7</a:t>
-            </a:fld>
-            <a:endParaRPr lang="de-AT"/>
-          </a:p>
-        </p:txBody>
-      </p:sp>
-    </p:spTree>
-    <p:extLst>
-      <p:ext uri="{BB962C8B-B14F-4D97-AF65-F5344CB8AC3E}">
-        <p14:creationId xmlns:p14="http://schemas.microsoft.com/office/powerpoint/2010/main" val="3158974749"/>
-      </p:ext>
-    </p:extLst>
-  </p:cSld>
-  <p:clrMapOvr>
-    <a:masterClrMapping/>
-  </p:clrMapOvr>
-</p:sld>
-</file>
-
-<file path=ppt/slides/slide8.xml><?xml version="1.0" encoding="utf-8"?>
-<p:sld xmlns:a="http://schemas.openxmlformats.org/drawingml/2006/main" xmlns:r="http://schemas.openxmlformats.org/officeDocument/2006/relationships" xmlns:p="http://schemas.openxmlformats.org/presentationml/2006/main">
-  <p:cSld>
-    <p:spTree>
-      <p:nvGrpSpPr>
-        <p:cNvPr id="1" name=""/>
-        <p:cNvGrpSpPr/>
-        <p:nvPr/>
-      </p:nvGrpSpPr>
-      <p:grpSpPr>
-        <a:xfrm>
-          <a:off x="0" y="0"/>
-          <a:ext cx="0" cy="0"/>
-          <a:chOff x="0" y="0"/>
-          <a:chExt cx="0" cy="0"/>
-        </a:xfrm>
-      </p:grpSpPr>
-      <p:sp>
-        <p:nvSpPr>
-          <p:cNvPr id="2" name="Titel 1">
-            <a:extLst>
-              <a:ext uri="{FF2B5EF4-FFF2-40B4-BE49-F238E27FC236}">
                 <a16:creationId xmlns:a16="http://schemas.microsoft.com/office/drawing/2014/main" id="{0035B0CE-D982-4EED-AA5D-9E5BD9841FA9}"/>
               </a:ext>
             </a:extLst>
@@ -5108,7 +3465,7 @@
             </a:pPr>
             <a:fld id="{00000000-1234-1234-1234-123412341234}" type="slidenum">
               <a:rPr lang="de-AT" smtClean="0"/>
-              <a:t>8</a:t>
+              <a:t>11</a:t>
             </a:fld>
             <a:endParaRPr lang="de-AT"/>
           </a:p>
@@ -5174,6 +3531,2172 @@
 </p:sld>
 </file>
 
+<file path=ppt/slides/slide12.xml><?xml version="1.0" encoding="utf-8"?>
+<p:sld xmlns:a="http://schemas.openxmlformats.org/drawingml/2006/main" xmlns:r="http://schemas.openxmlformats.org/officeDocument/2006/relationships" xmlns:p="http://schemas.openxmlformats.org/presentationml/2006/main">
+  <p:cSld>
+    <p:spTree>
+      <p:nvGrpSpPr>
+        <p:cNvPr id="1" name=""/>
+        <p:cNvGrpSpPr/>
+        <p:nvPr/>
+      </p:nvGrpSpPr>
+      <p:grpSpPr>
+        <a:xfrm>
+          <a:off x="0" y="0"/>
+          <a:ext cx="0" cy="0"/>
+          <a:chOff x="0" y="0"/>
+          <a:chExt cx="0" cy="0"/>
+        </a:xfrm>
+      </p:grpSpPr>
+      <p:sp>
+        <p:nvSpPr>
+          <p:cNvPr id="5" name="Titel 4">
+            <a:extLst>
+              <a:ext uri="{FF2B5EF4-FFF2-40B4-BE49-F238E27FC236}">
+                <a16:creationId xmlns:a16="http://schemas.microsoft.com/office/drawing/2014/main" id="{EC368AC2-6A15-4536-84CC-D0F8E5708EC0}"/>
+              </a:ext>
+            </a:extLst>
+          </p:cNvPr>
+          <p:cNvSpPr>
+            <a:spLocks noGrp="1"/>
+          </p:cNvSpPr>
+          <p:nvPr>
+            <p:ph type="ctrTitle"/>
+          </p:nvPr>
+        </p:nvSpPr>
+        <p:spPr/>
+        <p:txBody>
+          <a:bodyPr/>
+          <a:lstStyle/>
+          <a:p>
+            <a:r>
+              <a:rPr lang="de-AT" dirty="0"/>
+              <a:t>Pro und Contra</a:t>
+            </a:r>
+          </a:p>
+        </p:txBody>
+      </p:sp>
+      <p:sp>
+        <p:nvSpPr>
+          <p:cNvPr id="4" name="Foliennummernplatzhalter 3">
+            <a:extLst>
+              <a:ext uri="{FF2B5EF4-FFF2-40B4-BE49-F238E27FC236}">
+                <a16:creationId xmlns:a16="http://schemas.microsoft.com/office/drawing/2014/main" id="{6B03A084-F2F9-4327-826E-62A5F560E147}"/>
+              </a:ext>
+            </a:extLst>
+          </p:cNvPr>
+          <p:cNvSpPr>
+            <a:spLocks noGrp="1"/>
+          </p:cNvSpPr>
+          <p:nvPr>
+            <p:ph type="sldNum" idx="4294967295"/>
+          </p:nvPr>
+        </p:nvSpPr>
+        <p:spPr>
+          <a:xfrm>
+            <a:off x="8683625" y="6391275"/>
+            <a:ext cx="460375" cy="390525"/>
+          </a:xfrm>
+        </p:spPr>
+        <p:txBody>
+          <a:bodyPr/>
+          <a:lstStyle/>
+          <a:p>
+            <a:pPr marL="0" lvl="0" indent="0" algn="r" rtl="0">
+              <a:spcBef>
+                <a:spcPts val="0"/>
+              </a:spcBef>
+              <a:spcAft>
+                <a:spcPts val="0"/>
+              </a:spcAft>
+              <a:buNone/>
+            </a:pPr>
+            <a:fld id="{00000000-1234-1234-1234-123412341234}" type="slidenum">
+              <a:rPr lang="de-AT" smtClean="0"/>
+              <a:t>12</a:t>
+            </a:fld>
+            <a:endParaRPr lang="de-AT"/>
+          </a:p>
+        </p:txBody>
+      </p:sp>
+    </p:spTree>
+    <p:extLst>
+      <p:ext uri="{BB962C8B-B14F-4D97-AF65-F5344CB8AC3E}">
+        <p14:creationId xmlns:p14="http://schemas.microsoft.com/office/powerpoint/2010/main" val="4112132770"/>
+      </p:ext>
+    </p:extLst>
+  </p:cSld>
+  <p:clrMapOvr>
+    <a:masterClrMapping/>
+  </p:clrMapOvr>
+</p:sld>
+</file>
+
+<file path=ppt/slides/slide13.xml><?xml version="1.0" encoding="utf-8"?>
+<p:sld xmlns:a="http://schemas.openxmlformats.org/drawingml/2006/main" xmlns:r="http://schemas.openxmlformats.org/officeDocument/2006/relationships" xmlns:p="http://schemas.openxmlformats.org/presentationml/2006/main">
+  <p:cSld>
+    <p:spTree>
+      <p:nvGrpSpPr>
+        <p:cNvPr id="1" name=""/>
+        <p:cNvGrpSpPr/>
+        <p:nvPr/>
+      </p:nvGrpSpPr>
+      <p:grpSpPr>
+        <a:xfrm>
+          <a:off x="0" y="0"/>
+          <a:ext cx="0" cy="0"/>
+          <a:chOff x="0" y="0"/>
+          <a:chExt cx="0" cy="0"/>
+        </a:xfrm>
+      </p:grpSpPr>
+      <p:sp>
+        <p:nvSpPr>
+          <p:cNvPr id="2" name="Titel 1">
+            <a:extLst>
+              <a:ext uri="{FF2B5EF4-FFF2-40B4-BE49-F238E27FC236}">
+                <a16:creationId xmlns:a16="http://schemas.microsoft.com/office/drawing/2014/main" id="{7B49886A-DBF8-4690-989A-AC6DC97DB377}"/>
+              </a:ext>
+            </a:extLst>
+          </p:cNvPr>
+          <p:cNvSpPr>
+            <a:spLocks noGrp="1"/>
+          </p:cNvSpPr>
+          <p:nvPr>
+            <p:ph type="title"/>
+          </p:nvPr>
+        </p:nvSpPr>
+        <p:spPr/>
+        <p:txBody>
+          <a:bodyPr/>
+          <a:lstStyle/>
+          <a:p>
+            <a:r>
+              <a:rPr lang="de-AT" dirty="0"/>
+              <a:t>Vorteile</a:t>
+            </a:r>
+          </a:p>
+        </p:txBody>
+      </p:sp>
+      <p:sp>
+        <p:nvSpPr>
+          <p:cNvPr id="3" name="Textplatzhalter 2">
+            <a:extLst>
+              <a:ext uri="{FF2B5EF4-FFF2-40B4-BE49-F238E27FC236}">
+                <a16:creationId xmlns:a16="http://schemas.microsoft.com/office/drawing/2014/main" id="{D8D7EF8A-8ECD-4E2A-970B-5A44EF7B8AD4}"/>
+              </a:ext>
+            </a:extLst>
+          </p:cNvPr>
+          <p:cNvSpPr>
+            <a:spLocks noGrp="1"/>
+          </p:cNvSpPr>
+          <p:nvPr>
+            <p:ph type="body" idx="1"/>
+          </p:nvPr>
+        </p:nvSpPr>
+        <p:spPr/>
+        <p:txBody>
+          <a:bodyPr/>
+          <a:lstStyle/>
+          <a:p>
+            <a:r>
+              <a:rPr lang="de-AT" dirty="0"/>
+              <a:t>Isolation der konkreten Klassen</a:t>
+            </a:r>
+          </a:p>
+          <a:p>
+            <a:pPr lvl="1"/>
+            <a:r>
+              <a:rPr lang="de-AT" dirty="0"/>
+              <a:t>Client überlässt Erstellung der Objekte der Factory</a:t>
+            </a:r>
+          </a:p>
+          <a:p>
+            <a:r>
+              <a:rPr lang="de-AT" dirty="0"/>
+              <a:t>Objekte können einfach ausgetauscht werden</a:t>
+            </a:r>
+          </a:p>
+          <a:p>
+            <a:pPr lvl="1"/>
+            <a:r>
+              <a:rPr lang="de-AT" dirty="0"/>
+              <a:t>Einfaches Tauschen der konkreten Factory</a:t>
+            </a:r>
+          </a:p>
+          <a:p>
+            <a:r>
+              <a:rPr lang="de-AT" dirty="0"/>
+              <a:t>Konsistenz der Objekte</a:t>
+            </a:r>
+          </a:p>
+          <a:p>
+            <a:pPr lvl="1"/>
+            <a:r>
+              <a:rPr lang="de-AT" dirty="0"/>
+              <a:t>Objekte der Factory sind so </a:t>
+            </a:r>
+            <a:r>
+              <a:rPr lang="de-AT" dirty="0" err="1"/>
+              <a:t>designed</a:t>
+            </a:r>
+            <a:r>
+              <a:rPr lang="de-AT" dirty="0"/>
+              <a:t>, um zusammenarbeiten zu können</a:t>
+            </a:r>
+          </a:p>
+        </p:txBody>
+      </p:sp>
+      <p:sp>
+        <p:nvSpPr>
+          <p:cNvPr id="4" name="Foliennummernplatzhalter 3">
+            <a:extLst>
+              <a:ext uri="{FF2B5EF4-FFF2-40B4-BE49-F238E27FC236}">
+                <a16:creationId xmlns:a16="http://schemas.microsoft.com/office/drawing/2014/main" id="{D8C10F95-DA02-4C33-AF21-D762AFC5142E}"/>
+              </a:ext>
+            </a:extLst>
+          </p:cNvPr>
+          <p:cNvSpPr>
+            <a:spLocks noGrp="1"/>
+          </p:cNvSpPr>
+          <p:nvPr>
+            <p:ph type="sldNum" idx="12"/>
+          </p:nvPr>
+        </p:nvSpPr>
+        <p:spPr/>
+        <p:txBody>
+          <a:bodyPr/>
+          <a:lstStyle/>
+          <a:p>
+            <a:pPr marL="0" lvl="0" indent="0" algn="r" rtl="0">
+              <a:spcBef>
+                <a:spcPts val="0"/>
+              </a:spcBef>
+              <a:spcAft>
+                <a:spcPts val="0"/>
+              </a:spcAft>
+              <a:buNone/>
+            </a:pPr>
+            <a:fld id="{00000000-1234-1234-1234-123412341234}" type="slidenum">
+              <a:rPr lang="de-AT" smtClean="0"/>
+              <a:t>13</a:t>
+            </a:fld>
+            <a:endParaRPr lang="de-AT"/>
+          </a:p>
+        </p:txBody>
+      </p:sp>
+    </p:spTree>
+    <p:extLst>
+      <p:ext uri="{BB962C8B-B14F-4D97-AF65-F5344CB8AC3E}">
+        <p14:creationId xmlns:p14="http://schemas.microsoft.com/office/powerpoint/2010/main" val="1415051504"/>
+      </p:ext>
+    </p:extLst>
+  </p:cSld>
+  <p:clrMapOvr>
+    <a:masterClrMapping/>
+  </p:clrMapOvr>
+</p:sld>
+</file>
+
+<file path=ppt/slides/slide14.xml><?xml version="1.0" encoding="utf-8"?>
+<p:sld xmlns:a="http://schemas.openxmlformats.org/drawingml/2006/main" xmlns:r="http://schemas.openxmlformats.org/officeDocument/2006/relationships" xmlns:p="http://schemas.openxmlformats.org/presentationml/2006/main">
+  <p:cSld>
+    <p:spTree>
+      <p:nvGrpSpPr>
+        <p:cNvPr id="1" name=""/>
+        <p:cNvGrpSpPr/>
+        <p:nvPr/>
+      </p:nvGrpSpPr>
+      <p:grpSpPr>
+        <a:xfrm>
+          <a:off x="0" y="0"/>
+          <a:ext cx="0" cy="0"/>
+          <a:chOff x="0" y="0"/>
+          <a:chExt cx="0" cy="0"/>
+        </a:xfrm>
+      </p:grpSpPr>
+      <p:sp>
+        <p:nvSpPr>
+          <p:cNvPr id="2" name="Titel 1">
+            <a:extLst>
+              <a:ext uri="{FF2B5EF4-FFF2-40B4-BE49-F238E27FC236}">
+                <a16:creationId xmlns:a16="http://schemas.microsoft.com/office/drawing/2014/main" id="{1266ED8F-9FD1-4B15-A50E-C6F18D83F3DC}"/>
+              </a:ext>
+            </a:extLst>
+          </p:cNvPr>
+          <p:cNvSpPr>
+            <a:spLocks noGrp="1"/>
+          </p:cNvSpPr>
+          <p:nvPr>
+            <p:ph type="title"/>
+          </p:nvPr>
+        </p:nvSpPr>
+        <p:spPr/>
+        <p:txBody>
+          <a:bodyPr/>
+          <a:lstStyle/>
+          <a:p>
+            <a:r>
+              <a:rPr lang="de-AT" dirty="0"/>
+              <a:t>Nachteile</a:t>
+            </a:r>
+          </a:p>
+        </p:txBody>
+      </p:sp>
+      <p:sp>
+        <p:nvSpPr>
+          <p:cNvPr id="3" name="Textplatzhalter 2">
+            <a:extLst>
+              <a:ext uri="{FF2B5EF4-FFF2-40B4-BE49-F238E27FC236}">
+                <a16:creationId xmlns:a16="http://schemas.microsoft.com/office/drawing/2014/main" id="{DFA52D6C-B921-4B1B-9E4C-1FE88A947AF5}"/>
+              </a:ext>
+            </a:extLst>
+          </p:cNvPr>
+          <p:cNvSpPr>
+            <a:spLocks noGrp="1"/>
+          </p:cNvSpPr>
+          <p:nvPr>
+            <p:ph type="body" idx="1"/>
+          </p:nvPr>
+        </p:nvSpPr>
+        <p:spPr/>
+        <p:txBody>
+          <a:bodyPr/>
+          <a:lstStyle/>
+          <a:p>
+            <a:r>
+              <a:rPr lang="de-AT" dirty="0"/>
+              <a:t>Erweiterbarkeit aufwändig</a:t>
+            </a:r>
+          </a:p>
+          <a:p>
+            <a:pPr lvl="1"/>
+            <a:r>
+              <a:rPr lang="de-AT" dirty="0"/>
+              <a:t>Anpassung von</a:t>
+            </a:r>
+          </a:p>
+          <a:p>
+            <a:pPr lvl="2"/>
+            <a:r>
+              <a:rPr lang="de-AT" dirty="0"/>
+              <a:t>Abstract Factory</a:t>
+            </a:r>
+          </a:p>
+          <a:p>
+            <a:pPr lvl="2"/>
+            <a:r>
+              <a:rPr lang="de-AT" dirty="0"/>
+              <a:t>Interface</a:t>
+            </a:r>
+          </a:p>
+          <a:p>
+            <a:pPr lvl="2"/>
+            <a:r>
+              <a:rPr lang="de-AT" dirty="0"/>
+              <a:t>Subklassen</a:t>
+            </a:r>
+          </a:p>
+          <a:p>
+            <a:r>
+              <a:rPr lang="de-AT" dirty="0"/>
+              <a:t>Lesbarkeit erschwert</a:t>
+            </a:r>
+          </a:p>
+          <a:p>
+            <a:pPr lvl="1"/>
+            <a:r>
+              <a:rPr lang="de-AT" dirty="0"/>
+              <a:t>Code hinter Abstraktion</a:t>
+            </a:r>
+          </a:p>
+          <a:p>
+            <a:r>
+              <a:rPr lang="de-AT" dirty="0"/>
+              <a:t>„Anti-pattern“ bei falscher Nutzung</a:t>
+            </a:r>
+          </a:p>
+          <a:p>
+            <a:pPr lvl="1"/>
+            <a:r>
+              <a:rPr lang="de-AT" dirty="0"/>
+              <a:t>Sogenanntes Bad-</a:t>
+            </a:r>
+            <a:r>
+              <a:rPr lang="de-AT" dirty="0" err="1"/>
+              <a:t>Programming</a:t>
+            </a:r>
+            <a:r>
+              <a:rPr lang="de-AT" dirty="0"/>
+              <a:t>-Practice</a:t>
+            </a:r>
+          </a:p>
+          <a:p>
+            <a:pPr lvl="1"/>
+            <a:r>
+              <a:rPr lang="de-AT" dirty="0"/>
+              <a:t>OOP </a:t>
+            </a:r>
+            <a:r>
+              <a:rPr lang="de-AT" dirty="0">
+                <a:sym typeface="Wingdings" panose="05000000000000000000" pitchFamily="2" charset="2"/>
+              </a:rPr>
+              <a:t> Aufteilung | Anti-pattern  Ein Objekt, das alle Aufgaben übernimmt</a:t>
+            </a:r>
+            <a:endParaRPr lang="de-AT" dirty="0"/>
+          </a:p>
+        </p:txBody>
+      </p:sp>
+      <p:sp>
+        <p:nvSpPr>
+          <p:cNvPr id="4" name="Foliennummernplatzhalter 3">
+            <a:extLst>
+              <a:ext uri="{FF2B5EF4-FFF2-40B4-BE49-F238E27FC236}">
+                <a16:creationId xmlns:a16="http://schemas.microsoft.com/office/drawing/2014/main" id="{F77D36DB-8BF3-4723-816E-08B35346E047}"/>
+              </a:ext>
+            </a:extLst>
+          </p:cNvPr>
+          <p:cNvSpPr>
+            <a:spLocks noGrp="1"/>
+          </p:cNvSpPr>
+          <p:nvPr>
+            <p:ph type="sldNum" idx="12"/>
+          </p:nvPr>
+        </p:nvSpPr>
+        <p:spPr/>
+        <p:txBody>
+          <a:bodyPr/>
+          <a:lstStyle/>
+          <a:p>
+            <a:pPr marL="0" lvl="0" indent="0" algn="r" rtl="0">
+              <a:spcBef>
+                <a:spcPts val="0"/>
+              </a:spcBef>
+              <a:spcAft>
+                <a:spcPts val="0"/>
+              </a:spcAft>
+              <a:buNone/>
+            </a:pPr>
+            <a:fld id="{00000000-1234-1234-1234-123412341234}" type="slidenum">
+              <a:rPr lang="de-AT" smtClean="0"/>
+              <a:t>14</a:t>
+            </a:fld>
+            <a:endParaRPr lang="de-AT"/>
+          </a:p>
+        </p:txBody>
+      </p:sp>
+    </p:spTree>
+    <p:extLst>
+      <p:ext uri="{BB962C8B-B14F-4D97-AF65-F5344CB8AC3E}">
+        <p14:creationId xmlns:p14="http://schemas.microsoft.com/office/powerpoint/2010/main" val="471742731"/>
+      </p:ext>
+    </p:extLst>
+  </p:cSld>
+  <p:clrMapOvr>
+    <a:masterClrMapping/>
+  </p:clrMapOvr>
+</p:sld>
+</file>
+
+<file path=ppt/slides/slide15.xml><?xml version="1.0" encoding="utf-8"?>
+<p:sld xmlns:a="http://schemas.openxmlformats.org/drawingml/2006/main" xmlns:r="http://schemas.openxmlformats.org/officeDocument/2006/relationships" xmlns:p="http://schemas.openxmlformats.org/presentationml/2006/main">
+  <p:cSld>
+    <p:spTree>
+      <p:nvGrpSpPr>
+        <p:cNvPr id="1" name=""/>
+        <p:cNvGrpSpPr/>
+        <p:nvPr/>
+      </p:nvGrpSpPr>
+      <p:grpSpPr>
+        <a:xfrm>
+          <a:off x="0" y="0"/>
+          <a:ext cx="0" cy="0"/>
+          <a:chOff x="0" y="0"/>
+          <a:chExt cx="0" cy="0"/>
+        </a:xfrm>
+      </p:grpSpPr>
+      <p:sp>
+        <p:nvSpPr>
+          <p:cNvPr id="5" name="Titel 4">
+            <a:extLst>
+              <a:ext uri="{FF2B5EF4-FFF2-40B4-BE49-F238E27FC236}">
+                <a16:creationId xmlns:a16="http://schemas.microsoft.com/office/drawing/2014/main" id="{B64A194E-E958-4083-86D2-816BE4B51220}"/>
+              </a:ext>
+            </a:extLst>
+          </p:cNvPr>
+          <p:cNvSpPr>
+            <a:spLocks noGrp="1"/>
+          </p:cNvSpPr>
+          <p:nvPr>
+            <p:ph type="ctrTitle"/>
+          </p:nvPr>
+        </p:nvSpPr>
+        <p:spPr/>
+        <p:txBody>
+          <a:bodyPr/>
+          <a:lstStyle/>
+          <a:p>
+            <a:r>
+              <a:rPr lang="de-AT" dirty="0"/>
+              <a:t>Beispiele</a:t>
+            </a:r>
+          </a:p>
+        </p:txBody>
+      </p:sp>
+      <p:sp>
+        <p:nvSpPr>
+          <p:cNvPr id="4" name="Foliennummernplatzhalter 3">
+            <a:extLst>
+              <a:ext uri="{FF2B5EF4-FFF2-40B4-BE49-F238E27FC236}">
+                <a16:creationId xmlns:a16="http://schemas.microsoft.com/office/drawing/2014/main" id="{CF2D688A-9BD9-494D-AD5C-ACE9BF916882}"/>
+              </a:ext>
+            </a:extLst>
+          </p:cNvPr>
+          <p:cNvSpPr>
+            <a:spLocks noGrp="1"/>
+          </p:cNvSpPr>
+          <p:nvPr>
+            <p:ph type="sldNum" idx="4294967295"/>
+          </p:nvPr>
+        </p:nvSpPr>
+        <p:spPr>
+          <a:xfrm>
+            <a:off x="8683625" y="6391275"/>
+            <a:ext cx="460375" cy="390525"/>
+          </a:xfrm>
+        </p:spPr>
+        <p:txBody>
+          <a:bodyPr/>
+          <a:lstStyle/>
+          <a:p>
+            <a:pPr marL="0" lvl="0" indent="0" algn="r" rtl="0">
+              <a:spcBef>
+                <a:spcPts val="0"/>
+              </a:spcBef>
+              <a:spcAft>
+                <a:spcPts val="0"/>
+              </a:spcAft>
+              <a:buNone/>
+            </a:pPr>
+            <a:fld id="{00000000-1234-1234-1234-123412341234}" type="slidenum">
+              <a:rPr lang="de-AT" smtClean="0"/>
+              <a:t>15</a:t>
+            </a:fld>
+            <a:endParaRPr lang="de-AT"/>
+          </a:p>
+        </p:txBody>
+      </p:sp>
+    </p:spTree>
+    <p:extLst>
+      <p:ext uri="{BB962C8B-B14F-4D97-AF65-F5344CB8AC3E}">
+        <p14:creationId xmlns:p14="http://schemas.microsoft.com/office/powerpoint/2010/main" val="946068328"/>
+      </p:ext>
+    </p:extLst>
+  </p:cSld>
+  <p:clrMapOvr>
+    <a:masterClrMapping/>
+  </p:clrMapOvr>
+</p:sld>
+</file>
+
+<file path=ppt/slides/slide16.xml><?xml version="1.0" encoding="utf-8"?>
+<p:sld xmlns:a="http://schemas.openxmlformats.org/drawingml/2006/main" xmlns:r="http://schemas.openxmlformats.org/officeDocument/2006/relationships" xmlns:p="http://schemas.openxmlformats.org/presentationml/2006/main">
+  <p:cSld>
+    <p:spTree>
+      <p:nvGrpSpPr>
+        <p:cNvPr id="1" name=""/>
+        <p:cNvGrpSpPr/>
+        <p:nvPr/>
+      </p:nvGrpSpPr>
+      <p:grpSpPr>
+        <a:xfrm>
+          <a:off x="0" y="0"/>
+          <a:ext cx="0" cy="0"/>
+          <a:chOff x="0" y="0"/>
+          <a:chExt cx="0" cy="0"/>
+        </a:xfrm>
+      </p:grpSpPr>
+      <p:sp>
+        <p:nvSpPr>
+          <p:cNvPr id="2" name="Titel 1">
+            <a:extLst>
+              <a:ext uri="{FF2B5EF4-FFF2-40B4-BE49-F238E27FC236}">
+                <a16:creationId xmlns:a16="http://schemas.microsoft.com/office/drawing/2014/main" id="{EF049C18-9C64-45C1-9C46-7D0769198BFA}"/>
+              </a:ext>
+            </a:extLst>
+          </p:cNvPr>
+          <p:cNvSpPr>
+            <a:spLocks noGrp="1"/>
+          </p:cNvSpPr>
+          <p:nvPr>
+            <p:ph type="title"/>
+          </p:nvPr>
+        </p:nvSpPr>
+        <p:spPr/>
+        <p:txBody>
+          <a:bodyPr/>
+          <a:lstStyle/>
+          <a:p>
+            <a:r>
+              <a:rPr lang="de-AT" dirty="0"/>
+              <a:t>Beispiel</a:t>
+            </a:r>
+          </a:p>
+        </p:txBody>
+      </p:sp>
+      <p:sp>
+        <p:nvSpPr>
+          <p:cNvPr id="3" name="Textplatzhalter 2">
+            <a:extLst>
+              <a:ext uri="{FF2B5EF4-FFF2-40B4-BE49-F238E27FC236}">
+                <a16:creationId xmlns:a16="http://schemas.microsoft.com/office/drawing/2014/main" id="{9EAF5B0A-4FC8-4DEA-8697-DC215CC287AC}"/>
+              </a:ext>
+            </a:extLst>
+          </p:cNvPr>
+          <p:cNvSpPr>
+            <a:spLocks noGrp="1"/>
+          </p:cNvSpPr>
+          <p:nvPr>
+            <p:ph type="body" idx="1"/>
+          </p:nvPr>
+        </p:nvSpPr>
+        <p:spPr/>
+        <p:txBody>
+          <a:bodyPr/>
+          <a:lstStyle/>
+          <a:p>
+            <a:endParaRPr lang="de-AT"/>
+          </a:p>
+        </p:txBody>
+      </p:sp>
+      <p:sp>
+        <p:nvSpPr>
+          <p:cNvPr id="4" name="Foliennummernplatzhalter 3">
+            <a:extLst>
+              <a:ext uri="{FF2B5EF4-FFF2-40B4-BE49-F238E27FC236}">
+                <a16:creationId xmlns:a16="http://schemas.microsoft.com/office/drawing/2014/main" id="{ECA55969-55FC-4A97-B81F-6291C87A4759}"/>
+              </a:ext>
+            </a:extLst>
+          </p:cNvPr>
+          <p:cNvSpPr>
+            <a:spLocks noGrp="1"/>
+          </p:cNvSpPr>
+          <p:nvPr>
+            <p:ph type="sldNum" idx="12"/>
+          </p:nvPr>
+        </p:nvSpPr>
+        <p:spPr/>
+        <p:txBody>
+          <a:bodyPr/>
+          <a:lstStyle/>
+          <a:p>
+            <a:pPr marL="0" lvl="0" indent="0" algn="r" rtl="0">
+              <a:spcBef>
+                <a:spcPts val="0"/>
+              </a:spcBef>
+              <a:spcAft>
+                <a:spcPts val="0"/>
+              </a:spcAft>
+              <a:buNone/>
+            </a:pPr>
+            <a:fld id="{00000000-1234-1234-1234-123412341234}" type="slidenum">
+              <a:rPr lang="de-AT" smtClean="0"/>
+              <a:t>16</a:t>
+            </a:fld>
+            <a:endParaRPr lang="de-AT"/>
+          </a:p>
+        </p:txBody>
+      </p:sp>
+      <p:pic>
+        <p:nvPicPr>
+          <p:cNvPr id="5" name="Grafik 4">
+            <a:extLst>
+              <a:ext uri="{FF2B5EF4-FFF2-40B4-BE49-F238E27FC236}">
+                <a16:creationId xmlns:a16="http://schemas.microsoft.com/office/drawing/2014/main" id="{EC573A96-0B54-4830-A12C-14D077841275}"/>
+              </a:ext>
+            </a:extLst>
+          </p:cNvPr>
+          <p:cNvPicPr>
+            <a:picLocks noChangeAspect="1"/>
+          </p:cNvPicPr>
+          <p:nvPr/>
+        </p:nvPicPr>
+        <p:blipFill>
+          <a:blip r:embed="rId2"/>
+          <a:stretch>
+            <a:fillRect/>
+          </a:stretch>
+        </p:blipFill>
+        <p:spPr>
+          <a:xfrm>
+            <a:off x="117147" y="1459944"/>
+            <a:ext cx="8909705" cy="3946694"/>
+          </a:xfrm>
+          <a:prstGeom prst="rect">
+            <a:avLst/>
+          </a:prstGeom>
+        </p:spPr>
+      </p:pic>
+    </p:spTree>
+    <p:extLst>
+      <p:ext uri="{BB962C8B-B14F-4D97-AF65-F5344CB8AC3E}">
+        <p14:creationId xmlns:p14="http://schemas.microsoft.com/office/powerpoint/2010/main" val="2104971763"/>
+      </p:ext>
+    </p:extLst>
+  </p:cSld>
+  <p:clrMapOvr>
+    <a:masterClrMapping/>
+  </p:clrMapOvr>
+</p:sld>
+</file>
+
+<file path=ppt/slides/slide17.xml><?xml version="1.0" encoding="utf-8"?>
+<p:sld xmlns:a="http://schemas.openxmlformats.org/drawingml/2006/main" xmlns:r="http://schemas.openxmlformats.org/officeDocument/2006/relationships" xmlns:p="http://schemas.openxmlformats.org/presentationml/2006/main">
+  <p:cSld>
+    <p:spTree>
+      <p:nvGrpSpPr>
+        <p:cNvPr id="1" name=""/>
+        <p:cNvGrpSpPr/>
+        <p:nvPr/>
+      </p:nvGrpSpPr>
+      <p:grpSpPr>
+        <a:xfrm>
+          <a:off x="0" y="0"/>
+          <a:ext cx="0" cy="0"/>
+          <a:chOff x="0" y="0"/>
+          <a:chExt cx="0" cy="0"/>
+        </a:xfrm>
+      </p:grpSpPr>
+      <p:sp>
+        <p:nvSpPr>
+          <p:cNvPr id="2" name="Titel 1">
+            <a:extLst>
+              <a:ext uri="{FF2B5EF4-FFF2-40B4-BE49-F238E27FC236}">
+                <a16:creationId xmlns:a16="http://schemas.microsoft.com/office/drawing/2014/main" id="{9C8F4B40-B8F3-4F24-A957-540764DFFE87}"/>
+              </a:ext>
+            </a:extLst>
+          </p:cNvPr>
+          <p:cNvSpPr>
+            <a:spLocks noGrp="1"/>
+          </p:cNvSpPr>
+          <p:nvPr>
+            <p:ph type="title"/>
+          </p:nvPr>
+        </p:nvSpPr>
+        <p:spPr/>
+        <p:txBody>
+          <a:bodyPr/>
+          <a:lstStyle/>
+          <a:p>
+            <a:r>
+              <a:rPr lang="de-AT" dirty="0"/>
+              <a:t>Eigenes Beispiel - Fahrzeugverwaltung</a:t>
+            </a:r>
+          </a:p>
+        </p:txBody>
+      </p:sp>
+      <p:sp>
+        <p:nvSpPr>
+          <p:cNvPr id="3" name="Textplatzhalter 2">
+            <a:extLst>
+              <a:ext uri="{FF2B5EF4-FFF2-40B4-BE49-F238E27FC236}">
+                <a16:creationId xmlns:a16="http://schemas.microsoft.com/office/drawing/2014/main" id="{B4C6D4C7-0299-4745-BD12-1653FE4F8D1F}"/>
+              </a:ext>
+            </a:extLst>
+          </p:cNvPr>
+          <p:cNvSpPr>
+            <a:spLocks noGrp="1"/>
+          </p:cNvSpPr>
+          <p:nvPr>
+            <p:ph type="body" idx="1"/>
+          </p:nvPr>
+        </p:nvSpPr>
+        <p:spPr/>
+        <p:txBody>
+          <a:bodyPr/>
+          <a:lstStyle/>
+          <a:p>
+            <a:r>
+              <a:rPr lang="de-AT" dirty="0"/>
+              <a:t>ASP.NET </a:t>
+            </a:r>
+            <a:r>
+              <a:rPr lang="de-AT" dirty="0" err="1"/>
+              <a:t>Webforms</a:t>
+            </a:r>
+            <a:r>
+              <a:rPr lang="de-AT" dirty="0"/>
+              <a:t> Anwendung</a:t>
+            </a:r>
+          </a:p>
+          <a:p>
+            <a:r>
+              <a:rPr lang="de-AT" dirty="0"/>
+              <a:t>Fahrzeug- und Kundenverwaltung</a:t>
+            </a:r>
+          </a:p>
+          <a:p>
+            <a:pPr lvl="1"/>
+            <a:r>
+              <a:rPr lang="de-AT" dirty="0"/>
+              <a:t>PKW, LKW, Traktor, Motorrad</a:t>
+            </a:r>
+          </a:p>
+          <a:p>
+            <a:pPr lvl="1"/>
+            <a:r>
+              <a:rPr lang="de-AT" dirty="0"/>
+              <a:t>Privatperson, Firma</a:t>
+            </a:r>
+          </a:p>
+          <a:p>
+            <a:r>
+              <a:rPr lang="de-AT" dirty="0"/>
+              <a:t>Verkauf von Fahrzeugen</a:t>
+            </a:r>
+          </a:p>
+          <a:p>
+            <a:r>
+              <a:rPr lang="de-AT" dirty="0"/>
+              <a:t>Chart mit Gesamterlösen pro Verkäufer</a:t>
+            </a:r>
+          </a:p>
+        </p:txBody>
+      </p:sp>
+      <p:sp>
+        <p:nvSpPr>
+          <p:cNvPr id="4" name="Foliennummernplatzhalter 3">
+            <a:extLst>
+              <a:ext uri="{FF2B5EF4-FFF2-40B4-BE49-F238E27FC236}">
+                <a16:creationId xmlns:a16="http://schemas.microsoft.com/office/drawing/2014/main" id="{6741F331-C72A-4A8A-B323-27557B810535}"/>
+              </a:ext>
+            </a:extLst>
+          </p:cNvPr>
+          <p:cNvSpPr>
+            <a:spLocks noGrp="1"/>
+          </p:cNvSpPr>
+          <p:nvPr>
+            <p:ph type="sldNum" idx="12"/>
+          </p:nvPr>
+        </p:nvSpPr>
+        <p:spPr/>
+        <p:txBody>
+          <a:bodyPr/>
+          <a:lstStyle/>
+          <a:p>
+            <a:pPr marL="0" lvl="0" indent="0" algn="r" rtl="0">
+              <a:spcBef>
+                <a:spcPts val="0"/>
+              </a:spcBef>
+              <a:spcAft>
+                <a:spcPts val="0"/>
+              </a:spcAft>
+              <a:buNone/>
+            </a:pPr>
+            <a:fld id="{00000000-1234-1234-1234-123412341234}" type="slidenum">
+              <a:rPr lang="de-AT" smtClean="0"/>
+              <a:t>17</a:t>
+            </a:fld>
+            <a:endParaRPr lang="de-AT"/>
+          </a:p>
+        </p:txBody>
+      </p:sp>
+    </p:spTree>
+    <p:extLst>
+      <p:ext uri="{BB962C8B-B14F-4D97-AF65-F5344CB8AC3E}">
+        <p14:creationId xmlns:p14="http://schemas.microsoft.com/office/powerpoint/2010/main" val="901752639"/>
+      </p:ext>
+    </p:extLst>
+  </p:cSld>
+  <p:clrMapOvr>
+    <a:masterClrMapping/>
+  </p:clrMapOvr>
+</p:sld>
+</file>
+
+<file path=ppt/slides/slide18.xml><?xml version="1.0" encoding="utf-8"?>
+<p:sld xmlns:a="http://schemas.openxmlformats.org/drawingml/2006/main" xmlns:r="http://schemas.openxmlformats.org/officeDocument/2006/relationships" xmlns:p="http://schemas.openxmlformats.org/presentationml/2006/main">
+  <p:cSld>
+    <p:spTree>
+      <p:nvGrpSpPr>
+        <p:cNvPr id="1" name=""/>
+        <p:cNvGrpSpPr/>
+        <p:nvPr/>
+      </p:nvGrpSpPr>
+      <p:grpSpPr>
+        <a:xfrm>
+          <a:off x="0" y="0"/>
+          <a:ext cx="0" cy="0"/>
+          <a:chOff x="0" y="0"/>
+          <a:chExt cx="0" cy="0"/>
+        </a:xfrm>
+      </p:grpSpPr>
+      <p:sp>
+        <p:nvSpPr>
+          <p:cNvPr id="2" name="Titel 1">
+            <a:extLst>
+              <a:ext uri="{FF2B5EF4-FFF2-40B4-BE49-F238E27FC236}">
+                <a16:creationId xmlns:a16="http://schemas.microsoft.com/office/drawing/2014/main" id="{0589B744-C66D-4C60-BC49-518B5E0B6E78}"/>
+              </a:ext>
+            </a:extLst>
+          </p:cNvPr>
+          <p:cNvSpPr>
+            <a:spLocks noGrp="1"/>
+          </p:cNvSpPr>
+          <p:nvPr>
+            <p:ph type="title"/>
+          </p:nvPr>
+        </p:nvSpPr>
+        <p:spPr/>
+        <p:txBody>
+          <a:bodyPr/>
+          <a:lstStyle/>
+          <a:p>
+            <a:r>
+              <a:rPr lang="de-AT" dirty="0"/>
+              <a:t>Quellen</a:t>
+            </a:r>
+          </a:p>
+        </p:txBody>
+      </p:sp>
+      <p:sp>
+        <p:nvSpPr>
+          <p:cNvPr id="3" name="Textplatzhalter 2">
+            <a:extLst>
+              <a:ext uri="{FF2B5EF4-FFF2-40B4-BE49-F238E27FC236}">
+                <a16:creationId xmlns:a16="http://schemas.microsoft.com/office/drawing/2014/main" id="{DD082FB3-B9C9-48CF-B990-92C21A65CAD4}"/>
+              </a:ext>
+            </a:extLst>
+          </p:cNvPr>
+          <p:cNvSpPr>
+            <a:spLocks noGrp="1"/>
+          </p:cNvSpPr>
+          <p:nvPr>
+            <p:ph type="body" idx="1"/>
+          </p:nvPr>
+        </p:nvSpPr>
+        <p:spPr/>
+        <p:txBody>
+          <a:bodyPr/>
+          <a:lstStyle/>
+          <a:p>
+            <a:r>
+              <a:rPr lang="de-AT" sz="1600" dirty="0">
+                <a:solidFill>
+                  <a:schemeClr val="tx1"/>
+                </a:solidFill>
+                <a:hlinkClick r:id="rId2">
+                  <a:extLst>
+                    <a:ext uri="{A12FA001-AC4F-418D-AE19-62706E023703}">
+                      <ahyp:hlinkClr xmlns:ahyp="http://schemas.microsoft.com/office/drawing/2018/hyperlinkcolor" val="tx"/>
+                    </a:ext>
+                  </a:extLst>
+                </a:hlinkClick>
+              </a:rPr>
+              <a:t>https://www.tutorialspoint.com/design_pattern/abstract_factory_pattern.htm</a:t>
+            </a:r>
+            <a:endParaRPr lang="de-AT" sz="1600" dirty="0">
+              <a:solidFill>
+                <a:schemeClr val="tx1"/>
+              </a:solidFill>
+            </a:endParaRPr>
+          </a:p>
+          <a:p>
+            <a:r>
+              <a:rPr lang="de-AT" sz="1600" dirty="0">
+                <a:solidFill>
+                  <a:schemeClr val="tx1"/>
+                </a:solidFill>
+              </a:rPr>
+              <a:t>https://www.philipphauer.de/study/se/design-pattern/abstract-factory.php</a:t>
+            </a:r>
+          </a:p>
+          <a:p>
+            <a:r>
+              <a:rPr lang="de-AT" sz="1600" dirty="0">
+                <a:solidFill>
+                  <a:schemeClr val="tx1"/>
+                </a:solidFill>
+              </a:rPr>
+              <a:t>https://de.wikipedia.org/wiki/Abstrakte_Fabrik</a:t>
+            </a:r>
+          </a:p>
+          <a:p>
+            <a:r>
+              <a:rPr lang="de-AT" sz="1600" dirty="0">
+                <a:solidFill>
+                  <a:schemeClr val="tx1"/>
+                </a:solidFill>
+              </a:rPr>
+              <a:t>https://refactoring.guru/design-patterns/abstract-factory</a:t>
+            </a:r>
+          </a:p>
+          <a:p>
+            <a:r>
+              <a:rPr lang="de-AT" sz="1600" dirty="0">
+                <a:solidFill>
+                  <a:schemeClr val="tx1"/>
+                </a:solidFill>
+              </a:rPr>
+              <a:t>https://www.geeksforgeeks.org/abstract-factory-pattern/</a:t>
+            </a:r>
+          </a:p>
+          <a:p>
+            <a:r>
+              <a:rPr lang="de-AT" sz="1600" dirty="0">
+                <a:solidFill>
+                  <a:schemeClr val="tx1"/>
+                </a:solidFill>
+                <a:hlinkClick r:id="rId3">
+                  <a:extLst>
+                    <a:ext uri="{A12FA001-AC4F-418D-AE19-62706E023703}">
+                      <ahyp:hlinkClr xmlns:ahyp="http://schemas.microsoft.com/office/drawing/2018/hyperlinkcolor" val="tx"/>
+                    </a:ext>
+                  </a:extLst>
+                </a:hlinkClick>
+              </a:rPr>
+              <a:t>https://stackoverflow.com/questions/5739611/differences-between-abstract-factory-pattern-and-factory-method</a:t>
+            </a:r>
+            <a:endParaRPr lang="de-AT" sz="1600" dirty="0">
+              <a:solidFill>
+                <a:schemeClr val="tx1"/>
+              </a:solidFill>
+            </a:endParaRPr>
+          </a:p>
+          <a:p>
+            <a:r>
+              <a:rPr lang="de-AT" sz="1600" dirty="0">
+                <a:solidFill>
+                  <a:schemeClr val="tx1"/>
+                </a:solidFill>
+                <a:hlinkClick r:id="rId4">
+                  <a:extLst>
+                    <a:ext uri="{A12FA001-AC4F-418D-AE19-62706E023703}">
+                      <ahyp:hlinkClr xmlns:ahyp="http://schemas.microsoft.com/office/drawing/2018/hyperlinkcolor" val="tx"/>
+                    </a:ext>
+                  </a:extLst>
+                </a:hlinkClick>
+              </a:rPr>
+              <a:t>https://www.quora.com/What-are-the-pros-and-cons-of-the-factory-design-pattern</a:t>
+            </a:r>
+            <a:endParaRPr lang="de-AT" sz="1600" dirty="0">
+              <a:solidFill>
+                <a:schemeClr val="tx1"/>
+              </a:solidFill>
+            </a:endParaRPr>
+          </a:p>
+          <a:p>
+            <a:endParaRPr lang="de-AT" sz="1600" dirty="0"/>
+          </a:p>
+        </p:txBody>
+      </p:sp>
+      <p:sp>
+        <p:nvSpPr>
+          <p:cNvPr id="4" name="Foliennummernplatzhalter 3">
+            <a:extLst>
+              <a:ext uri="{FF2B5EF4-FFF2-40B4-BE49-F238E27FC236}">
+                <a16:creationId xmlns:a16="http://schemas.microsoft.com/office/drawing/2014/main" id="{ED121438-C7A5-4B46-87D7-B66BCD3E7F09}"/>
+              </a:ext>
+            </a:extLst>
+          </p:cNvPr>
+          <p:cNvSpPr>
+            <a:spLocks noGrp="1"/>
+          </p:cNvSpPr>
+          <p:nvPr>
+            <p:ph type="sldNum" idx="12"/>
+          </p:nvPr>
+        </p:nvSpPr>
+        <p:spPr/>
+        <p:txBody>
+          <a:bodyPr/>
+          <a:lstStyle/>
+          <a:p>
+            <a:pPr marL="0" lvl="0" indent="0" algn="r" rtl="0">
+              <a:spcBef>
+                <a:spcPts val="0"/>
+              </a:spcBef>
+              <a:spcAft>
+                <a:spcPts val="0"/>
+              </a:spcAft>
+              <a:buNone/>
+            </a:pPr>
+            <a:fld id="{00000000-1234-1234-1234-123412341234}" type="slidenum">
+              <a:rPr lang="de-AT" smtClean="0"/>
+              <a:t>18</a:t>
+            </a:fld>
+            <a:endParaRPr lang="de-AT"/>
+          </a:p>
+        </p:txBody>
+      </p:sp>
+    </p:spTree>
+    <p:extLst>
+      <p:ext uri="{BB962C8B-B14F-4D97-AF65-F5344CB8AC3E}">
+        <p14:creationId xmlns:p14="http://schemas.microsoft.com/office/powerpoint/2010/main" val="949240565"/>
+      </p:ext>
+    </p:extLst>
+  </p:cSld>
+  <p:clrMapOvr>
+    <a:masterClrMapping/>
+  </p:clrMapOvr>
+</p:sld>
+</file>
+
+<file path=ppt/slides/slide2.xml><?xml version="1.0" encoding="utf-8"?>
+<p:sld xmlns:a="http://schemas.openxmlformats.org/drawingml/2006/main" xmlns:r="http://schemas.openxmlformats.org/officeDocument/2006/relationships" xmlns:p="http://schemas.openxmlformats.org/presentationml/2006/main">
+  <p:cSld>
+    <p:spTree>
+      <p:nvGrpSpPr>
+        <p:cNvPr id="1" name=""/>
+        <p:cNvGrpSpPr/>
+        <p:nvPr/>
+      </p:nvGrpSpPr>
+      <p:grpSpPr>
+        <a:xfrm>
+          <a:off x="0" y="0"/>
+          <a:ext cx="0" cy="0"/>
+          <a:chOff x="0" y="0"/>
+          <a:chExt cx="0" cy="0"/>
+        </a:xfrm>
+      </p:grpSpPr>
+      <p:sp>
+        <p:nvSpPr>
+          <p:cNvPr id="5" name="Titel 4">
+            <a:extLst>
+              <a:ext uri="{FF2B5EF4-FFF2-40B4-BE49-F238E27FC236}">
+                <a16:creationId xmlns:a16="http://schemas.microsoft.com/office/drawing/2014/main" id="{999D2085-93CD-4FCA-9B5A-30C588D4DF32}"/>
+              </a:ext>
+            </a:extLst>
+          </p:cNvPr>
+          <p:cNvSpPr>
+            <a:spLocks noGrp="1"/>
+          </p:cNvSpPr>
+          <p:nvPr>
+            <p:ph type="title"/>
+          </p:nvPr>
+        </p:nvSpPr>
+        <p:spPr/>
+        <p:txBody>
+          <a:bodyPr/>
+          <a:lstStyle/>
+          <a:p>
+            <a:pPr algn="ctr"/>
+            <a:r>
+              <a:rPr lang="de-AT" dirty="0"/>
+              <a:t>Definition</a:t>
+            </a:r>
+          </a:p>
+        </p:txBody>
+      </p:sp>
+      <p:sp>
+        <p:nvSpPr>
+          <p:cNvPr id="6" name="Textplatzhalter 5">
+            <a:extLst>
+              <a:ext uri="{FF2B5EF4-FFF2-40B4-BE49-F238E27FC236}">
+                <a16:creationId xmlns:a16="http://schemas.microsoft.com/office/drawing/2014/main" id="{DD3AA6F3-4B5B-41D3-A42B-E52EA83FAB6A}"/>
+              </a:ext>
+            </a:extLst>
+          </p:cNvPr>
+          <p:cNvSpPr>
+            <a:spLocks noGrp="1"/>
+          </p:cNvSpPr>
+          <p:nvPr>
+            <p:ph type="body" idx="1"/>
+          </p:nvPr>
+        </p:nvSpPr>
+        <p:spPr/>
+        <p:txBody>
+          <a:bodyPr anchor="ctr"/>
+          <a:lstStyle/>
+          <a:p>
+            <a:pPr marL="38100" indent="0" algn="ctr">
+              <a:buNone/>
+            </a:pPr>
+            <a:r>
+              <a:rPr lang="de-AT" dirty="0"/>
+              <a:t>Stelle ein Interface für die Erzeugung von Gruppen von ähnlichen oder abhängigen bereit, ohne dabei die konkreten Klassen zu spezifizieren</a:t>
+            </a:r>
+          </a:p>
+        </p:txBody>
+      </p:sp>
+      <p:sp>
+        <p:nvSpPr>
+          <p:cNvPr id="4" name="Foliennummernplatzhalter 3">
+            <a:extLst>
+              <a:ext uri="{FF2B5EF4-FFF2-40B4-BE49-F238E27FC236}">
+                <a16:creationId xmlns:a16="http://schemas.microsoft.com/office/drawing/2014/main" id="{73600FD7-17E6-42CB-B558-2373C30FED38}"/>
+              </a:ext>
+            </a:extLst>
+          </p:cNvPr>
+          <p:cNvSpPr>
+            <a:spLocks noGrp="1"/>
+          </p:cNvSpPr>
+          <p:nvPr>
+            <p:ph type="sldNum" idx="12"/>
+          </p:nvPr>
+        </p:nvSpPr>
+        <p:spPr/>
+        <p:txBody>
+          <a:bodyPr/>
+          <a:lstStyle/>
+          <a:p>
+            <a:pPr marL="0" lvl="0" indent="0" algn="r" rtl="0">
+              <a:spcBef>
+                <a:spcPts val="0"/>
+              </a:spcBef>
+              <a:spcAft>
+                <a:spcPts val="0"/>
+              </a:spcAft>
+              <a:buNone/>
+            </a:pPr>
+            <a:fld id="{00000000-1234-1234-1234-123412341234}" type="slidenum">
+              <a:rPr lang="de-AT" smtClean="0"/>
+              <a:t>2</a:t>
+            </a:fld>
+            <a:endParaRPr lang="de-AT"/>
+          </a:p>
+        </p:txBody>
+      </p:sp>
+    </p:spTree>
+    <p:extLst>
+      <p:ext uri="{BB962C8B-B14F-4D97-AF65-F5344CB8AC3E}">
+        <p14:creationId xmlns:p14="http://schemas.microsoft.com/office/powerpoint/2010/main" val="6378132"/>
+      </p:ext>
+    </p:extLst>
+  </p:cSld>
+  <p:clrMapOvr>
+    <a:masterClrMapping/>
+  </p:clrMapOvr>
+</p:sld>
+</file>
+
+<file path=ppt/slides/slide3.xml><?xml version="1.0" encoding="utf-8"?>
+<p:sld xmlns:a="http://schemas.openxmlformats.org/drawingml/2006/main" xmlns:r="http://schemas.openxmlformats.org/officeDocument/2006/relationships" xmlns:p="http://schemas.openxmlformats.org/presentationml/2006/main">
+  <p:cSld>
+    <p:spTree>
+      <p:nvGrpSpPr>
+        <p:cNvPr id="1" name=""/>
+        <p:cNvGrpSpPr/>
+        <p:nvPr/>
+      </p:nvGrpSpPr>
+      <p:grpSpPr>
+        <a:xfrm>
+          <a:off x="0" y="0"/>
+          <a:ext cx="0" cy="0"/>
+          <a:chOff x="0" y="0"/>
+          <a:chExt cx="0" cy="0"/>
+        </a:xfrm>
+      </p:grpSpPr>
+      <p:sp>
+        <p:nvSpPr>
+          <p:cNvPr id="5" name="Titel 4">
+            <a:extLst>
+              <a:ext uri="{FF2B5EF4-FFF2-40B4-BE49-F238E27FC236}">
+                <a16:creationId xmlns:a16="http://schemas.microsoft.com/office/drawing/2014/main" id="{01691F79-2D22-425E-8D8C-D36FC05DEDD5}"/>
+              </a:ext>
+            </a:extLst>
+          </p:cNvPr>
+          <p:cNvSpPr>
+            <a:spLocks noGrp="1"/>
+          </p:cNvSpPr>
+          <p:nvPr>
+            <p:ph type="title"/>
+          </p:nvPr>
+        </p:nvSpPr>
+        <p:spPr/>
+        <p:txBody>
+          <a:bodyPr/>
+          <a:lstStyle/>
+          <a:p>
+            <a:r>
+              <a:rPr lang="de-AT" dirty="0"/>
+              <a:t>Allgemeines</a:t>
+            </a:r>
+          </a:p>
+        </p:txBody>
+      </p:sp>
+      <p:sp>
+        <p:nvSpPr>
+          <p:cNvPr id="6" name="Textplatzhalter 5">
+            <a:extLst>
+              <a:ext uri="{FF2B5EF4-FFF2-40B4-BE49-F238E27FC236}">
+                <a16:creationId xmlns:a16="http://schemas.microsoft.com/office/drawing/2014/main" id="{22D90C30-CA8C-4DBB-B23A-E67CB3F5954F}"/>
+              </a:ext>
+            </a:extLst>
+          </p:cNvPr>
+          <p:cNvSpPr>
+            <a:spLocks noGrp="1"/>
+          </p:cNvSpPr>
+          <p:nvPr>
+            <p:ph type="body" idx="1"/>
+          </p:nvPr>
+        </p:nvSpPr>
+        <p:spPr/>
+        <p:txBody>
+          <a:bodyPr/>
+          <a:lstStyle/>
+          <a:p>
+            <a:r>
+              <a:rPr lang="de-AT" dirty="0"/>
+              <a:t>Schnittstelle zur Erzeugung von Objekten</a:t>
+            </a:r>
+          </a:p>
+          <a:p>
+            <a:r>
+              <a:rPr lang="de-AT" dirty="0"/>
+              <a:t>Konkrete Klassen zur Erzeugung werden nicht näher festgelegt</a:t>
+            </a:r>
+          </a:p>
+          <a:p>
+            <a:r>
+              <a:rPr lang="de-AT" dirty="0"/>
+              <a:t>Wird auch als „Factory </a:t>
+            </a:r>
+            <a:r>
+              <a:rPr lang="de-AT" dirty="0" err="1"/>
+              <a:t>of</a:t>
+            </a:r>
+            <a:r>
+              <a:rPr lang="de-AT" dirty="0"/>
+              <a:t> </a:t>
+            </a:r>
+            <a:r>
+              <a:rPr lang="de-AT" dirty="0" err="1"/>
+              <a:t>Factories</a:t>
+            </a:r>
+            <a:r>
+              <a:rPr lang="de-AT" dirty="0"/>
+              <a:t>“ bezeichnet</a:t>
+            </a:r>
+          </a:p>
+          <a:p>
+            <a:pPr lvl="1"/>
+            <a:r>
+              <a:rPr lang="de-AT" dirty="0"/>
+              <a:t>Abstract Factory erzeugt Factory, die das Objekt erzeugen kann</a:t>
+            </a:r>
+          </a:p>
+          <a:p>
+            <a:r>
+              <a:rPr lang="de-AT" dirty="0"/>
+              <a:t>Ist ein Erzeugungsmuster</a:t>
+            </a:r>
+          </a:p>
+        </p:txBody>
+      </p:sp>
+      <p:sp>
+        <p:nvSpPr>
+          <p:cNvPr id="4" name="Foliennummernplatzhalter 3">
+            <a:extLst>
+              <a:ext uri="{FF2B5EF4-FFF2-40B4-BE49-F238E27FC236}">
+                <a16:creationId xmlns:a16="http://schemas.microsoft.com/office/drawing/2014/main" id="{A8F83D43-FD5C-4F2D-A22D-82EA0CA5E052}"/>
+              </a:ext>
+            </a:extLst>
+          </p:cNvPr>
+          <p:cNvSpPr>
+            <a:spLocks noGrp="1"/>
+          </p:cNvSpPr>
+          <p:nvPr>
+            <p:ph type="sldNum" idx="12"/>
+          </p:nvPr>
+        </p:nvSpPr>
+        <p:spPr/>
+        <p:txBody>
+          <a:bodyPr/>
+          <a:lstStyle/>
+          <a:p>
+            <a:pPr marL="0" lvl="0" indent="0" algn="r" rtl="0">
+              <a:spcBef>
+                <a:spcPts val="0"/>
+              </a:spcBef>
+              <a:spcAft>
+                <a:spcPts val="0"/>
+              </a:spcAft>
+              <a:buNone/>
+            </a:pPr>
+            <a:fld id="{00000000-1234-1234-1234-123412341234}" type="slidenum">
+              <a:rPr lang="de-AT" smtClean="0"/>
+              <a:t>3</a:t>
+            </a:fld>
+            <a:endParaRPr lang="de-AT"/>
+          </a:p>
+        </p:txBody>
+      </p:sp>
+    </p:spTree>
+    <p:extLst>
+      <p:ext uri="{BB962C8B-B14F-4D97-AF65-F5344CB8AC3E}">
+        <p14:creationId xmlns:p14="http://schemas.microsoft.com/office/powerpoint/2010/main" val="1469461542"/>
+      </p:ext>
+    </p:extLst>
+  </p:cSld>
+  <p:clrMapOvr>
+    <a:masterClrMapping/>
+  </p:clrMapOvr>
+</p:sld>
+</file>
+
+<file path=ppt/slides/slide4.xml><?xml version="1.0" encoding="utf-8"?>
+<p:sld xmlns:a="http://schemas.openxmlformats.org/drawingml/2006/main" xmlns:r="http://schemas.openxmlformats.org/officeDocument/2006/relationships" xmlns:p="http://schemas.openxmlformats.org/presentationml/2006/main">
+  <p:cSld>
+    <p:spTree>
+      <p:nvGrpSpPr>
+        <p:cNvPr id="1" name=""/>
+        <p:cNvGrpSpPr/>
+        <p:nvPr/>
+      </p:nvGrpSpPr>
+      <p:grpSpPr>
+        <a:xfrm>
+          <a:off x="0" y="0"/>
+          <a:ext cx="0" cy="0"/>
+          <a:chOff x="0" y="0"/>
+          <a:chExt cx="0" cy="0"/>
+        </a:xfrm>
+      </p:grpSpPr>
+      <p:sp>
+        <p:nvSpPr>
+          <p:cNvPr id="2" name="Titel 1">
+            <a:extLst>
+              <a:ext uri="{FF2B5EF4-FFF2-40B4-BE49-F238E27FC236}">
+                <a16:creationId xmlns:a16="http://schemas.microsoft.com/office/drawing/2014/main" id="{B82BAB24-EBB5-4D52-9831-0F04BDE79E83}"/>
+              </a:ext>
+            </a:extLst>
+          </p:cNvPr>
+          <p:cNvSpPr>
+            <a:spLocks noGrp="1"/>
+          </p:cNvSpPr>
+          <p:nvPr>
+            <p:ph type="title"/>
+          </p:nvPr>
+        </p:nvSpPr>
+        <p:spPr/>
+        <p:txBody>
+          <a:bodyPr/>
+          <a:lstStyle/>
+          <a:p>
+            <a:r>
+              <a:rPr lang="de-AT" dirty="0"/>
+              <a:t>Motivation</a:t>
+            </a:r>
+          </a:p>
+        </p:txBody>
+      </p:sp>
+      <p:sp>
+        <p:nvSpPr>
+          <p:cNvPr id="3" name="Textplatzhalter 2">
+            <a:extLst>
+              <a:ext uri="{FF2B5EF4-FFF2-40B4-BE49-F238E27FC236}">
+                <a16:creationId xmlns:a16="http://schemas.microsoft.com/office/drawing/2014/main" id="{A3745C45-C1CA-4D7A-B583-DF5921006BB9}"/>
+              </a:ext>
+            </a:extLst>
+          </p:cNvPr>
+          <p:cNvSpPr>
+            <a:spLocks noGrp="1"/>
+          </p:cNvSpPr>
+          <p:nvPr>
+            <p:ph type="body" idx="1"/>
+          </p:nvPr>
+        </p:nvSpPr>
+        <p:spPr/>
+        <p:txBody>
+          <a:bodyPr/>
+          <a:lstStyle/>
+          <a:p>
+            <a:r>
+              <a:rPr lang="de-AT" dirty="0"/>
+              <a:t>System unabhängig von der</a:t>
+            </a:r>
+          </a:p>
+          <a:p>
+            <a:pPr lvl="1"/>
+            <a:r>
+              <a:rPr lang="de-AT" dirty="0"/>
+              <a:t>Erzeugung</a:t>
+            </a:r>
+          </a:p>
+          <a:p>
+            <a:pPr lvl="1"/>
+            <a:r>
+              <a:rPr lang="de-AT" dirty="0"/>
+              <a:t>Zusammenstellung</a:t>
+            </a:r>
+          </a:p>
+          <a:p>
+            <a:pPr lvl="1"/>
+            <a:r>
+              <a:rPr lang="de-AT" dirty="0"/>
+              <a:t>Darstellung seiner Objekte</a:t>
+            </a:r>
+          </a:p>
+          <a:p>
+            <a:r>
+              <a:rPr lang="de-AT" dirty="0"/>
+              <a:t>Gruppe von ähnlichen Objekten, die gemeinsam benutzt werden</a:t>
+            </a:r>
+          </a:p>
+          <a:p>
+            <a:r>
+              <a:rPr lang="de-AT" dirty="0"/>
+              <a:t>Bereitstellung einer Klassenbibliothek</a:t>
+            </a:r>
+          </a:p>
+          <a:p>
+            <a:pPr lvl="1"/>
+            <a:r>
+              <a:rPr lang="de-AT" dirty="0"/>
+              <a:t>Öffentliche Interfaces</a:t>
+            </a:r>
+          </a:p>
+          <a:p>
+            <a:pPr lvl="1"/>
+            <a:r>
+              <a:rPr lang="de-AT" dirty="0"/>
+              <a:t>Private Implementierungen</a:t>
+            </a:r>
+          </a:p>
+        </p:txBody>
+      </p:sp>
+      <p:sp>
+        <p:nvSpPr>
+          <p:cNvPr id="4" name="Foliennummernplatzhalter 3">
+            <a:extLst>
+              <a:ext uri="{FF2B5EF4-FFF2-40B4-BE49-F238E27FC236}">
+                <a16:creationId xmlns:a16="http://schemas.microsoft.com/office/drawing/2014/main" id="{78E4C2EF-71CD-4D94-9986-3099097DF332}"/>
+              </a:ext>
+            </a:extLst>
+          </p:cNvPr>
+          <p:cNvSpPr>
+            <a:spLocks noGrp="1"/>
+          </p:cNvSpPr>
+          <p:nvPr>
+            <p:ph type="sldNum" idx="12"/>
+          </p:nvPr>
+        </p:nvSpPr>
+        <p:spPr/>
+        <p:txBody>
+          <a:bodyPr/>
+          <a:lstStyle/>
+          <a:p>
+            <a:pPr marL="0" lvl="0" indent="0" algn="r" rtl="0">
+              <a:spcBef>
+                <a:spcPts val="0"/>
+              </a:spcBef>
+              <a:spcAft>
+                <a:spcPts val="0"/>
+              </a:spcAft>
+              <a:buNone/>
+            </a:pPr>
+            <a:fld id="{00000000-1234-1234-1234-123412341234}" type="slidenum">
+              <a:rPr lang="de-AT" smtClean="0"/>
+              <a:t>4</a:t>
+            </a:fld>
+            <a:endParaRPr lang="de-AT"/>
+          </a:p>
+        </p:txBody>
+      </p:sp>
+    </p:spTree>
+    <p:extLst>
+      <p:ext uri="{BB962C8B-B14F-4D97-AF65-F5344CB8AC3E}">
+        <p14:creationId xmlns:p14="http://schemas.microsoft.com/office/powerpoint/2010/main" val="3423937519"/>
+      </p:ext>
+    </p:extLst>
+  </p:cSld>
+  <p:clrMapOvr>
+    <a:masterClrMapping/>
+  </p:clrMapOvr>
+</p:sld>
+</file>
+
+<file path=ppt/slides/slide5.xml><?xml version="1.0" encoding="utf-8"?>
+<p:sld xmlns:a="http://schemas.openxmlformats.org/drawingml/2006/main" xmlns:r="http://schemas.openxmlformats.org/officeDocument/2006/relationships" xmlns:p="http://schemas.openxmlformats.org/presentationml/2006/main">
+  <p:cSld>
+    <p:spTree>
+      <p:nvGrpSpPr>
+        <p:cNvPr id="1" name=""/>
+        <p:cNvGrpSpPr/>
+        <p:nvPr/>
+      </p:nvGrpSpPr>
+      <p:grpSpPr>
+        <a:xfrm>
+          <a:off x="0" y="0"/>
+          <a:ext cx="0" cy="0"/>
+          <a:chOff x="0" y="0"/>
+          <a:chExt cx="0" cy="0"/>
+        </a:xfrm>
+      </p:grpSpPr>
+      <p:sp>
+        <p:nvSpPr>
+          <p:cNvPr id="5" name="Titel 4">
+            <a:extLst>
+              <a:ext uri="{FF2B5EF4-FFF2-40B4-BE49-F238E27FC236}">
+                <a16:creationId xmlns:a16="http://schemas.microsoft.com/office/drawing/2014/main" id="{708C85F5-3E80-47D1-BAA6-BA69D001F015}"/>
+              </a:ext>
+            </a:extLst>
+          </p:cNvPr>
+          <p:cNvSpPr>
+            <a:spLocks noGrp="1"/>
+          </p:cNvSpPr>
+          <p:nvPr>
+            <p:ph type="ctrTitle"/>
+          </p:nvPr>
+        </p:nvSpPr>
+        <p:spPr/>
+        <p:txBody>
+          <a:bodyPr/>
+          <a:lstStyle/>
+          <a:p>
+            <a:r>
+              <a:rPr lang="de-AT" dirty="0"/>
+              <a:t>Anwendung in der Praxis</a:t>
+            </a:r>
+          </a:p>
+        </p:txBody>
+      </p:sp>
+      <p:sp>
+        <p:nvSpPr>
+          <p:cNvPr id="4" name="Foliennummernplatzhalter 3">
+            <a:extLst>
+              <a:ext uri="{FF2B5EF4-FFF2-40B4-BE49-F238E27FC236}">
+                <a16:creationId xmlns:a16="http://schemas.microsoft.com/office/drawing/2014/main" id="{29A7E48D-5A84-4C55-8A60-0CC760EDD551}"/>
+              </a:ext>
+            </a:extLst>
+          </p:cNvPr>
+          <p:cNvSpPr>
+            <a:spLocks noGrp="1"/>
+          </p:cNvSpPr>
+          <p:nvPr>
+            <p:ph type="sldNum" idx="4294967295"/>
+          </p:nvPr>
+        </p:nvSpPr>
+        <p:spPr>
+          <a:xfrm>
+            <a:off x="8683625" y="6391275"/>
+            <a:ext cx="460375" cy="390525"/>
+          </a:xfrm>
+        </p:spPr>
+        <p:txBody>
+          <a:bodyPr/>
+          <a:lstStyle/>
+          <a:p>
+            <a:pPr marL="0" lvl="0" indent="0" algn="r" rtl="0">
+              <a:spcBef>
+                <a:spcPts val="0"/>
+              </a:spcBef>
+              <a:spcAft>
+                <a:spcPts val="0"/>
+              </a:spcAft>
+              <a:buNone/>
+            </a:pPr>
+            <a:fld id="{00000000-1234-1234-1234-123412341234}" type="slidenum">
+              <a:rPr lang="de-AT" smtClean="0"/>
+              <a:t>5</a:t>
+            </a:fld>
+            <a:endParaRPr lang="de-AT"/>
+          </a:p>
+        </p:txBody>
+      </p:sp>
+    </p:spTree>
+    <p:extLst>
+      <p:ext uri="{BB962C8B-B14F-4D97-AF65-F5344CB8AC3E}">
+        <p14:creationId xmlns:p14="http://schemas.microsoft.com/office/powerpoint/2010/main" val="2087486492"/>
+      </p:ext>
+    </p:extLst>
+  </p:cSld>
+  <p:clrMapOvr>
+    <a:masterClrMapping/>
+  </p:clrMapOvr>
+</p:sld>
+</file>
+
+<file path=ppt/slides/slide6.xml><?xml version="1.0" encoding="utf-8"?>
+<p:sld xmlns:a="http://schemas.openxmlformats.org/drawingml/2006/main" xmlns:r="http://schemas.openxmlformats.org/officeDocument/2006/relationships" xmlns:p="http://schemas.openxmlformats.org/presentationml/2006/main">
+  <p:cSld>
+    <p:spTree>
+      <p:nvGrpSpPr>
+        <p:cNvPr id="1" name=""/>
+        <p:cNvGrpSpPr/>
+        <p:nvPr/>
+      </p:nvGrpSpPr>
+      <p:grpSpPr>
+        <a:xfrm>
+          <a:off x="0" y="0"/>
+          <a:ext cx="0" cy="0"/>
+          <a:chOff x="0" y="0"/>
+          <a:chExt cx="0" cy="0"/>
+        </a:xfrm>
+      </p:grpSpPr>
+      <p:sp>
+        <p:nvSpPr>
+          <p:cNvPr id="2" name="Titel 1">
+            <a:extLst>
+              <a:ext uri="{FF2B5EF4-FFF2-40B4-BE49-F238E27FC236}">
+                <a16:creationId xmlns:a16="http://schemas.microsoft.com/office/drawing/2014/main" id="{E9ECD580-5974-431A-9461-D6620332177F}"/>
+              </a:ext>
+            </a:extLst>
+          </p:cNvPr>
+          <p:cNvSpPr>
+            <a:spLocks noGrp="1"/>
+          </p:cNvSpPr>
+          <p:nvPr>
+            <p:ph type="title"/>
+          </p:nvPr>
+        </p:nvSpPr>
+        <p:spPr/>
+        <p:txBody>
+          <a:bodyPr/>
+          <a:lstStyle/>
+          <a:p>
+            <a:r>
+              <a:rPr lang="de-AT" dirty="0"/>
+              <a:t>Konkrete Anwendungen in Programmen</a:t>
+            </a:r>
+          </a:p>
+        </p:txBody>
+      </p:sp>
+      <p:sp>
+        <p:nvSpPr>
+          <p:cNvPr id="3" name="Textplatzhalter 2">
+            <a:extLst>
+              <a:ext uri="{FF2B5EF4-FFF2-40B4-BE49-F238E27FC236}">
+                <a16:creationId xmlns:a16="http://schemas.microsoft.com/office/drawing/2014/main" id="{20A31CEF-DFF7-4E88-8092-8978ADB4D81C}"/>
+              </a:ext>
+            </a:extLst>
+          </p:cNvPr>
+          <p:cNvSpPr>
+            <a:spLocks noGrp="1"/>
+          </p:cNvSpPr>
+          <p:nvPr>
+            <p:ph type="body" idx="1"/>
+          </p:nvPr>
+        </p:nvSpPr>
+        <p:spPr/>
+        <p:txBody>
+          <a:bodyPr/>
+          <a:lstStyle/>
+          <a:p>
+            <a:r>
+              <a:rPr lang="de-AT" dirty="0" err="1"/>
+              <a:t>InterViews</a:t>
+            </a:r>
+            <a:endParaRPr lang="de-AT" dirty="0"/>
+          </a:p>
+          <a:p>
+            <a:pPr lvl="1"/>
+            <a:r>
+              <a:rPr lang="de-AT" dirty="0"/>
+              <a:t>Sammlung von </a:t>
+            </a:r>
+            <a:r>
+              <a:rPr lang="de-AT" dirty="0" err="1"/>
+              <a:t>Application</a:t>
+            </a:r>
+            <a:r>
+              <a:rPr lang="de-AT" dirty="0"/>
+              <a:t> Frameworks</a:t>
+            </a:r>
+          </a:p>
+          <a:p>
+            <a:pPr lvl="1"/>
+            <a:r>
+              <a:rPr lang="de-AT" dirty="0"/>
+              <a:t>Zum Entwickeln von benutzerdefinierten, grafischen Editoren</a:t>
+            </a:r>
+          </a:p>
+          <a:p>
+            <a:pPr lvl="1"/>
+            <a:r>
+              <a:rPr lang="de-AT" dirty="0" err="1"/>
+              <a:t>Abstracte</a:t>
+            </a:r>
+            <a:r>
+              <a:rPr lang="de-AT" dirty="0"/>
+              <a:t> </a:t>
+            </a:r>
+            <a:r>
+              <a:rPr lang="de-AT" dirty="0" err="1"/>
+              <a:t>Factories</a:t>
+            </a:r>
+            <a:r>
+              <a:rPr lang="de-AT" dirty="0"/>
+              <a:t> </a:t>
+            </a:r>
+            <a:r>
+              <a:rPr lang="de-AT" i="1" dirty="0" err="1"/>
+              <a:t>WidgetKit</a:t>
+            </a:r>
+            <a:r>
+              <a:rPr lang="de-AT" dirty="0"/>
+              <a:t> und </a:t>
+            </a:r>
+            <a:r>
+              <a:rPr lang="de-AT" i="1" dirty="0" err="1"/>
+              <a:t>DialogKit</a:t>
+            </a:r>
+            <a:r>
+              <a:rPr lang="de-AT" i="1" dirty="0"/>
+              <a:t> </a:t>
+            </a:r>
+            <a:r>
+              <a:rPr lang="de-AT" dirty="0"/>
+              <a:t>zur Erzeugung der UI Elemente</a:t>
+            </a:r>
+          </a:p>
+          <a:p>
+            <a:pPr lvl="1"/>
+            <a:r>
+              <a:rPr lang="de-AT" dirty="0"/>
+              <a:t>Abstrakte Factory </a:t>
+            </a:r>
+            <a:r>
+              <a:rPr lang="de-AT" i="1" dirty="0" err="1"/>
+              <a:t>LayoutKit</a:t>
+            </a:r>
+            <a:r>
+              <a:rPr lang="de-AT" dirty="0"/>
+              <a:t> zum Erzeugen des Layouts (horizontale oder vertikale Orientierung)</a:t>
+            </a:r>
+          </a:p>
+        </p:txBody>
+      </p:sp>
+      <p:sp>
+        <p:nvSpPr>
+          <p:cNvPr id="4" name="Foliennummernplatzhalter 3">
+            <a:extLst>
+              <a:ext uri="{FF2B5EF4-FFF2-40B4-BE49-F238E27FC236}">
+                <a16:creationId xmlns:a16="http://schemas.microsoft.com/office/drawing/2014/main" id="{11847FE0-8C37-40AD-95FC-A321331AFF41}"/>
+              </a:ext>
+            </a:extLst>
+          </p:cNvPr>
+          <p:cNvSpPr>
+            <a:spLocks noGrp="1"/>
+          </p:cNvSpPr>
+          <p:nvPr>
+            <p:ph type="sldNum" idx="12"/>
+          </p:nvPr>
+        </p:nvSpPr>
+        <p:spPr/>
+        <p:txBody>
+          <a:bodyPr/>
+          <a:lstStyle/>
+          <a:p>
+            <a:pPr marL="0" lvl="0" indent="0" algn="r" rtl="0">
+              <a:spcBef>
+                <a:spcPts val="0"/>
+              </a:spcBef>
+              <a:spcAft>
+                <a:spcPts val="0"/>
+              </a:spcAft>
+              <a:buNone/>
+            </a:pPr>
+            <a:fld id="{00000000-1234-1234-1234-123412341234}" type="slidenum">
+              <a:rPr lang="de-AT" smtClean="0"/>
+              <a:t>6</a:t>
+            </a:fld>
+            <a:endParaRPr lang="de-AT"/>
+          </a:p>
+        </p:txBody>
+      </p:sp>
+    </p:spTree>
+    <p:extLst>
+      <p:ext uri="{BB962C8B-B14F-4D97-AF65-F5344CB8AC3E}">
+        <p14:creationId xmlns:p14="http://schemas.microsoft.com/office/powerpoint/2010/main" val="2028506971"/>
+      </p:ext>
+    </p:extLst>
+  </p:cSld>
+  <p:clrMapOvr>
+    <a:masterClrMapping/>
+  </p:clrMapOvr>
+</p:sld>
+</file>
+
+<file path=ppt/slides/slide7.xml><?xml version="1.0" encoding="utf-8"?>
+<p:sld xmlns:a="http://schemas.openxmlformats.org/drawingml/2006/main" xmlns:r="http://schemas.openxmlformats.org/officeDocument/2006/relationships" xmlns:p="http://schemas.openxmlformats.org/presentationml/2006/main">
+  <p:cSld>
+    <p:spTree>
+      <p:nvGrpSpPr>
+        <p:cNvPr id="1" name=""/>
+        <p:cNvGrpSpPr/>
+        <p:nvPr/>
+      </p:nvGrpSpPr>
+      <p:grpSpPr>
+        <a:xfrm>
+          <a:off x="0" y="0"/>
+          <a:ext cx="0" cy="0"/>
+          <a:chOff x="0" y="0"/>
+          <a:chExt cx="0" cy="0"/>
+        </a:xfrm>
+      </p:grpSpPr>
+      <p:sp>
+        <p:nvSpPr>
+          <p:cNvPr id="2" name="Titel 1">
+            <a:extLst>
+              <a:ext uri="{FF2B5EF4-FFF2-40B4-BE49-F238E27FC236}">
+                <a16:creationId xmlns:a16="http://schemas.microsoft.com/office/drawing/2014/main" id="{E9ECD580-5974-431A-9461-D6620332177F}"/>
+              </a:ext>
+            </a:extLst>
+          </p:cNvPr>
+          <p:cNvSpPr>
+            <a:spLocks noGrp="1"/>
+          </p:cNvSpPr>
+          <p:nvPr>
+            <p:ph type="title"/>
+          </p:nvPr>
+        </p:nvSpPr>
+        <p:spPr/>
+        <p:txBody>
+          <a:bodyPr/>
+          <a:lstStyle/>
+          <a:p>
+            <a:r>
+              <a:rPr lang="de-AT" dirty="0"/>
+              <a:t>Konkrete Anwendungen in Programmen</a:t>
+            </a:r>
+          </a:p>
+        </p:txBody>
+      </p:sp>
+      <p:sp>
+        <p:nvSpPr>
+          <p:cNvPr id="3" name="Textplatzhalter 2">
+            <a:extLst>
+              <a:ext uri="{FF2B5EF4-FFF2-40B4-BE49-F238E27FC236}">
+                <a16:creationId xmlns:a16="http://schemas.microsoft.com/office/drawing/2014/main" id="{20A31CEF-DFF7-4E88-8092-8978ADB4D81C}"/>
+              </a:ext>
+            </a:extLst>
+          </p:cNvPr>
+          <p:cNvSpPr>
+            <a:spLocks noGrp="1"/>
+          </p:cNvSpPr>
+          <p:nvPr>
+            <p:ph type="body" idx="1"/>
+          </p:nvPr>
+        </p:nvSpPr>
+        <p:spPr>
+          <a:xfrm>
+            <a:off x="343225" y="1500000"/>
+            <a:ext cx="8290800" cy="4851900"/>
+          </a:xfrm>
+        </p:spPr>
+        <p:txBody>
+          <a:bodyPr/>
+          <a:lstStyle/>
+          <a:p>
+            <a:r>
+              <a:rPr lang="de-AT" dirty="0"/>
+              <a:t>ET++</a:t>
+            </a:r>
+          </a:p>
+          <a:p>
+            <a:r>
+              <a:rPr lang="de-AT" dirty="0"/>
+              <a:t>Von Erich Gamma (von der Gang </a:t>
+            </a:r>
+            <a:r>
+              <a:rPr lang="de-AT" dirty="0" err="1"/>
+              <a:t>of</a:t>
+            </a:r>
+            <a:r>
+              <a:rPr lang="de-AT" dirty="0"/>
+              <a:t> </a:t>
+            </a:r>
+            <a:r>
+              <a:rPr lang="de-AT" dirty="0" err="1"/>
+              <a:t>four</a:t>
+            </a:r>
+            <a:r>
+              <a:rPr lang="de-AT" dirty="0"/>
+              <a:t>)</a:t>
+            </a:r>
+          </a:p>
+          <a:p>
+            <a:pPr lvl="1"/>
+            <a:r>
+              <a:rPr lang="de-AT" dirty="0" err="1"/>
+              <a:t>Application</a:t>
+            </a:r>
+            <a:r>
+              <a:rPr lang="de-AT" dirty="0"/>
+              <a:t> Framework</a:t>
+            </a:r>
+          </a:p>
+          <a:p>
+            <a:pPr lvl="1"/>
+            <a:r>
+              <a:rPr lang="de-AT" dirty="0"/>
+              <a:t>Entwicklung von Applikationen mit</a:t>
+            </a:r>
+          </a:p>
+          <a:p>
+            <a:pPr lvl="2"/>
+            <a:r>
+              <a:rPr lang="de-AT" dirty="0"/>
+              <a:t>Interaktiver Benutzerschnittstelle</a:t>
+            </a:r>
+          </a:p>
+          <a:p>
+            <a:pPr lvl="2"/>
+            <a:r>
+              <a:rPr lang="de-AT" dirty="0"/>
+              <a:t>Textueller und grafischer Darstellung der Daten</a:t>
+            </a:r>
+          </a:p>
+          <a:p>
+            <a:pPr lvl="1"/>
+            <a:r>
+              <a:rPr lang="de-AT" dirty="0"/>
+              <a:t>Baumeditor, Spreadsheets, CASE-Tools, … </a:t>
+            </a:r>
+          </a:p>
+        </p:txBody>
+      </p:sp>
+      <p:sp>
+        <p:nvSpPr>
+          <p:cNvPr id="4" name="Foliennummernplatzhalter 3">
+            <a:extLst>
+              <a:ext uri="{FF2B5EF4-FFF2-40B4-BE49-F238E27FC236}">
+                <a16:creationId xmlns:a16="http://schemas.microsoft.com/office/drawing/2014/main" id="{11847FE0-8C37-40AD-95FC-A321331AFF41}"/>
+              </a:ext>
+            </a:extLst>
+          </p:cNvPr>
+          <p:cNvSpPr>
+            <a:spLocks noGrp="1"/>
+          </p:cNvSpPr>
+          <p:nvPr>
+            <p:ph type="sldNum" idx="12"/>
+          </p:nvPr>
+        </p:nvSpPr>
+        <p:spPr/>
+        <p:txBody>
+          <a:bodyPr/>
+          <a:lstStyle/>
+          <a:p>
+            <a:pPr marL="0" lvl="0" indent="0" algn="r" rtl="0">
+              <a:spcBef>
+                <a:spcPts val="0"/>
+              </a:spcBef>
+              <a:spcAft>
+                <a:spcPts val="0"/>
+              </a:spcAft>
+              <a:buNone/>
+            </a:pPr>
+            <a:fld id="{00000000-1234-1234-1234-123412341234}" type="slidenum">
+              <a:rPr lang="de-AT" smtClean="0"/>
+              <a:t>7</a:t>
+            </a:fld>
+            <a:endParaRPr lang="de-AT"/>
+          </a:p>
+        </p:txBody>
+      </p:sp>
+    </p:spTree>
+    <p:extLst>
+      <p:ext uri="{BB962C8B-B14F-4D97-AF65-F5344CB8AC3E}">
+        <p14:creationId xmlns:p14="http://schemas.microsoft.com/office/powerpoint/2010/main" val="2012713293"/>
+      </p:ext>
+    </p:extLst>
+  </p:cSld>
+  <p:clrMapOvr>
+    <a:masterClrMapping/>
+  </p:clrMapOvr>
+</p:sld>
+</file>
+
+<file path=ppt/slides/slide8.xml><?xml version="1.0" encoding="utf-8"?>
+<p:sld xmlns:a="http://schemas.openxmlformats.org/drawingml/2006/main" xmlns:r="http://schemas.openxmlformats.org/officeDocument/2006/relationships" xmlns:p="http://schemas.openxmlformats.org/presentationml/2006/main">
+  <p:cSld>
+    <p:spTree>
+      <p:nvGrpSpPr>
+        <p:cNvPr id="1" name=""/>
+        <p:cNvGrpSpPr/>
+        <p:nvPr/>
+      </p:nvGrpSpPr>
+      <p:grpSpPr>
+        <a:xfrm>
+          <a:off x="0" y="0"/>
+          <a:ext cx="0" cy="0"/>
+          <a:chOff x="0" y="0"/>
+          <a:chExt cx="0" cy="0"/>
+        </a:xfrm>
+      </p:grpSpPr>
+      <p:sp>
+        <p:nvSpPr>
+          <p:cNvPr id="5" name="Titel 4">
+            <a:extLst>
+              <a:ext uri="{FF2B5EF4-FFF2-40B4-BE49-F238E27FC236}">
+                <a16:creationId xmlns:a16="http://schemas.microsoft.com/office/drawing/2014/main" id="{98E6BF6E-DB7E-4480-A1E2-570D277D8AFA}"/>
+              </a:ext>
+            </a:extLst>
+          </p:cNvPr>
+          <p:cNvSpPr>
+            <a:spLocks noGrp="1"/>
+          </p:cNvSpPr>
+          <p:nvPr>
+            <p:ph type="ctrTitle"/>
+          </p:nvPr>
+        </p:nvSpPr>
+        <p:spPr/>
+        <p:txBody>
+          <a:bodyPr/>
+          <a:lstStyle/>
+          <a:p>
+            <a:r>
+              <a:rPr lang="de-AT" dirty="0"/>
+              <a:t>Aufbau</a:t>
+            </a:r>
+          </a:p>
+        </p:txBody>
+      </p:sp>
+      <p:sp>
+        <p:nvSpPr>
+          <p:cNvPr id="4" name="Foliennummernplatzhalter 3">
+            <a:extLst>
+              <a:ext uri="{FF2B5EF4-FFF2-40B4-BE49-F238E27FC236}">
+                <a16:creationId xmlns:a16="http://schemas.microsoft.com/office/drawing/2014/main" id="{4307C1AB-28F0-49C2-9CE0-64C280416EB1}"/>
+              </a:ext>
+            </a:extLst>
+          </p:cNvPr>
+          <p:cNvSpPr>
+            <a:spLocks noGrp="1"/>
+          </p:cNvSpPr>
+          <p:nvPr>
+            <p:ph type="sldNum" idx="4294967295"/>
+          </p:nvPr>
+        </p:nvSpPr>
+        <p:spPr>
+          <a:xfrm>
+            <a:off x="8683625" y="6391275"/>
+            <a:ext cx="460375" cy="390525"/>
+          </a:xfrm>
+        </p:spPr>
+        <p:txBody>
+          <a:bodyPr/>
+          <a:lstStyle/>
+          <a:p>
+            <a:pPr marL="0" lvl="0" indent="0" algn="r" rtl="0">
+              <a:spcBef>
+                <a:spcPts val="0"/>
+              </a:spcBef>
+              <a:spcAft>
+                <a:spcPts val="0"/>
+              </a:spcAft>
+              <a:buNone/>
+            </a:pPr>
+            <a:fld id="{00000000-1234-1234-1234-123412341234}" type="slidenum">
+              <a:rPr lang="de-AT" smtClean="0"/>
+              <a:t>8</a:t>
+            </a:fld>
+            <a:endParaRPr lang="de-AT"/>
+          </a:p>
+        </p:txBody>
+      </p:sp>
+    </p:spTree>
+    <p:extLst>
+      <p:ext uri="{BB962C8B-B14F-4D97-AF65-F5344CB8AC3E}">
+        <p14:creationId xmlns:p14="http://schemas.microsoft.com/office/powerpoint/2010/main" val="2600419562"/>
+      </p:ext>
+    </p:extLst>
+  </p:cSld>
+  <p:clrMapOvr>
+    <a:masterClrMapping/>
+  </p:clrMapOvr>
+</p:sld>
+</file>
+
 <file path=ppt/slides/slide9.xml><?xml version="1.0" encoding="utf-8"?>
 <p:sld xmlns:a="http://schemas.openxmlformats.org/drawingml/2006/main" xmlns:r="http://schemas.openxmlformats.org/officeDocument/2006/relationships" xmlns:p="http://schemas.openxmlformats.org/presentationml/2006/main">
   <p:cSld>
@@ -5196,7 +5719,7 @@
           <p:cNvPr id="2" name="Titel 1">
             <a:extLst>
               <a:ext uri="{FF2B5EF4-FFF2-40B4-BE49-F238E27FC236}">
-                <a16:creationId xmlns:a16="http://schemas.microsoft.com/office/drawing/2014/main" id="{7B49886A-DBF8-4690-989A-AC6DC97DB377}"/>
+                <a16:creationId xmlns:a16="http://schemas.microsoft.com/office/drawing/2014/main" id="{40875E68-E68A-442D-AF35-E2BC0D9D65DE}"/>
               </a:ext>
             </a:extLst>
           </p:cNvPr>
@@ -5214,7 +5737,7 @@
           <a:p>
             <a:r>
               <a:rPr lang="de-AT" dirty="0"/>
-              <a:t>Vorteile</a:t>
+              <a:t>Verwendete Patterns in der Abstract Factory</a:t>
             </a:r>
           </a:p>
         </p:txBody>
@@ -5224,7 +5747,7 @@
           <p:cNvPr id="3" name="Textplatzhalter 2">
             <a:extLst>
               <a:ext uri="{FF2B5EF4-FFF2-40B4-BE49-F238E27FC236}">
-                <a16:creationId xmlns:a16="http://schemas.microsoft.com/office/drawing/2014/main" id="{D8D7EF8A-8ECD-4E2A-970B-5A44EF7B8AD4}"/>
+                <a16:creationId xmlns:a16="http://schemas.microsoft.com/office/drawing/2014/main" id="{BC361956-4A3D-414C-9AD0-0A3298AA9483}"/>
               </a:ext>
             </a:extLst>
           </p:cNvPr>
@@ -5242,48 +5765,51 @@
           <a:p>
             <a:r>
               <a:rPr lang="de-AT" dirty="0"/>
-              <a:t>Isolation der konkreten Klassen</a:t>
+              <a:t>Factory Method</a:t>
             </a:r>
           </a:p>
           <a:p>
             <a:pPr lvl="1"/>
             <a:r>
               <a:rPr lang="de-AT" dirty="0"/>
-              <a:t>Client überlässt Erstellung der Objekte der Factory</a:t>
-            </a:r>
-          </a:p>
-          <a:p>
-            <a:r>
-              <a:rPr lang="de-AT" dirty="0"/>
-              <a:t>Objekte können einfach ausgetauscht werden</a:t>
+              <a:t>Factory erzeugt konkrete Klassen</a:t>
+            </a:r>
+          </a:p>
+          <a:p>
+            <a:r>
+              <a:rPr lang="de-AT" dirty="0"/>
+              <a:t>Prototype</a:t>
             </a:r>
           </a:p>
           <a:p>
             <a:pPr lvl="1"/>
             <a:r>
               <a:rPr lang="de-AT" dirty="0"/>
-              <a:t>Einfaches Tauschen der konkreten Factory</a:t>
-            </a:r>
-          </a:p>
-          <a:p>
-            <a:r>
-              <a:rPr lang="de-AT" dirty="0"/>
-              <a:t>Konsistenz der Objekte</a:t>
+              <a:t>Konkrete Factory hat Prototypenobjekte </a:t>
             </a:r>
           </a:p>
           <a:p>
             <a:pPr lvl="1"/>
             <a:r>
               <a:rPr lang="de-AT" dirty="0"/>
-              <a:t>Objekte der Factory sind so </a:t>
-            </a:r>
+              <a:t>Neues Objekt durch klonen des Prototypen</a:t>
+            </a:r>
+          </a:p>
+          <a:p>
             <a:r>
               <a:rPr lang="de-AT" dirty="0" err="1"/>
-              <a:t>designed</a:t>
-            </a:r>
-            <a:r>
-              <a:rPr lang="de-AT" dirty="0"/>
-              <a:t>, um zusammenarbeiten zu können</a:t>
+              <a:t>Factories</a:t>
+            </a:r>
+            <a:r>
+              <a:rPr lang="de-AT" dirty="0"/>
+              <a:t> als Singletons</a:t>
+            </a:r>
+          </a:p>
+          <a:p>
+            <a:pPr lvl="1"/>
+            <a:r>
+              <a:rPr lang="de-AT" dirty="0"/>
+              <a:t>Normalerweise wird nur eine Factory pro Produktgruppe benötigt</a:t>
             </a:r>
           </a:p>
         </p:txBody>
@@ -5293,7 +5819,7 @@
           <p:cNvPr id="4" name="Foliennummernplatzhalter 3">
             <a:extLst>
               <a:ext uri="{FF2B5EF4-FFF2-40B4-BE49-F238E27FC236}">
-                <a16:creationId xmlns:a16="http://schemas.microsoft.com/office/drawing/2014/main" id="{D8C10F95-DA02-4C33-AF21-D762AFC5142E}"/>
+                <a16:creationId xmlns:a16="http://schemas.microsoft.com/office/drawing/2014/main" id="{ABD3712E-4C05-42BC-9134-315D50E10DB1}"/>
               </a:ext>
             </a:extLst>
           </p:cNvPr>
@@ -5329,7 +5855,7 @@
     </p:spTree>
     <p:extLst>
       <p:ext uri="{BB962C8B-B14F-4D97-AF65-F5344CB8AC3E}">
-        <p14:creationId xmlns:p14="http://schemas.microsoft.com/office/powerpoint/2010/main" val="1415051504"/>
+        <p14:creationId xmlns:p14="http://schemas.microsoft.com/office/powerpoint/2010/main" val="4097561737"/>
       </p:ext>
     </p:extLst>
   </p:cSld>

--- a/Presentation/Abstract_Factory.pptx
+++ b/Presentation/Abstract_Factory.pptx
@@ -7,6 +7,9 @@
   <p:notesMasterIdLst>
     <p:notesMasterId r:id="rId20"/>
   </p:notesMasterIdLst>
+  <p:handoutMasterIdLst>
+    <p:handoutMasterId r:id="rId21"/>
+  </p:handoutMasterIdLst>
   <p:sldIdLst>
     <p:sldId id="256" r:id="rId2"/>
     <p:sldId id="300" r:id="rId3"/>
@@ -32,10 +35,10 @@
   <p:embeddedFontLst>
     <p:embeddedFont>
       <p:font typeface="Cousine" panose="020B0604020202020204" charset="0"/>
-      <p:regular r:id="rId21"/>
-      <p:bold r:id="rId22"/>
-      <p:italic r:id="rId23"/>
-      <p:boldItalic r:id="rId24"/>
+      <p:regular r:id="rId22"/>
+      <p:bold r:id="rId23"/>
+      <p:italic r:id="rId24"/>
+      <p:boldItalic r:id="rId25"/>
     </p:embeddedFont>
   </p:embeddedFontLst>
   <p:defaultTextStyle>
@@ -273,6 +276,195 @@
     </p:ext>
   </p:extLst>
 </p:presentation>
+</file>
+
+<file path=ppt/handoutMasters/handoutMaster1.xml><?xml version="1.0" encoding="utf-8"?>
+<p:handoutMaster xmlns:a="http://schemas.openxmlformats.org/drawingml/2006/main" xmlns:r="http://schemas.openxmlformats.org/officeDocument/2006/relationships" xmlns:p="http://schemas.openxmlformats.org/presentationml/2006/main">
+  <p:cSld>
+    <p:bg>
+      <p:bgRef idx="1001">
+        <a:schemeClr val="bg1"/>
+      </p:bgRef>
+    </p:bg>
+    <p:spTree>
+      <p:nvGrpSpPr>
+        <p:cNvPr id="1" name=""/>
+        <p:cNvGrpSpPr/>
+        <p:nvPr/>
+      </p:nvGrpSpPr>
+      <p:grpSpPr>
+        <a:xfrm>
+          <a:off x="0" y="0"/>
+          <a:ext cx="0" cy="0"/>
+          <a:chOff x="0" y="0"/>
+          <a:chExt cx="0" cy="0"/>
+        </a:xfrm>
+      </p:grpSpPr>
+      <p:sp>
+        <p:nvSpPr>
+          <p:cNvPr id="2" name="Kopfzeilenplatzhalter 1">
+            <a:extLst>
+              <a:ext uri="{FF2B5EF4-FFF2-40B4-BE49-F238E27FC236}">
+                <a16:creationId xmlns:a16="http://schemas.microsoft.com/office/drawing/2014/main" id="{B1235C32-2F7A-4604-AC43-DF61FEEA2894}"/>
+              </a:ext>
+            </a:extLst>
+          </p:cNvPr>
+          <p:cNvSpPr>
+            <a:spLocks noGrp="1"/>
+          </p:cNvSpPr>
+          <p:nvPr>
+            <p:ph type="hdr" sz="quarter"/>
+          </p:nvPr>
+        </p:nvSpPr>
+        <p:spPr>
+          <a:xfrm>
+            <a:off x="0" y="0"/>
+            <a:ext cx="2971800" cy="458788"/>
+          </a:xfrm>
+          <a:prstGeom prst="rect">
+            <a:avLst/>
+          </a:prstGeom>
+        </p:spPr>
+        <p:txBody>
+          <a:bodyPr vert="horz" lIns="91440" tIns="45720" rIns="91440" bIns="45720" rtlCol="0"/>
+          <a:lstStyle>
+            <a:lvl1pPr algn="l">
+              <a:defRPr sz="1200"/>
+            </a:lvl1pPr>
+          </a:lstStyle>
+          <a:p>
+            <a:endParaRPr lang="de-AT"/>
+          </a:p>
+        </p:txBody>
+      </p:sp>
+      <p:sp>
+        <p:nvSpPr>
+          <p:cNvPr id="3" name="Datumsplatzhalter 2">
+            <a:extLst>
+              <a:ext uri="{FF2B5EF4-FFF2-40B4-BE49-F238E27FC236}">
+                <a16:creationId xmlns:a16="http://schemas.microsoft.com/office/drawing/2014/main" id="{A64EADB7-D4FD-4C65-B57F-083228B35536}"/>
+              </a:ext>
+            </a:extLst>
+          </p:cNvPr>
+          <p:cNvSpPr>
+            <a:spLocks noGrp="1"/>
+          </p:cNvSpPr>
+          <p:nvPr>
+            <p:ph type="dt" sz="quarter" idx="1"/>
+          </p:nvPr>
+        </p:nvSpPr>
+        <p:spPr>
+          <a:xfrm>
+            <a:off x="3884613" y="0"/>
+            <a:ext cx="2971800" cy="458788"/>
+          </a:xfrm>
+          <a:prstGeom prst="rect">
+            <a:avLst/>
+          </a:prstGeom>
+        </p:spPr>
+        <p:txBody>
+          <a:bodyPr vert="horz" lIns="91440" tIns="45720" rIns="91440" bIns="45720" rtlCol="0"/>
+          <a:lstStyle>
+            <a:lvl1pPr algn="r">
+              <a:defRPr sz="1200"/>
+            </a:lvl1pPr>
+          </a:lstStyle>
+          <a:p>
+            <a:fld id="{3AC32170-C98A-4426-A5C7-F71975255C42}" type="datetimeFigureOut">
+              <a:rPr lang="de-AT" smtClean="0"/>
+              <a:t>14.03.2019</a:t>
+            </a:fld>
+            <a:endParaRPr lang="de-AT"/>
+          </a:p>
+        </p:txBody>
+      </p:sp>
+      <p:sp>
+        <p:nvSpPr>
+          <p:cNvPr id="4" name="Fußzeilenplatzhalter 3">
+            <a:extLst>
+              <a:ext uri="{FF2B5EF4-FFF2-40B4-BE49-F238E27FC236}">
+                <a16:creationId xmlns:a16="http://schemas.microsoft.com/office/drawing/2014/main" id="{7040D15E-76CE-470A-A4BD-13A10B666212}"/>
+              </a:ext>
+            </a:extLst>
+          </p:cNvPr>
+          <p:cNvSpPr>
+            <a:spLocks noGrp="1"/>
+          </p:cNvSpPr>
+          <p:nvPr>
+            <p:ph type="ftr" sz="quarter" idx="2"/>
+          </p:nvPr>
+        </p:nvSpPr>
+        <p:spPr>
+          <a:xfrm>
+            <a:off x="0" y="8685213"/>
+            <a:ext cx="2971800" cy="458787"/>
+          </a:xfrm>
+          <a:prstGeom prst="rect">
+            <a:avLst/>
+          </a:prstGeom>
+        </p:spPr>
+        <p:txBody>
+          <a:bodyPr vert="horz" lIns="91440" tIns="45720" rIns="91440" bIns="45720" rtlCol="0" anchor="b"/>
+          <a:lstStyle>
+            <a:lvl1pPr algn="l">
+              <a:defRPr sz="1200"/>
+            </a:lvl1pPr>
+          </a:lstStyle>
+          <a:p>
+            <a:endParaRPr lang="de-AT"/>
+          </a:p>
+        </p:txBody>
+      </p:sp>
+      <p:sp>
+        <p:nvSpPr>
+          <p:cNvPr id="5" name="Foliennummernplatzhalter 4">
+            <a:extLst>
+              <a:ext uri="{FF2B5EF4-FFF2-40B4-BE49-F238E27FC236}">
+                <a16:creationId xmlns:a16="http://schemas.microsoft.com/office/drawing/2014/main" id="{C14FF0FC-9D6B-4E3B-8146-268280322CAA}"/>
+              </a:ext>
+            </a:extLst>
+          </p:cNvPr>
+          <p:cNvSpPr>
+            <a:spLocks noGrp="1"/>
+          </p:cNvSpPr>
+          <p:nvPr>
+            <p:ph type="sldNum" sz="quarter" idx="3"/>
+          </p:nvPr>
+        </p:nvSpPr>
+        <p:spPr>
+          <a:xfrm>
+            <a:off x="3884613" y="8685213"/>
+            <a:ext cx="2971800" cy="458787"/>
+          </a:xfrm>
+          <a:prstGeom prst="rect">
+            <a:avLst/>
+          </a:prstGeom>
+        </p:spPr>
+        <p:txBody>
+          <a:bodyPr vert="horz" lIns="91440" tIns="45720" rIns="91440" bIns="45720" rtlCol="0" anchor="b"/>
+          <a:lstStyle>
+            <a:lvl1pPr algn="r">
+              <a:defRPr sz="1200"/>
+            </a:lvl1pPr>
+          </a:lstStyle>
+          <a:p>
+            <a:fld id="{91574CB7-FB98-40E0-8372-1705BA3D8631}" type="slidenum">
+              <a:rPr lang="de-AT" smtClean="0"/>
+              <a:t>‹Nr.›</a:t>
+            </a:fld>
+            <a:endParaRPr lang="de-AT"/>
+          </a:p>
+        </p:txBody>
+      </p:sp>
+    </p:spTree>
+    <p:extLst>
+      <p:ext uri="{BB962C8B-B14F-4D97-AF65-F5344CB8AC3E}">
+        <p14:creationId xmlns:p14="http://schemas.microsoft.com/office/powerpoint/2010/main" val="1212517643"/>
+      </p:ext>
+    </p:extLst>
+  </p:cSld>
+  <p:clrMap bg1="lt1" tx1="dk1" bg2="lt2" tx2="dk2" accent1="accent1" accent2="accent2" accent3="accent3" accent4="accent4" accent5="accent5" accent6="accent6" hlink="hlink" folHlink="folHlink"/>
+</p:handoutMaster>
 </file>
 
 <file path=ppt/notesMasters/notesMaster1.xml><?xml version="1.0" encoding="utf-8"?>
@@ -2398,6 +2590,73 @@
               <a:t>‹Nr.›</a:t>
             </a:fld>
             <a:endParaRPr/>
+          </a:p>
+        </p:txBody>
+      </p:sp>
+      <p:sp>
+        <p:nvSpPr>
+          <p:cNvPr id="11" name="Textfeld 10">
+            <a:extLst>
+              <a:ext uri="{FF2B5EF4-FFF2-40B4-BE49-F238E27FC236}">
+                <a16:creationId xmlns:a16="http://schemas.microsoft.com/office/drawing/2014/main" id="{635CD51E-4184-4390-920B-2AEFAEDC9E24}"/>
+              </a:ext>
+            </a:extLst>
+          </p:cNvPr>
+          <p:cNvSpPr txBox="1"/>
+          <p:nvPr userDrawn="1"/>
+        </p:nvSpPr>
+        <p:spPr>
+          <a:xfrm>
+            <a:off x="58189" y="6541232"/>
+            <a:ext cx="6691746" cy="230832"/>
+          </a:xfrm>
+          <a:prstGeom prst="rect">
+            <a:avLst/>
+          </a:prstGeom>
+          <a:noFill/>
+        </p:spPr>
+        <p:txBody>
+          <a:bodyPr wrap="square" rtlCol="0">
+            <a:spAutoFit/>
+          </a:bodyPr>
+          <a:lstStyle/>
+          <a:p>
+            <a:r>
+              <a:rPr lang="en-GB" sz="900" b="0" i="0" u="none" strike="noStrike" cap="none" dirty="0" err="1">
+                <a:solidFill>
+                  <a:schemeClr val="bg1"/>
+                </a:solidFill>
+                <a:effectLst/>
+                <a:latin typeface="Arial"/>
+                <a:ea typeface="Arial"/>
+                <a:cs typeface="Arial"/>
+                <a:sym typeface="Arial"/>
+              </a:rPr>
+              <a:t>Github</a:t>
+            </a:r>
+            <a:r>
+              <a:rPr lang="en-GB" sz="900" b="0" i="0" u="none" strike="noStrike" cap="none" dirty="0">
+                <a:solidFill>
+                  <a:schemeClr val="bg1"/>
+                </a:solidFill>
+                <a:effectLst/>
+                <a:latin typeface="Arial"/>
+                <a:ea typeface="Arial"/>
+                <a:cs typeface="Arial"/>
+                <a:sym typeface="Arial"/>
+              </a:rPr>
+              <a:t>-Repo: https://github.com/SimonPrimetzhofer/AbstractFactory-Pattern</a:t>
+            </a:r>
+            <a:endParaRPr lang="de-AT" sz="900" b="0" i="0" u="none" strike="noStrike" cap="none" dirty="0">
+              <a:solidFill>
+                <a:schemeClr val="bg1"/>
+              </a:solidFill>
+              <a:effectLst/>
+              <a:latin typeface="Arial"/>
+              <a:ea typeface="Arial"/>
+              <a:cs typeface="Arial"/>
+              <a:sym typeface="Arial"/>
+            </a:endParaRPr>
           </a:p>
         </p:txBody>
       </p:sp>
@@ -5302,12 +5561,8 @@
           <a:p>
             <a:pPr lvl="1"/>
             <a:r>
-              <a:rPr lang="de-AT" dirty="0" err="1"/>
-              <a:t>Abstracte</a:t>
-            </a:r>
-            <a:r>
-              <a:rPr lang="de-AT" dirty="0"/>
-              <a:t> </a:t>
+              <a:rPr lang="de-AT" dirty="0"/>
+              <a:t>Abstrakte </a:t>
             </a:r>
             <a:r>
               <a:rPr lang="de-AT" dirty="0" err="1"/>
@@ -5792,24 +6047,28 @@
             <a:pPr lvl="1"/>
             <a:r>
               <a:rPr lang="de-AT" dirty="0"/>
-              <a:t>Neues Objekt durch klonen des Prototypen</a:t>
-            </a:r>
-          </a:p>
-          <a:p>
+              <a:t>Neues Objekt durch Klonen des Prototypen</a:t>
+            </a:r>
+          </a:p>
+          <a:p>
+            <a:r>
+              <a:rPr lang="de-AT" dirty="0"/>
+              <a:t>Abstrakte </a:t>
+            </a:r>
             <a:r>
               <a:rPr lang="de-AT" dirty="0" err="1"/>
               <a:t>Factories</a:t>
             </a:r>
             <a:r>
               <a:rPr lang="de-AT" dirty="0"/>
-              <a:t> als Singletons</a:t>
+              <a:t> als Singleton</a:t>
             </a:r>
           </a:p>
           <a:p>
             <a:pPr lvl="1"/>
             <a:r>
               <a:rPr lang="de-AT" dirty="0"/>
-              <a:t>Normalerweise wird nur eine Factory pro Produktgruppe benötigt</a:t>
+              <a:t>Normalerweise wird nur eine Factory pro Objektgruppe benötigt</a:t>
             </a:r>
           </a:p>
         </p:txBody>
@@ -6425,4 +6684,299 @@
   <a:objectDefaults/>
   <a:extraClrSchemeLst/>
 </a:theme>
+</file>
+
+<file path=ppt/theme/theme3.xml><?xml version="1.0" encoding="utf-8"?>
+<a:theme xmlns:a="http://schemas.openxmlformats.org/drawingml/2006/main" name="Office">
+  <a:themeElements>
+    <a:clrScheme name="Office">
+      <a:dk1>
+        <a:sysClr val="windowText" lastClr="000000"/>
+      </a:dk1>
+      <a:lt1>
+        <a:sysClr val="window" lastClr="FFFFFF"/>
+      </a:lt1>
+      <a:dk2>
+        <a:srgbClr val="44546A"/>
+      </a:dk2>
+      <a:lt2>
+        <a:srgbClr val="E7E6E6"/>
+      </a:lt2>
+      <a:accent1>
+        <a:srgbClr val="4472C4"/>
+      </a:accent1>
+      <a:accent2>
+        <a:srgbClr val="ED7D31"/>
+      </a:accent2>
+      <a:accent3>
+        <a:srgbClr val="A5A5A5"/>
+      </a:accent3>
+      <a:accent4>
+        <a:srgbClr val="FFC000"/>
+      </a:accent4>
+      <a:accent5>
+        <a:srgbClr val="5B9BD5"/>
+      </a:accent5>
+      <a:accent6>
+        <a:srgbClr val="70AD47"/>
+      </a:accent6>
+      <a:hlink>
+        <a:srgbClr val="0563C1"/>
+      </a:hlink>
+      <a:folHlink>
+        <a:srgbClr val="954F72"/>
+      </a:folHlink>
+    </a:clrScheme>
+    <a:fontScheme name="Office">
+      <a:majorFont>
+        <a:latin typeface="Calibri Light" panose="020F0302020204030204"/>
+        <a:ea typeface=""/>
+        <a:cs typeface=""/>
+        <a:font script="Jpan" typeface="游ゴシック Light"/>
+        <a:font script="Hang" typeface="맑은 고딕"/>
+        <a:font script="Hans" typeface="等线 Light"/>
+        <a:font script="Hant" typeface="新細明體"/>
+        <a:font script="Arab" typeface="Times New Roman"/>
+        <a:font script="Hebr" typeface="Times New Roman"/>
+        <a:font script="Thai" typeface="Angsana New"/>
+        <a:font script="Ethi" typeface="Nyala"/>
+        <a:font script="Beng" typeface="Vrinda"/>
+        <a:font script="Gujr" typeface="Shruti"/>
+        <a:font script="Khmr" typeface="MoolBoran"/>
+        <a:font script="Knda" typeface="Tunga"/>
+        <a:font script="Guru" typeface="Raavi"/>
+        <a:font script="Cans" typeface="Euphemia"/>
+        <a:font script="Cher" typeface="Plantagenet Cherokee"/>
+        <a:font script="Yiii" typeface="Microsoft Yi Baiti"/>
+        <a:font script="Tibt" typeface="Microsoft Himalaya"/>
+        <a:font script="Thaa" typeface="MV Boli"/>
+        <a:font script="Deva" typeface="Mangal"/>
+        <a:font script="Telu" typeface="Gautami"/>
+        <a:font script="Taml" typeface="Latha"/>
+        <a:font script="Syrc" typeface="Estrangelo Edessa"/>
+        <a:font script="Orya" typeface="Kalinga"/>
+        <a:font script="Mlym" typeface="Kartika"/>
+        <a:font script="Laoo" typeface="DokChampa"/>
+        <a:font script="Sinh" typeface="Iskoola Pota"/>
+        <a:font script="Mong" typeface="Mongolian Baiti"/>
+        <a:font script="Viet" typeface="Times New Roman"/>
+        <a:font script="Uigh" typeface="Microsoft Uighur"/>
+        <a:font script="Geor" typeface="Sylfaen"/>
+        <a:font script="Armn" typeface="Arial"/>
+        <a:font script="Bugi" typeface="Leelawadee UI"/>
+        <a:font script="Bopo" typeface="Microsoft JhengHei"/>
+        <a:font script="Java" typeface="Javanese Text"/>
+        <a:font script="Lisu" typeface="Segoe UI"/>
+        <a:font script="Mymr" typeface="Myanmar Text"/>
+        <a:font script="Nkoo" typeface="Ebrima"/>
+        <a:font script="Olck" typeface="Nirmala UI"/>
+        <a:font script="Osma" typeface="Ebrima"/>
+        <a:font script="Phag" typeface="Phagspa"/>
+        <a:font script="Syrn" typeface="Estrangelo Edessa"/>
+        <a:font script="Syrj" typeface="Estrangelo Edessa"/>
+        <a:font script="Syre" typeface="Estrangelo Edessa"/>
+        <a:font script="Sora" typeface="Nirmala UI"/>
+        <a:font script="Tale" typeface="Microsoft Tai Le"/>
+        <a:font script="Talu" typeface="Microsoft New Tai Lue"/>
+        <a:font script="Tfng" typeface="Ebrima"/>
+      </a:majorFont>
+      <a:minorFont>
+        <a:latin typeface="Calibri" panose="020F0502020204030204"/>
+        <a:ea typeface=""/>
+        <a:cs typeface=""/>
+        <a:font script="Jpan" typeface="游ゴシック"/>
+        <a:font script="Hang" typeface="맑은 고딕"/>
+        <a:font script="Hans" typeface="等线"/>
+        <a:font script="Hant" typeface="新細明體"/>
+        <a:font script="Arab" typeface="Arial"/>
+        <a:font script="Hebr" typeface="Arial"/>
+        <a:font script="Thai" typeface="Cordia New"/>
+        <a:font script="Ethi" typeface="Nyala"/>
+        <a:font script="Beng" typeface="Vrinda"/>
+        <a:font script="Gujr" typeface="Shruti"/>
+        <a:font script="Khmr" typeface="DaunPenh"/>
+        <a:font script="Knda" typeface="Tunga"/>
+        <a:font script="Guru" typeface="Raavi"/>
+        <a:font script="Cans" typeface="Euphemia"/>
+        <a:font script="Cher" typeface="Plantagenet Cherokee"/>
+        <a:font script="Yiii" typeface="Microsoft Yi Baiti"/>
+        <a:font script="Tibt" typeface="Microsoft Himalaya"/>
+        <a:font script="Thaa" typeface="MV Boli"/>
+        <a:font script="Deva" typeface="Mangal"/>
+        <a:font script="Telu" typeface="Gautami"/>
+        <a:font script="Taml" typeface="Latha"/>
+        <a:font script="Syrc" typeface="Estrangelo Edessa"/>
+        <a:font script="Orya" typeface="Kalinga"/>
+        <a:font script="Mlym" typeface="Kartika"/>
+        <a:font script="Laoo" typeface="DokChampa"/>
+        <a:font script="Sinh" typeface="Iskoola Pota"/>
+        <a:font script="Mong" typeface="Mongolian Baiti"/>
+        <a:font script="Viet" typeface="Arial"/>
+        <a:font script="Uigh" typeface="Microsoft Uighur"/>
+        <a:font script="Geor" typeface="Sylfaen"/>
+        <a:font script="Armn" typeface="Arial"/>
+        <a:font script="Bugi" typeface="Leelawadee UI"/>
+        <a:font script="Bopo" typeface="Microsoft JhengHei"/>
+        <a:font script="Java" typeface="Javanese Text"/>
+        <a:font script="Lisu" typeface="Segoe UI"/>
+        <a:font script="Mymr" typeface="Myanmar Text"/>
+        <a:font script="Nkoo" typeface="Ebrima"/>
+        <a:font script="Olck" typeface="Nirmala UI"/>
+        <a:font script="Osma" typeface="Ebrima"/>
+        <a:font script="Phag" typeface="Phagspa"/>
+        <a:font script="Syrn" typeface="Estrangelo Edessa"/>
+        <a:font script="Syrj" typeface="Estrangelo Edessa"/>
+        <a:font script="Syre" typeface="Estrangelo Edessa"/>
+        <a:font script="Sora" typeface="Nirmala UI"/>
+        <a:font script="Tale" typeface="Microsoft Tai Le"/>
+        <a:font script="Talu" typeface="Microsoft New Tai Lue"/>
+        <a:font script="Tfng" typeface="Ebrima"/>
+      </a:minorFont>
+    </a:fontScheme>
+    <a:fmtScheme name="Office">
+      <a:fillStyleLst>
+        <a:solidFill>
+          <a:schemeClr val="phClr"/>
+        </a:solidFill>
+        <a:gradFill rotWithShape="1">
+          <a:gsLst>
+            <a:gs pos="0">
+              <a:schemeClr val="phClr">
+                <a:lumMod val="110000"/>
+                <a:satMod val="105000"/>
+                <a:tint val="67000"/>
+              </a:schemeClr>
+            </a:gs>
+            <a:gs pos="50000">
+              <a:schemeClr val="phClr">
+                <a:lumMod val="105000"/>
+                <a:satMod val="103000"/>
+                <a:tint val="73000"/>
+              </a:schemeClr>
+            </a:gs>
+            <a:gs pos="100000">
+              <a:schemeClr val="phClr">
+                <a:lumMod val="105000"/>
+                <a:satMod val="109000"/>
+                <a:tint val="81000"/>
+              </a:schemeClr>
+            </a:gs>
+          </a:gsLst>
+          <a:lin ang="5400000" scaled="0"/>
+        </a:gradFill>
+        <a:gradFill rotWithShape="1">
+          <a:gsLst>
+            <a:gs pos="0">
+              <a:schemeClr val="phClr">
+                <a:satMod val="103000"/>
+                <a:lumMod val="102000"/>
+                <a:tint val="94000"/>
+              </a:schemeClr>
+            </a:gs>
+            <a:gs pos="50000">
+              <a:schemeClr val="phClr">
+                <a:satMod val="110000"/>
+                <a:lumMod val="100000"/>
+                <a:shade val="100000"/>
+              </a:schemeClr>
+            </a:gs>
+            <a:gs pos="100000">
+              <a:schemeClr val="phClr">
+                <a:lumMod val="99000"/>
+                <a:satMod val="120000"/>
+                <a:shade val="78000"/>
+              </a:schemeClr>
+            </a:gs>
+          </a:gsLst>
+          <a:lin ang="5400000" scaled="0"/>
+        </a:gradFill>
+      </a:fillStyleLst>
+      <a:lnStyleLst>
+        <a:ln w="6350" cap="flat" cmpd="sng" algn="ctr">
+          <a:solidFill>
+            <a:schemeClr val="phClr"/>
+          </a:solidFill>
+          <a:prstDash val="solid"/>
+          <a:miter lim="800000"/>
+        </a:ln>
+        <a:ln w="12700" cap="flat" cmpd="sng" algn="ctr">
+          <a:solidFill>
+            <a:schemeClr val="phClr"/>
+          </a:solidFill>
+          <a:prstDash val="solid"/>
+          <a:miter lim="800000"/>
+        </a:ln>
+        <a:ln w="19050" cap="flat" cmpd="sng" algn="ctr">
+          <a:solidFill>
+            <a:schemeClr val="phClr"/>
+          </a:solidFill>
+          <a:prstDash val="solid"/>
+          <a:miter lim="800000"/>
+        </a:ln>
+      </a:lnStyleLst>
+      <a:effectStyleLst>
+        <a:effectStyle>
+          <a:effectLst/>
+        </a:effectStyle>
+        <a:effectStyle>
+          <a:effectLst/>
+        </a:effectStyle>
+        <a:effectStyle>
+          <a:effectLst>
+            <a:outerShdw blurRad="57150" dist="19050" dir="5400000" algn="ctr" rotWithShape="0">
+              <a:srgbClr val="000000">
+                <a:alpha val="63000"/>
+              </a:srgbClr>
+            </a:outerShdw>
+          </a:effectLst>
+        </a:effectStyle>
+      </a:effectStyleLst>
+      <a:bgFillStyleLst>
+        <a:solidFill>
+          <a:schemeClr val="phClr"/>
+        </a:solidFill>
+        <a:solidFill>
+          <a:schemeClr val="phClr">
+            <a:tint val="95000"/>
+            <a:satMod val="170000"/>
+          </a:schemeClr>
+        </a:solidFill>
+        <a:gradFill rotWithShape="1">
+          <a:gsLst>
+            <a:gs pos="0">
+              <a:schemeClr val="phClr">
+                <a:tint val="93000"/>
+                <a:satMod val="150000"/>
+                <a:shade val="98000"/>
+                <a:lumMod val="102000"/>
+              </a:schemeClr>
+            </a:gs>
+            <a:gs pos="50000">
+              <a:schemeClr val="phClr">
+                <a:tint val="98000"/>
+                <a:satMod val="130000"/>
+                <a:shade val="90000"/>
+                <a:lumMod val="103000"/>
+              </a:schemeClr>
+            </a:gs>
+            <a:gs pos="100000">
+              <a:schemeClr val="phClr">
+                <a:shade val="63000"/>
+                <a:satMod val="120000"/>
+              </a:schemeClr>
+            </a:gs>
+          </a:gsLst>
+          <a:lin ang="5400000" scaled="0"/>
+        </a:gradFill>
+      </a:bgFillStyleLst>
+    </a:fmtScheme>
+  </a:themeElements>
+  <a:objectDefaults/>
+  <a:extraClrSchemeLst/>
+  <a:extLst>
+    <a:ext uri="{05A4C25C-085E-4340-85A3-A5531E510DB2}">
+      <thm15:themeFamily xmlns:thm15="http://schemas.microsoft.com/office/thememl/2012/main" name="Office Theme" id="{62F939B6-93AF-4DB8-9C6B-D6C7DFDC589F}" vid="{4A3C46E8-61CC-4603-A589-7422A47A8E4A}"/>
+    </a:ext>
+  </a:extLst>
+</a:theme>
 </file>
--- a/Presentation/Abstract_Factory.pptx
+++ b/Presentation/Abstract_Factory.pptx
@@ -274,6 +274,9 @@
     <p:ext uri="{EFAFB233-063F-42B5-8137-9DF3F51BA10A}">
       <p15:sldGuideLst xmlns:p15="http://schemas.microsoft.com/office/powerpoint/2012/main"/>
     </p:ext>
+    <p:ext uri="{2D200454-40CA-4A62-9FC3-DE9A4176ACB9}">
+      <p15:notesGuideLst xmlns:p15="http://schemas.microsoft.com/office/powerpoint/2012/main"/>
+    </p:ext>
   </p:extLst>
 </p:presentation>
 </file>
@@ -372,7 +375,7 @@
           <a:p>
             <a:fld id="{3AC32170-C98A-4426-A5C7-F71975255C42}" type="datetimeFigureOut">
               <a:rPr lang="de-AT" smtClean="0"/>
-              <a:t>14.03.2019</a:t>
+              <a:t>16.03.2019</a:t>
             </a:fld>
             <a:endParaRPr lang="de-AT"/>
           </a:p>
@@ -1681,7 +1684,7 @@
               </a:spcAft>
               <a:buSzPts val="3000"/>
               <a:buChar char="▪"/>
-              <a:defRPr/>
+              <a:defRPr sz="2400"/>
             </a:lvl1pPr>
             <a:lvl2pPr marL="914400" lvl="1" indent="-381000">
               <a:spcBef>
@@ -1773,7 +1776,7 @@
             </a:lvl9pPr>
           </a:lstStyle>
           <a:p>
-            <a:endParaRPr/>
+            <a:endParaRPr dirty="0"/>
           </a:p>
         </p:txBody>
       </p:sp>
@@ -3503,66 +3506,108 @@
           <a:bodyPr/>
           <a:lstStyle/>
           <a:p>
-            <a:r>
-              <a:rPr lang="de-AT" dirty="0"/>
-              <a:t>Interface für konkrete Klassen</a:t>
-            </a:r>
-          </a:p>
-          <a:p>
-            <a:r>
-              <a:rPr lang="de-AT" dirty="0"/>
-              <a:t>Konkrete Klassen, die das Interface implementieren</a:t>
-            </a:r>
-          </a:p>
-          <a:p>
-            <a:r>
-              <a:rPr lang="de-AT" dirty="0"/>
-              <a:t>Abstract Factory</a:t>
-            </a:r>
-            <a:endParaRPr lang="de-AT" dirty="0">
-              <a:sym typeface="Wingdings" panose="05000000000000000000" pitchFamily="2" charset="2"/>
-            </a:endParaRPr>
-          </a:p>
-          <a:p>
-            <a:r>
-              <a:rPr lang="de-AT" dirty="0">
-                <a:sym typeface="Wingdings" panose="05000000000000000000" pitchFamily="2" charset="2"/>
-              </a:rPr>
-              <a:t>Konkrete </a:t>
-            </a:r>
-            <a:r>
-              <a:rPr lang="de-AT" dirty="0" err="1">
-                <a:sym typeface="Wingdings" panose="05000000000000000000" pitchFamily="2" charset="2"/>
-              </a:rPr>
+            <a:pPr lvl="0"/>
+            <a:r>
+              <a:rPr lang="de-AT" dirty="0"/>
+              <a:t>Factory</a:t>
+            </a:r>
+            <a:endParaRPr lang="de-AT" sz="2000" dirty="0"/>
+          </a:p>
+          <a:p>
+            <a:pPr lvl="1"/>
+            <a:r>
+              <a:rPr lang="de-AT" dirty="0"/>
+              <a:t>Interface </a:t>
+            </a:r>
+            <a:r>
+              <a:rPr lang="de-AT" dirty="0" err="1"/>
+              <a:t>AbstractFactory</a:t>
+            </a:r>
+            <a:endParaRPr lang="de-AT" sz="2000" dirty="0"/>
+          </a:p>
+          <a:p>
+            <a:pPr lvl="1"/>
+            <a:r>
+              <a:rPr lang="en-GB" dirty="0" err="1"/>
+              <a:t>Konkrete</a:t>
+            </a:r>
+            <a:r>
+              <a:rPr lang="en-GB" dirty="0"/>
+              <a:t> Factory – </a:t>
+            </a:r>
+            <a:r>
+              <a:rPr lang="en-GB" dirty="0" err="1"/>
+              <a:t>implementiert</a:t>
+            </a:r>
+            <a:r>
+              <a:rPr lang="en-GB" dirty="0"/>
+              <a:t> Abstract Factory (</a:t>
+            </a:r>
+            <a:r>
+              <a:rPr lang="en-GB" dirty="0" err="1"/>
+              <a:t>VehicleFactory</a:t>
+            </a:r>
+            <a:r>
+              <a:rPr lang="en-GB" dirty="0"/>
+              <a:t> implements </a:t>
+            </a:r>
+            <a:r>
+              <a:rPr lang="en-GB" dirty="0" err="1"/>
+              <a:t>AbstractFactory</a:t>
+            </a:r>
+            <a:r>
+              <a:rPr lang="en-GB" dirty="0"/>
+              <a:t>)</a:t>
+            </a:r>
+            <a:endParaRPr lang="de-AT" sz="2000" dirty="0"/>
+          </a:p>
+          <a:p>
+            <a:pPr lvl="0"/>
+            <a:r>
+              <a:rPr lang="de-AT" dirty="0"/>
+              <a:t>Zu erzeugende Objekte</a:t>
+            </a:r>
+            <a:endParaRPr lang="de-AT" sz="2000" dirty="0"/>
+          </a:p>
+          <a:p>
+            <a:pPr lvl="1"/>
+            <a:r>
+              <a:rPr lang="de-AT" dirty="0"/>
+              <a:t>Interface mit gemeinsamen Eigenschaften (Vehicle)</a:t>
+            </a:r>
+            <a:endParaRPr lang="de-AT" sz="2000" dirty="0"/>
+          </a:p>
+          <a:p>
+            <a:pPr lvl="1"/>
+            <a:r>
+              <a:rPr lang="de-AT" dirty="0"/>
+              <a:t>Konkrete Klassen – implementieren Interface (Car </a:t>
+            </a:r>
+            <a:r>
+              <a:rPr lang="de-AT" dirty="0" err="1"/>
+              <a:t>implements</a:t>
+            </a:r>
+            <a:r>
+              <a:rPr lang="de-AT" dirty="0"/>
+              <a:t> Vehicle)</a:t>
+            </a:r>
+            <a:endParaRPr lang="de-AT" sz="2000" dirty="0"/>
+          </a:p>
+          <a:p>
+            <a:pPr lvl="0"/>
+            <a:r>
+              <a:rPr lang="de-AT" dirty="0"/>
+              <a:t>Optional: Factory Producer, der die abstrakten </a:t>
+            </a:r>
+            <a:r>
+              <a:rPr lang="de-AT" dirty="0" err="1"/>
               <a:t>Factories</a:t>
             </a:r>
             <a:r>
-              <a:rPr lang="de-AT" dirty="0">
-                <a:sym typeface="Wingdings" panose="05000000000000000000" pitchFamily="2" charset="2"/>
-              </a:rPr>
-              <a:t>, die von abstrakter Factory abgeleitet sind</a:t>
-            </a:r>
-          </a:p>
-          <a:p>
-            <a:r>
-              <a:rPr lang="de-AT" dirty="0">
-                <a:sym typeface="Wingdings" panose="05000000000000000000" pitchFamily="2" charset="2"/>
-              </a:rPr>
-              <a:t>Optional: Factory Producer, der abstrakte </a:t>
-            </a:r>
-            <a:r>
-              <a:rPr lang="de-AT" dirty="0" err="1">
-                <a:sym typeface="Wingdings" panose="05000000000000000000" pitchFamily="2" charset="2"/>
-              </a:rPr>
-              <a:t>Factories</a:t>
-            </a:r>
-            <a:r>
-              <a:rPr lang="de-AT" dirty="0">
-                <a:sym typeface="Wingdings" panose="05000000000000000000" pitchFamily="2" charset="2"/>
-              </a:rPr>
+              <a:rPr lang="de-AT" dirty="0"/>
               <a:t> erzeugt</a:t>
             </a:r>
-            <a:endParaRPr lang="de-AT" dirty="0"/>
+            <a:endParaRPr lang="de-AT" sz="2000" dirty="0"/>
           </a:p>
         </p:txBody>
       </p:sp>
@@ -4971,7 +5016,7 @@
             </a:pPr>
             <a:r>
               <a:rPr lang="de-AT" dirty="0"/>
-              <a:t>Stelle ein Interface für die Erzeugung von Gruppen von ähnlichen oder abhängigen bereit, ohne dabei die konkreten Klassen zu spezifizieren</a:t>
+              <a:t>Stelle ein Interface für die Erzeugung von Gruppen von ähnlichen oder abhängigen Objekten bereit, ohne dabei die konkreten Klassen zu spezifizieren</a:t>
             </a:r>
           </a:p>
         </p:txBody>
@@ -5130,7 +5175,15 @@
             <a:pPr lvl="1"/>
             <a:r>
               <a:rPr lang="de-AT" dirty="0"/>
-              <a:t>Abstract Factory erzeugt Factory, die das Objekt erzeugen kann</a:t>
+              <a:t>Konkrete </a:t>
+            </a:r>
+            <a:r>
+              <a:rPr lang="de-AT" dirty="0" err="1"/>
+              <a:t>Factories</a:t>
+            </a:r>
+            <a:r>
+              <a:rPr lang="de-AT" dirty="0"/>
+              <a:t> hinter abstrakter Factory</a:t>
             </a:r>
           </a:p>
           <a:p>
@@ -5605,7 +5658,7 @@
             </a:r>
             <a:r>
               <a:rPr lang="de-AT" dirty="0"/>
-              <a:t> zum Erzeugen des Layouts (horizontale oder vertikale Orientierung)</a:t>
+              <a:t> zum Erzeugen des Layouts der Komponenten (horizontale oder vertikale Orientierung)</a:t>
             </a:r>
           </a:p>
         </p:txBody>
@@ -5798,6 +5851,12 @@
               <a:t>Baumeditor, Spreadsheets, CASE-Tools, … </a:t>
             </a:r>
           </a:p>
+          <a:p>
+            <a:r>
+              <a:rPr lang="de-AT" dirty="0"/>
+              <a:t>Abstract Factory zur Portabilität zwischen Fenstersystemen</a:t>
+            </a:r>
+          </a:p>
         </p:txBody>
       </p:sp>
       <p:sp>
@@ -6027,7 +6086,7 @@
             <a:pPr lvl="1"/>
             <a:r>
               <a:rPr lang="de-AT" dirty="0"/>
-              <a:t>Factory erzeugt konkrete Klassen</a:t>
+              <a:t>Factory erzeugt konkrete Objekte</a:t>
             </a:r>
           </a:p>
           <a:p>

--- a/Presentation/Abstract_Factory.pptx
+++ b/Presentation/Abstract_Factory.pptx
@@ -375,7 +375,7 @@
           <a:p>
             <a:fld id="{3AC32170-C98A-4426-A5C7-F71975255C42}" type="datetimeFigureOut">
               <a:rPr lang="de-AT" smtClean="0"/>
-              <a:t>16.03.2019</a:t>
+              <a:t>18.03.2019</a:t>
             </a:fld>
             <a:endParaRPr lang="de-AT"/>
           </a:p>
@@ -3441,7 +3441,7 @@
 </file>
 
 <file path=ppt/slides/slide10.xml><?xml version="1.0" encoding="utf-8"?>
-<p:sld xmlns:a="http://schemas.openxmlformats.org/drawingml/2006/main" xmlns:r="http://schemas.openxmlformats.org/officeDocument/2006/relationships" xmlns:p="http://schemas.openxmlformats.org/presentationml/2006/main">
+<p:sld xmlns:a="http://schemas.openxmlformats.org/drawingml/2006/main" xmlns:r="http://schemas.openxmlformats.org/officeDocument/2006/relationships" xmlns:p="http://schemas.openxmlformats.org/presentationml/2006/main" show="0">
   <p:cSld>
     <p:spTree>
       <p:nvGrpSpPr>
@@ -3659,6 +3659,9 @@
   <p:clrMapOvr>
     <a:masterClrMapping/>
   </p:clrMapOvr>
+  <p:transition>
+    <p:fade thruBlk="1"/>
+  </p:transition>
 </p:sld>
 </file>
 

--- a/Presentation/Abstract_Factory.pptx
+++ b/Presentation/Abstract_Factory.pptx
@@ -5857,8 +5857,13 @@
           <a:p>
             <a:r>
               <a:rPr lang="de-AT" dirty="0"/>
-              <a:t>Abstract Factory zur Portabilität zwischen Fenstersystemen</a:t>
-            </a:r>
+              <a:t>Abstract Factory zur Portabilität zwischen Fenstersystemen </a:t>
+            </a:r>
+            <a:r>
+              <a:rPr lang="de-AT"/>
+              <a:t>der Betriebssysteme</a:t>
+            </a:r>
+            <a:endParaRPr lang="de-AT" dirty="0"/>
           </a:p>
         </p:txBody>
       </p:sp>

--- a/Presentation/Abstract_Factory.pptx
+++ b/Presentation/Abstract_Factory.pptx
@@ -4165,7 +4165,12 @@
             <p:ph type="body" idx="1"/>
           </p:nvPr>
         </p:nvSpPr>
-        <p:spPr/>
+        <p:spPr>
+          <a:xfrm>
+            <a:off x="343225" y="1411220"/>
+            <a:ext cx="8290800" cy="4851900"/>
+          </a:xfrm>
+        </p:spPr>
         <p:txBody>
           <a:bodyPr/>
           <a:lstStyle/>
@@ -4248,6 +4253,15 @@
                 <a:sym typeface="Wingdings" panose="05000000000000000000" pitchFamily="2" charset="2"/>
               </a:rPr>
               <a:t> Aufteilung | Anti-pattern  Ein Objekt, das alle Aufgaben übernimmt</a:t>
+            </a:r>
+          </a:p>
+          <a:p>
+            <a:pPr lvl="1"/>
+            <a:r>
+              <a:rPr lang="de-AT" dirty="0">
+                <a:sym typeface="Wingdings" panose="05000000000000000000" pitchFamily="2" charset="2"/>
+              </a:rPr>
+              <a:t>Bei nur einer Implementierung des Interfaces  unnötige Komplexität</a:t>
             </a:r>
             <a:endParaRPr lang="de-AT" dirty="0"/>
           </a:p>
